--- a/Microsoft 365 Enterprise License Map.pptx
+++ b/Microsoft 365 Enterprise License Map.pptx
@@ -130,7 +130,7 @@
 <file path=ppt/revisionInfo.xml><?xml version="1.0" encoding="utf-8"?>
 <p1510:revInfo xmlns:a="http://schemas.openxmlformats.org/drawingml/2006/main" xmlns:r="http://schemas.openxmlformats.org/officeDocument/2006/relationships" xmlns:p1510="http://schemas.microsoft.com/office/powerpoint/2015/10/main">
   <p1510:revLst>
-    <p1510:client id="{E70B6982-44FB-4297-A1A9-7B1A30B92B16}" v="196" dt="2019-04-17T12:38:15.599"/>
+    <p1510:client id="{E70B6982-44FB-4297-A1A9-7B1A30B92B16}" v="211" dt="2019-05-04T08:03:16.937"/>
   </p1510:revLst>
 </p1510:revInfo>
 </file>
@@ -284,7 +284,7 @@
           <a:p>
             <a:fld id="{5A8F0079-C155-4963-BA90-8B06FFA7587C}" type="datetimeFigureOut">
               <a:rPr lang="en-AU" smtClean="0"/>
-              <a:t>17/04/2019</a:t>
+              <a:t>9/05/2019</a:t>
             </a:fld>
             <a:endParaRPr lang="en-AU"/>
           </a:p>
@@ -484,7 +484,7 @@
           <a:p>
             <a:fld id="{5A8F0079-C155-4963-BA90-8B06FFA7587C}" type="datetimeFigureOut">
               <a:rPr lang="en-AU" smtClean="0"/>
-              <a:t>17/04/2019</a:t>
+              <a:t>9/05/2019</a:t>
             </a:fld>
             <a:endParaRPr lang="en-AU"/>
           </a:p>
@@ -694,7 +694,7 @@
           <a:p>
             <a:fld id="{5A8F0079-C155-4963-BA90-8B06FFA7587C}" type="datetimeFigureOut">
               <a:rPr lang="en-AU" smtClean="0"/>
-              <a:t>17/04/2019</a:t>
+              <a:t>9/05/2019</a:t>
             </a:fld>
             <a:endParaRPr lang="en-AU"/>
           </a:p>
@@ -894,7 +894,7 @@
           <a:p>
             <a:fld id="{5A8F0079-C155-4963-BA90-8B06FFA7587C}" type="datetimeFigureOut">
               <a:rPr lang="en-AU" smtClean="0"/>
-              <a:t>17/04/2019</a:t>
+              <a:t>9/05/2019</a:t>
             </a:fld>
             <a:endParaRPr lang="en-AU"/>
           </a:p>
@@ -1170,7 +1170,7 @@
           <a:p>
             <a:fld id="{5A8F0079-C155-4963-BA90-8B06FFA7587C}" type="datetimeFigureOut">
               <a:rPr lang="en-AU" smtClean="0"/>
-              <a:t>17/04/2019</a:t>
+              <a:t>9/05/2019</a:t>
             </a:fld>
             <a:endParaRPr lang="en-AU"/>
           </a:p>
@@ -1438,7 +1438,7 @@
           <a:p>
             <a:fld id="{5A8F0079-C155-4963-BA90-8B06FFA7587C}" type="datetimeFigureOut">
               <a:rPr lang="en-AU" smtClean="0"/>
-              <a:t>17/04/2019</a:t>
+              <a:t>9/05/2019</a:t>
             </a:fld>
             <a:endParaRPr lang="en-AU"/>
           </a:p>
@@ -1853,7 +1853,7 @@
           <a:p>
             <a:fld id="{5A8F0079-C155-4963-BA90-8B06FFA7587C}" type="datetimeFigureOut">
               <a:rPr lang="en-AU" smtClean="0"/>
-              <a:t>17/04/2019</a:t>
+              <a:t>9/05/2019</a:t>
             </a:fld>
             <a:endParaRPr lang="en-AU"/>
           </a:p>
@@ -1995,7 +1995,7 @@
           <a:p>
             <a:fld id="{5A8F0079-C155-4963-BA90-8B06FFA7587C}" type="datetimeFigureOut">
               <a:rPr lang="en-AU" smtClean="0"/>
-              <a:t>17/04/2019</a:t>
+              <a:t>9/05/2019</a:t>
             </a:fld>
             <a:endParaRPr lang="en-AU"/>
           </a:p>
@@ -2108,7 +2108,7 @@
           <a:p>
             <a:fld id="{5A8F0079-C155-4963-BA90-8B06FFA7587C}" type="datetimeFigureOut">
               <a:rPr lang="en-AU" smtClean="0"/>
-              <a:t>17/04/2019</a:t>
+              <a:t>9/05/2019</a:t>
             </a:fld>
             <a:endParaRPr lang="en-AU"/>
           </a:p>
@@ -2421,7 +2421,7 @@
           <a:p>
             <a:fld id="{5A8F0079-C155-4963-BA90-8B06FFA7587C}" type="datetimeFigureOut">
               <a:rPr lang="en-AU" smtClean="0"/>
-              <a:t>17/04/2019</a:t>
+              <a:t>9/05/2019</a:t>
             </a:fld>
             <a:endParaRPr lang="en-AU"/>
           </a:p>
@@ -2710,7 +2710,7 @@
           <a:p>
             <a:fld id="{5A8F0079-C155-4963-BA90-8B06FFA7587C}" type="datetimeFigureOut">
               <a:rPr lang="en-AU" smtClean="0"/>
-              <a:t>17/04/2019</a:t>
+              <a:t>9/05/2019</a:t>
             </a:fld>
             <a:endParaRPr lang="en-AU"/>
           </a:p>
@@ -2953,7 +2953,7 @@
           <a:p>
             <a:fld id="{5A8F0079-C155-4963-BA90-8B06FFA7587C}" type="datetimeFigureOut">
               <a:rPr lang="en-AU" smtClean="0"/>
-              <a:t>17/04/2019</a:t>
+              <a:t>9/05/2019</a:t>
             </a:fld>
             <a:endParaRPr lang="en-AU"/>
           </a:p>
@@ -3421,7 +3421,7 @@
           <a:p>
             <a:r>
               <a:rPr lang="en-AU" dirty="0"/>
-              <a:t>License Map – 2019-05</a:t>
+              <a:t>License Map – May 2019</a:t>
             </a:r>
           </a:p>
           <a:p>
@@ -3473,7 +3473,7 @@
       </p:grpSpPr>
       <p:pic>
         <p:nvPicPr>
-          <p:cNvPr id="5" name="Picture 4" descr="A close up of a calculator&#10;&#10;Description automatically generated">
+          <p:cNvPr id="5" name="Picture 4">
             <a:extLst>
               <a:ext uri="{FF2B5EF4-FFF2-40B4-BE49-F238E27FC236}">
                 <a16:creationId xmlns:a16="http://schemas.microsoft.com/office/drawing/2014/main" id="{15BE3705-2A0D-4CDB-B4B4-8AA00B1A7A10}"/>
@@ -3493,14 +3493,13 @@
               </a:ext>
             </a:extLst>
           </a:blip>
-          <a:stretch>
-            <a:fillRect/>
-          </a:stretch>
+          <a:srcRect/>
+          <a:stretch/>
         </p:blipFill>
         <p:spPr>
           <a:xfrm>
-            <a:off x="0" y="552451"/>
-            <a:ext cx="12192000" cy="5753099"/>
+            <a:off x="1" y="606402"/>
+            <a:ext cx="12191998" cy="5645195"/>
           </a:xfrm>
           <a:prstGeom prst="rect">
             <a:avLst/>
@@ -3515,14 +3514,17 @@
               <a:ext uri="{FF2B5EF4-FFF2-40B4-BE49-F238E27FC236}">
                 <a16:creationId xmlns:a16="http://schemas.microsoft.com/office/drawing/2014/main" id="{562AB77F-40DB-479D-96A1-34B0C70B7632}"/>
               </a:ext>
-            </a:extLst>
-          </p:cNvPr>
-          <p:cNvSpPr/>
-          <p:nvPr/>
-        </p:nvSpPr>
-        <p:spPr>
-          <a:xfrm>
-            <a:off x="1339794" y="1410104"/>
+              <a:ext uri="{C183D7F6-B498-43B3-948B-1728B52AA6E4}">
+                <adec:decorative xmlns:adec="http://schemas.microsoft.com/office/drawing/2017/decorative" val="1"/>
+              </a:ext>
+            </a:extLst>
+          </p:cNvPr>
+          <p:cNvSpPr/>
+          <p:nvPr/>
+        </p:nvSpPr>
+        <p:spPr>
+          <a:xfrm>
+            <a:off x="1301000" y="1410104"/>
             <a:ext cx="695739" cy="589649"/>
           </a:xfrm>
           <a:prstGeom prst="rect">
@@ -3566,14 +3568,17 @@
               <a:ext uri="{FF2B5EF4-FFF2-40B4-BE49-F238E27FC236}">
                 <a16:creationId xmlns:a16="http://schemas.microsoft.com/office/drawing/2014/main" id="{291ECB20-0974-4471-A8FC-BF4CB32E5703}"/>
               </a:ext>
-            </a:extLst>
-          </p:cNvPr>
-          <p:cNvSpPr/>
-          <p:nvPr/>
-        </p:nvSpPr>
-        <p:spPr>
-          <a:xfrm>
-            <a:off x="2055412" y="1410104"/>
+              <a:ext uri="{C183D7F6-B498-43B3-948B-1728B52AA6E4}">
+                <adec:decorative xmlns:adec="http://schemas.microsoft.com/office/drawing/2017/decorative" val="1"/>
+              </a:ext>
+            </a:extLst>
+          </p:cNvPr>
+          <p:cNvSpPr/>
+          <p:nvPr/>
+        </p:nvSpPr>
+        <p:spPr>
+          <a:xfrm>
+            <a:off x="2016618" y="1410104"/>
             <a:ext cx="695739" cy="589649"/>
           </a:xfrm>
           <a:prstGeom prst="rect">
@@ -3617,14 +3622,17 @@
               <a:ext uri="{FF2B5EF4-FFF2-40B4-BE49-F238E27FC236}">
                 <a16:creationId xmlns:a16="http://schemas.microsoft.com/office/drawing/2014/main" id="{92060B2D-E653-4FFE-B6C5-C9EE4CD411C6}"/>
               </a:ext>
-            </a:extLst>
-          </p:cNvPr>
-          <p:cNvSpPr/>
-          <p:nvPr/>
-        </p:nvSpPr>
-        <p:spPr>
-          <a:xfrm>
-            <a:off x="2771030" y="1410104"/>
+              <a:ext uri="{C183D7F6-B498-43B3-948B-1728B52AA6E4}">
+                <adec:decorative xmlns:adec="http://schemas.microsoft.com/office/drawing/2017/decorative" val="1"/>
+              </a:ext>
+            </a:extLst>
+          </p:cNvPr>
+          <p:cNvSpPr/>
+          <p:nvPr/>
+        </p:nvSpPr>
+        <p:spPr>
+          <a:xfrm>
+            <a:off x="2732236" y="1410104"/>
             <a:ext cx="695739" cy="589649"/>
           </a:xfrm>
           <a:prstGeom prst="rect">
@@ -3668,14 +3676,17 @@
               <a:ext uri="{FF2B5EF4-FFF2-40B4-BE49-F238E27FC236}">
                 <a16:creationId xmlns:a16="http://schemas.microsoft.com/office/drawing/2014/main" id="{E44B4E01-970F-43B5-8147-D849B0402289}"/>
               </a:ext>
-            </a:extLst>
-          </p:cNvPr>
-          <p:cNvSpPr/>
-          <p:nvPr/>
-        </p:nvSpPr>
-        <p:spPr>
-          <a:xfrm>
-            <a:off x="3486648" y="1410104"/>
+              <a:ext uri="{C183D7F6-B498-43B3-948B-1728B52AA6E4}">
+                <adec:decorative xmlns:adec="http://schemas.microsoft.com/office/drawing/2017/decorative" val="1"/>
+              </a:ext>
+            </a:extLst>
+          </p:cNvPr>
+          <p:cNvSpPr/>
+          <p:nvPr/>
+        </p:nvSpPr>
+        <p:spPr>
+          <a:xfrm>
+            <a:off x="3447854" y="1410104"/>
             <a:ext cx="695739" cy="589649"/>
           </a:xfrm>
           <a:prstGeom prst="rect">
@@ -3719,14 +3730,17 @@
               <a:ext uri="{FF2B5EF4-FFF2-40B4-BE49-F238E27FC236}">
                 <a16:creationId xmlns:a16="http://schemas.microsoft.com/office/drawing/2014/main" id="{0DA28951-0DA7-4CCB-BD67-6FE5BB12BF0D}"/>
               </a:ext>
-            </a:extLst>
-          </p:cNvPr>
-          <p:cNvSpPr/>
-          <p:nvPr/>
-        </p:nvSpPr>
-        <p:spPr>
-          <a:xfrm>
-            <a:off x="1339794" y="2017578"/>
+              <a:ext uri="{C183D7F6-B498-43B3-948B-1728B52AA6E4}">
+                <adec:decorative xmlns:adec="http://schemas.microsoft.com/office/drawing/2017/decorative" val="1"/>
+              </a:ext>
+            </a:extLst>
+          </p:cNvPr>
+          <p:cNvSpPr/>
+          <p:nvPr/>
+        </p:nvSpPr>
+        <p:spPr>
+          <a:xfrm>
+            <a:off x="1301000" y="2017578"/>
             <a:ext cx="695739" cy="589649"/>
           </a:xfrm>
           <a:prstGeom prst="rect">
@@ -3770,14 +3784,17 @@
               <a:ext uri="{FF2B5EF4-FFF2-40B4-BE49-F238E27FC236}">
                 <a16:creationId xmlns:a16="http://schemas.microsoft.com/office/drawing/2014/main" id="{804567DD-B65B-43F4-B8C5-F401596C8106}"/>
               </a:ext>
-            </a:extLst>
-          </p:cNvPr>
-          <p:cNvSpPr/>
-          <p:nvPr/>
-        </p:nvSpPr>
-        <p:spPr>
-          <a:xfrm>
-            <a:off x="1339794" y="2625052"/>
+              <a:ext uri="{C183D7F6-B498-43B3-948B-1728B52AA6E4}">
+                <adec:decorative xmlns:adec="http://schemas.microsoft.com/office/drawing/2017/decorative" val="1"/>
+              </a:ext>
+            </a:extLst>
+          </p:cNvPr>
+          <p:cNvSpPr/>
+          <p:nvPr/>
+        </p:nvSpPr>
+        <p:spPr>
+          <a:xfrm>
+            <a:off x="1301000" y="2625052"/>
             <a:ext cx="695739" cy="589649"/>
           </a:xfrm>
           <a:prstGeom prst="rect">
@@ -3821,14 +3838,17 @@
               <a:ext uri="{FF2B5EF4-FFF2-40B4-BE49-F238E27FC236}">
                 <a16:creationId xmlns:a16="http://schemas.microsoft.com/office/drawing/2014/main" id="{FF8DA3A3-163B-4259-9BA5-4B604B029B6A}"/>
               </a:ext>
-            </a:extLst>
-          </p:cNvPr>
-          <p:cNvSpPr/>
-          <p:nvPr/>
-        </p:nvSpPr>
-        <p:spPr>
-          <a:xfrm>
-            <a:off x="1339794" y="3232526"/>
+              <a:ext uri="{C183D7F6-B498-43B3-948B-1728B52AA6E4}">
+                <adec:decorative xmlns:adec="http://schemas.microsoft.com/office/drawing/2017/decorative" val="1"/>
+              </a:ext>
+            </a:extLst>
+          </p:cNvPr>
+          <p:cNvSpPr/>
+          <p:nvPr/>
+        </p:nvSpPr>
+        <p:spPr>
+          <a:xfrm>
+            <a:off x="1301000" y="3232526"/>
             <a:ext cx="695739" cy="589649"/>
           </a:xfrm>
           <a:prstGeom prst="rect">
@@ -3872,14 +3892,17 @@
               <a:ext uri="{FF2B5EF4-FFF2-40B4-BE49-F238E27FC236}">
                 <a16:creationId xmlns:a16="http://schemas.microsoft.com/office/drawing/2014/main" id="{E6E0DB9A-6955-43AB-A9A1-56B81DFDD517}"/>
               </a:ext>
-            </a:extLst>
-          </p:cNvPr>
-          <p:cNvSpPr/>
-          <p:nvPr/>
-        </p:nvSpPr>
-        <p:spPr>
-          <a:xfrm>
-            <a:off x="1339794" y="3840000"/>
+              <a:ext uri="{C183D7F6-B498-43B3-948B-1728B52AA6E4}">
+                <adec:decorative xmlns:adec="http://schemas.microsoft.com/office/drawing/2017/decorative" val="1"/>
+              </a:ext>
+            </a:extLst>
+          </p:cNvPr>
+          <p:cNvSpPr/>
+          <p:nvPr/>
+        </p:nvSpPr>
+        <p:spPr>
+          <a:xfrm>
+            <a:off x="1301000" y="3840000"/>
             <a:ext cx="695739" cy="589649"/>
           </a:xfrm>
           <a:prstGeom prst="rect">
@@ -3923,14 +3946,17 @@
               <a:ext uri="{FF2B5EF4-FFF2-40B4-BE49-F238E27FC236}">
                 <a16:creationId xmlns:a16="http://schemas.microsoft.com/office/drawing/2014/main" id="{22CD8D0F-D4F1-4D05-BA5F-40CE459696B5}"/>
               </a:ext>
-            </a:extLst>
-          </p:cNvPr>
-          <p:cNvSpPr/>
-          <p:nvPr/>
-        </p:nvSpPr>
-        <p:spPr>
-          <a:xfrm>
-            <a:off x="1339794" y="4447476"/>
+              <a:ext uri="{C183D7F6-B498-43B3-948B-1728B52AA6E4}">
+                <adec:decorative xmlns:adec="http://schemas.microsoft.com/office/drawing/2017/decorative" val="1"/>
+              </a:ext>
+            </a:extLst>
+          </p:cNvPr>
+          <p:cNvSpPr/>
+          <p:nvPr/>
+        </p:nvSpPr>
+        <p:spPr>
+          <a:xfrm>
+            <a:off x="1301000" y="4447476"/>
             <a:ext cx="695739" cy="589649"/>
           </a:xfrm>
           <a:prstGeom prst="rect">
@@ -3974,14 +4000,17 @@
               <a:ext uri="{FF2B5EF4-FFF2-40B4-BE49-F238E27FC236}">
                 <a16:creationId xmlns:a16="http://schemas.microsoft.com/office/drawing/2014/main" id="{BB494F9C-A624-485D-8F22-BD4B524AE5A8}"/>
               </a:ext>
-            </a:extLst>
-          </p:cNvPr>
-          <p:cNvSpPr/>
-          <p:nvPr/>
-        </p:nvSpPr>
-        <p:spPr>
-          <a:xfrm>
-            <a:off x="2055412" y="2017578"/>
+              <a:ext uri="{C183D7F6-B498-43B3-948B-1728B52AA6E4}">
+                <adec:decorative xmlns:adec="http://schemas.microsoft.com/office/drawing/2017/decorative" val="1"/>
+              </a:ext>
+            </a:extLst>
+          </p:cNvPr>
+          <p:cNvSpPr/>
+          <p:nvPr/>
+        </p:nvSpPr>
+        <p:spPr>
+          <a:xfrm>
+            <a:off x="2016618" y="2017578"/>
             <a:ext cx="695739" cy="589649"/>
           </a:xfrm>
           <a:prstGeom prst="rect">
@@ -4025,14 +4054,17 @@
               <a:ext uri="{FF2B5EF4-FFF2-40B4-BE49-F238E27FC236}">
                 <a16:creationId xmlns:a16="http://schemas.microsoft.com/office/drawing/2014/main" id="{6873830E-03AE-44A8-B5C7-4A86EF88BA5C}"/>
               </a:ext>
-            </a:extLst>
-          </p:cNvPr>
-          <p:cNvSpPr/>
-          <p:nvPr/>
-        </p:nvSpPr>
-        <p:spPr>
-          <a:xfrm>
-            <a:off x="2055412" y="2625052"/>
+              <a:ext uri="{C183D7F6-B498-43B3-948B-1728B52AA6E4}">
+                <adec:decorative xmlns:adec="http://schemas.microsoft.com/office/drawing/2017/decorative" val="1"/>
+              </a:ext>
+            </a:extLst>
+          </p:cNvPr>
+          <p:cNvSpPr/>
+          <p:nvPr/>
+        </p:nvSpPr>
+        <p:spPr>
+          <a:xfrm>
+            <a:off x="2016618" y="2625052"/>
             <a:ext cx="695739" cy="589649"/>
           </a:xfrm>
           <a:prstGeom prst="rect">
@@ -4076,14 +4108,17 @@
               <a:ext uri="{FF2B5EF4-FFF2-40B4-BE49-F238E27FC236}">
                 <a16:creationId xmlns:a16="http://schemas.microsoft.com/office/drawing/2014/main" id="{5FC785C0-7378-4EE0-81FD-A708A8E9359C}"/>
               </a:ext>
-            </a:extLst>
-          </p:cNvPr>
-          <p:cNvSpPr/>
-          <p:nvPr/>
-        </p:nvSpPr>
-        <p:spPr>
-          <a:xfrm>
-            <a:off x="2055412" y="3232526"/>
+              <a:ext uri="{C183D7F6-B498-43B3-948B-1728B52AA6E4}">
+                <adec:decorative xmlns:adec="http://schemas.microsoft.com/office/drawing/2017/decorative" val="1"/>
+              </a:ext>
+            </a:extLst>
+          </p:cNvPr>
+          <p:cNvSpPr/>
+          <p:nvPr/>
+        </p:nvSpPr>
+        <p:spPr>
+          <a:xfrm>
+            <a:off x="2016618" y="3232526"/>
             <a:ext cx="695739" cy="589649"/>
           </a:xfrm>
           <a:prstGeom prst="rect">
@@ -4127,14 +4162,17 @@
               <a:ext uri="{FF2B5EF4-FFF2-40B4-BE49-F238E27FC236}">
                 <a16:creationId xmlns:a16="http://schemas.microsoft.com/office/drawing/2014/main" id="{490F21D0-94AF-4A2F-8AA1-640B0EBBCA9A}"/>
               </a:ext>
-            </a:extLst>
-          </p:cNvPr>
-          <p:cNvSpPr/>
-          <p:nvPr/>
-        </p:nvSpPr>
-        <p:spPr>
-          <a:xfrm>
-            <a:off x="2055412" y="3840000"/>
+              <a:ext uri="{C183D7F6-B498-43B3-948B-1728B52AA6E4}">
+                <adec:decorative xmlns:adec="http://schemas.microsoft.com/office/drawing/2017/decorative" val="1"/>
+              </a:ext>
+            </a:extLst>
+          </p:cNvPr>
+          <p:cNvSpPr/>
+          <p:nvPr/>
+        </p:nvSpPr>
+        <p:spPr>
+          <a:xfrm>
+            <a:off x="2016618" y="3840000"/>
             <a:ext cx="695739" cy="589649"/>
           </a:xfrm>
           <a:prstGeom prst="rect">
@@ -4178,14 +4216,17 @@
               <a:ext uri="{FF2B5EF4-FFF2-40B4-BE49-F238E27FC236}">
                 <a16:creationId xmlns:a16="http://schemas.microsoft.com/office/drawing/2014/main" id="{D05E157A-01D7-4267-898A-528DB725191D}"/>
               </a:ext>
-            </a:extLst>
-          </p:cNvPr>
-          <p:cNvSpPr/>
-          <p:nvPr/>
-        </p:nvSpPr>
-        <p:spPr>
-          <a:xfrm>
-            <a:off x="2055412" y="4447476"/>
+              <a:ext uri="{C183D7F6-B498-43B3-948B-1728B52AA6E4}">
+                <adec:decorative xmlns:adec="http://schemas.microsoft.com/office/drawing/2017/decorative" val="1"/>
+              </a:ext>
+            </a:extLst>
+          </p:cNvPr>
+          <p:cNvSpPr/>
+          <p:nvPr/>
+        </p:nvSpPr>
+        <p:spPr>
+          <a:xfrm>
+            <a:off x="2016618" y="4447476"/>
             <a:ext cx="695739" cy="589649"/>
           </a:xfrm>
           <a:prstGeom prst="rect">
@@ -4229,14 +4270,17 @@
               <a:ext uri="{FF2B5EF4-FFF2-40B4-BE49-F238E27FC236}">
                 <a16:creationId xmlns:a16="http://schemas.microsoft.com/office/drawing/2014/main" id="{994F9AF0-80DF-45F1-8E2A-50003FEF5A40}"/>
               </a:ext>
-            </a:extLst>
-          </p:cNvPr>
-          <p:cNvSpPr/>
-          <p:nvPr/>
-        </p:nvSpPr>
-        <p:spPr>
-          <a:xfrm>
-            <a:off x="2771030" y="2017578"/>
+              <a:ext uri="{C183D7F6-B498-43B3-948B-1728B52AA6E4}">
+                <adec:decorative xmlns:adec="http://schemas.microsoft.com/office/drawing/2017/decorative" val="1"/>
+              </a:ext>
+            </a:extLst>
+          </p:cNvPr>
+          <p:cNvSpPr/>
+          <p:nvPr/>
+        </p:nvSpPr>
+        <p:spPr>
+          <a:xfrm>
+            <a:off x="2732236" y="2017578"/>
             <a:ext cx="695739" cy="589649"/>
           </a:xfrm>
           <a:prstGeom prst="rect">
@@ -4280,14 +4324,17 @@
               <a:ext uri="{FF2B5EF4-FFF2-40B4-BE49-F238E27FC236}">
                 <a16:creationId xmlns:a16="http://schemas.microsoft.com/office/drawing/2014/main" id="{83192DA2-BA94-490A-A586-9759DDE5DB61}"/>
               </a:ext>
-            </a:extLst>
-          </p:cNvPr>
-          <p:cNvSpPr/>
-          <p:nvPr/>
-        </p:nvSpPr>
-        <p:spPr>
-          <a:xfrm>
-            <a:off x="2771030" y="2625052"/>
+              <a:ext uri="{C183D7F6-B498-43B3-948B-1728B52AA6E4}">
+                <adec:decorative xmlns:adec="http://schemas.microsoft.com/office/drawing/2017/decorative" val="1"/>
+              </a:ext>
+            </a:extLst>
+          </p:cNvPr>
+          <p:cNvSpPr/>
+          <p:nvPr/>
+        </p:nvSpPr>
+        <p:spPr>
+          <a:xfrm>
+            <a:off x="2732236" y="2625052"/>
             <a:ext cx="695739" cy="589649"/>
           </a:xfrm>
           <a:prstGeom prst="rect">
@@ -4331,14 +4378,17 @@
               <a:ext uri="{FF2B5EF4-FFF2-40B4-BE49-F238E27FC236}">
                 <a16:creationId xmlns:a16="http://schemas.microsoft.com/office/drawing/2014/main" id="{8EAC0755-9009-4C35-8A08-BF32B8C1750A}"/>
               </a:ext>
-            </a:extLst>
-          </p:cNvPr>
-          <p:cNvSpPr/>
-          <p:nvPr/>
-        </p:nvSpPr>
-        <p:spPr>
-          <a:xfrm>
-            <a:off x="2771030" y="3232526"/>
+              <a:ext uri="{C183D7F6-B498-43B3-948B-1728B52AA6E4}">
+                <adec:decorative xmlns:adec="http://schemas.microsoft.com/office/drawing/2017/decorative" val="1"/>
+              </a:ext>
+            </a:extLst>
+          </p:cNvPr>
+          <p:cNvSpPr/>
+          <p:nvPr/>
+        </p:nvSpPr>
+        <p:spPr>
+          <a:xfrm>
+            <a:off x="2732236" y="3232526"/>
             <a:ext cx="695739" cy="589649"/>
           </a:xfrm>
           <a:prstGeom prst="rect">
@@ -4382,14 +4432,17 @@
               <a:ext uri="{FF2B5EF4-FFF2-40B4-BE49-F238E27FC236}">
                 <a16:creationId xmlns:a16="http://schemas.microsoft.com/office/drawing/2014/main" id="{F607AE92-35C2-45F6-8FA9-C1B76037BACF}"/>
               </a:ext>
-            </a:extLst>
-          </p:cNvPr>
-          <p:cNvSpPr/>
-          <p:nvPr/>
-        </p:nvSpPr>
-        <p:spPr>
-          <a:xfrm>
-            <a:off x="2771030" y="3840000"/>
+              <a:ext uri="{C183D7F6-B498-43B3-948B-1728B52AA6E4}">
+                <adec:decorative xmlns:adec="http://schemas.microsoft.com/office/drawing/2017/decorative" val="1"/>
+              </a:ext>
+            </a:extLst>
+          </p:cNvPr>
+          <p:cNvSpPr/>
+          <p:nvPr/>
+        </p:nvSpPr>
+        <p:spPr>
+          <a:xfrm>
+            <a:off x="2732236" y="3840000"/>
             <a:ext cx="695739" cy="589649"/>
           </a:xfrm>
           <a:prstGeom prst="rect">
@@ -4433,14 +4486,17 @@
               <a:ext uri="{FF2B5EF4-FFF2-40B4-BE49-F238E27FC236}">
                 <a16:creationId xmlns:a16="http://schemas.microsoft.com/office/drawing/2014/main" id="{A0E60E40-3830-4D03-B60A-0C2FD0BD92E2}"/>
               </a:ext>
-            </a:extLst>
-          </p:cNvPr>
-          <p:cNvSpPr/>
-          <p:nvPr/>
-        </p:nvSpPr>
-        <p:spPr>
-          <a:xfrm>
-            <a:off x="2771030" y="4447476"/>
+              <a:ext uri="{C183D7F6-B498-43B3-948B-1728B52AA6E4}">
+                <adec:decorative xmlns:adec="http://schemas.microsoft.com/office/drawing/2017/decorative" val="1"/>
+              </a:ext>
+            </a:extLst>
+          </p:cNvPr>
+          <p:cNvSpPr/>
+          <p:nvPr/>
+        </p:nvSpPr>
+        <p:spPr>
+          <a:xfrm>
+            <a:off x="2732236" y="4447476"/>
             <a:ext cx="695739" cy="589649"/>
           </a:xfrm>
           <a:prstGeom prst="rect">
@@ -4484,14 +4540,17 @@
               <a:ext uri="{FF2B5EF4-FFF2-40B4-BE49-F238E27FC236}">
                 <a16:creationId xmlns:a16="http://schemas.microsoft.com/office/drawing/2014/main" id="{62EA75F3-8AEF-465C-A7AE-AFAE8A46C1E9}"/>
               </a:ext>
-            </a:extLst>
-          </p:cNvPr>
-          <p:cNvSpPr/>
-          <p:nvPr/>
-        </p:nvSpPr>
-        <p:spPr>
-          <a:xfrm>
-            <a:off x="3486648" y="2017578"/>
+              <a:ext uri="{C183D7F6-B498-43B3-948B-1728B52AA6E4}">
+                <adec:decorative xmlns:adec="http://schemas.microsoft.com/office/drawing/2017/decorative" val="1"/>
+              </a:ext>
+            </a:extLst>
+          </p:cNvPr>
+          <p:cNvSpPr/>
+          <p:nvPr/>
+        </p:nvSpPr>
+        <p:spPr>
+          <a:xfrm>
+            <a:off x="3447854" y="2017578"/>
             <a:ext cx="695739" cy="589649"/>
           </a:xfrm>
           <a:prstGeom prst="rect">
@@ -4535,14 +4594,17 @@
               <a:ext uri="{FF2B5EF4-FFF2-40B4-BE49-F238E27FC236}">
                 <a16:creationId xmlns:a16="http://schemas.microsoft.com/office/drawing/2014/main" id="{5CA699C1-F847-44ED-A5D0-6F1950896185}"/>
               </a:ext>
-            </a:extLst>
-          </p:cNvPr>
-          <p:cNvSpPr/>
-          <p:nvPr/>
-        </p:nvSpPr>
-        <p:spPr>
-          <a:xfrm>
-            <a:off x="3486648" y="2625052"/>
+              <a:ext uri="{C183D7F6-B498-43B3-948B-1728B52AA6E4}">
+                <adec:decorative xmlns:adec="http://schemas.microsoft.com/office/drawing/2017/decorative" val="1"/>
+              </a:ext>
+            </a:extLst>
+          </p:cNvPr>
+          <p:cNvSpPr/>
+          <p:nvPr/>
+        </p:nvSpPr>
+        <p:spPr>
+          <a:xfrm>
+            <a:off x="3447854" y="2625052"/>
             <a:ext cx="695739" cy="589649"/>
           </a:xfrm>
           <a:prstGeom prst="rect">
@@ -4586,14 +4648,17 @@
               <a:ext uri="{FF2B5EF4-FFF2-40B4-BE49-F238E27FC236}">
                 <a16:creationId xmlns:a16="http://schemas.microsoft.com/office/drawing/2014/main" id="{80C406E5-A2AD-4A35-8F36-A6141962F360}"/>
               </a:ext>
-            </a:extLst>
-          </p:cNvPr>
-          <p:cNvSpPr/>
-          <p:nvPr/>
-        </p:nvSpPr>
-        <p:spPr>
-          <a:xfrm>
-            <a:off x="3486648" y="3232526"/>
+              <a:ext uri="{C183D7F6-B498-43B3-948B-1728B52AA6E4}">
+                <adec:decorative xmlns:adec="http://schemas.microsoft.com/office/drawing/2017/decorative" val="1"/>
+              </a:ext>
+            </a:extLst>
+          </p:cNvPr>
+          <p:cNvSpPr/>
+          <p:nvPr/>
+        </p:nvSpPr>
+        <p:spPr>
+          <a:xfrm>
+            <a:off x="3447854" y="3232526"/>
             <a:ext cx="695739" cy="589649"/>
           </a:xfrm>
           <a:prstGeom prst="rect">
@@ -4637,14 +4702,17 @@
               <a:ext uri="{FF2B5EF4-FFF2-40B4-BE49-F238E27FC236}">
                 <a16:creationId xmlns:a16="http://schemas.microsoft.com/office/drawing/2014/main" id="{1F5EB942-E8C0-47B7-9E2A-68B08352972A}"/>
               </a:ext>
-            </a:extLst>
-          </p:cNvPr>
-          <p:cNvSpPr/>
-          <p:nvPr/>
-        </p:nvSpPr>
-        <p:spPr>
-          <a:xfrm>
-            <a:off x="3486648" y="3840000"/>
+              <a:ext uri="{C183D7F6-B498-43B3-948B-1728B52AA6E4}">
+                <adec:decorative xmlns:adec="http://schemas.microsoft.com/office/drawing/2017/decorative" val="1"/>
+              </a:ext>
+            </a:extLst>
+          </p:cNvPr>
+          <p:cNvSpPr/>
+          <p:nvPr/>
+        </p:nvSpPr>
+        <p:spPr>
+          <a:xfrm>
+            <a:off x="3447854" y="3840000"/>
             <a:ext cx="695739" cy="589649"/>
           </a:xfrm>
           <a:prstGeom prst="rect">
@@ -4688,14 +4756,17 @@
               <a:ext uri="{FF2B5EF4-FFF2-40B4-BE49-F238E27FC236}">
                 <a16:creationId xmlns:a16="http://schemas.microsoft.com/office/drawing/2014/main" id="{0BAA3FF0-A12E-4B7D-B200-95B55036783A}"/>
               </a:ext>
-            </a:extLst>
-          </p:cNvPr>
-          <p:cNvSpPr/>
-          <p:nvPr/>
-        </p:nvSpPr>
-        <p:spPr>
-          <a:xfrm>
-            <a:off x="3486648" y="4447476"/>
+              <a:ext uri="{C183D7F6-B498-43B3-948B-1728B52AA6E4}">
+                <adec:decorative xmlns:adec="http://schemas.microsoft.com/office/drawing/2017/decorative" val="1"/>
+              </a:ext>
+            </a:extLst>
+          </p:cNvPr>
+          <p:cNvSpPr/>
+          <p:nvPr/>
+        </p:nvSpPr>
+        <p:spPr>
+          <a:xfrm>
+            <a:off x="3447854" y="4447476"/>
             <a:ext cx="695739" cy="589649"/>
           </a:xfrm>
           <a:prstGeom prst="rect">
@@ -4739,14 +4810,17 @@
               <a:ext uri="{FF2B5EF4-FFF2-40B4-BE49-F238E27FC236}">
                 <a16:creationId xmlns:a16="http://schemas.microsoft.com/office/drawing/2014/main" id="{E9EC9F48-EFFA-4DA4-8C24-E047570F0EE2}"/>
               </a:ext>
-            </a:extLst>
-          </p:cNvPr>
-          <p:cNvSpPr/>
-          <p:nvPr/>
-        </p:nvSpPr>
-        <p:spPr>
-          <a:xfrm>
-            <a:off x="4662923" y="1415937"/>
+              <a:ext uri="{C183D7F6-B498-43B3-948B-1728B52AA6E4}">
+                <adec:decorative xmlns:adec="http://schemas.microsoft.com/office/drawing/2017/decorative" val="1"/>
+              </a:ext>
+            </a:extLst>
+          </p:cNvPr>
+          <p:cNvSpPr/>
+          <p:nvPr/>
+        </p:nvSpPr>
+        <p:spPr>
+          <a:xfrm>
+            <a:off x="4674007" y="1415937"/>
             <a:ext cx="695739" cy="589649"/>
           </a:xfrm>
           <a:prstGeom prst="rect">
@@ -4790,14 +4864,17 @@
               <a:ext uri="{FF2B5EF4-FFF2-40B4-BE49-F238E27FC236}">
                 <a16:creationId xmlns:a16="http://schemas.microsoft.com/office/drawing/2014/main" id="{4DBF2542-2ED3-4AF1-8A93-35AECCBD3228}"/>
               </a:ext>
-            </a:extLst>
-          </p:cNvPr>
-          <p:cNvSpPr/>
-          <p:nvPr/>
-        </p:nvSpPr>
-        <p:spPr>
-          <a:xfrm>
-            <a:off x="5378541" y="1415937"/>
+              <a:ext uri="{C183D7F6-B498-43B3-948B-1728B52AA6E4}">
+                <adec:decorative xmlns:adec="http://schemas.microsoft.com/office/drawing/2017/decorative" val="1"/>
+              </a:ext>
+            </a:extLst>
+          </p:cNvPr>
+          <p:cNvSpPr/>
+          <p:nvPr/>
+        </p:nvSpPr>
+        <p:spPr>
+          <a:xfrm>
+            <a:off x="5389625" y="1415937"/>
             <a:ext cx="695739" cy="589649"/>
           </a:xfrm>
           <a:prstGeom prst="rect">
@@ -4841,14 +4918,17 @@
               <a:ext uri="{FF2B5EF4-FFF2-40B4-BE49-F238E27FC236}">
                 <a16:creationId xmlns:a16="http://schemas.microsoft.com/office/drawing/2014/main" id="{82F33895-6594-47F9-A0F5-794DDA5CCC28}"/>
               </a:ext>
-            </a:extLst>
-          </p:cNvPr>
-          <p:cNvSpPr/>
-          <p:nvPr/>
-        </p:nvSpPr>
-        <p:spPr>
-          <a:xfrm>
-            <a:off x="6094159" y="1415937"/>
+              <a:ext uri="{C183D7F6-B498-43B3-948B-1728B52AA6E4}">
+                <adec:decorative xmlns:adec="http://schemas.microsoft.com/office/drawing/2017/decorative" val="1"/>
+              </a:ext>
+            </a:extLst>
+          </p:cNvPr>
+          <p:cNvSpPr/>
+          <p:nvPr/>
+        </p:nvSpPr>
+        <p:spPr>
+          <a:xfrm>
+            <a:off x="6105243" y="1415937"/>
             <a:ext cx="695739" cy="589649"/>
           </a:xfrm>
           <a:prstGeom prst="rect">
@@ -4892,14 +4972,17 @@
               <a:ext uri="{FF2B5EF4-FFF2-40B4-BE49-F238E27FC236}">
                 <a16:creationId xmlns:a16="http://schemas.microsoft.com/office/drawing/2014/main" id="{D24D4110-C2E3-461B-BB4A-1A48E61BECD7}"/>
               </a:ext>
-            </a:extLst>
-          </p:cNvPr>
-          <p:cNvSpPr/>
-          <p:nvPr/>
-        </p:nvSpPr>
-        <p:spPr>
-          <a:xfrm>
-            <a:off x="6809777" y="1415937"/>
+              <a:ext uri="{C183D7F6-B498-43B3-948B-1728B52AA6E4}">
+                <adec:decorative xmlns:adec="http://schemas.microsoft.com/office/drawing/2017/decorative" val="1"/>
+              </a:ext>
+            </a:extLst>
+          </p:cNvPr>
+          <p:cNvSpPr/>
+          <p:nvPr/>
+        </p:nvSpPr>
+        <p:spPr>
+          <a:xfrm>
+            <a:off x="6820861" y="1415937"/>
             <a:ext cx="695739" cy="589649"/>
           </a:xfrm>
           <a:prstGeom prst="rect">
@@ -4943,14 +5026,17 @@
               <a:ext uri="{FF2B5EF4-FFF2-40B4-BE49-F238E27FC236}">
                 <a16:creationId xmlns:a16="http://schemas.microsoft.com/office/drawing/2014/main" id="{B5750761-F6C2-42AC-87FD-98F9B8AF795F}"/>
               </a:ext>
-            </a:extLst>
-          </p:cNvPr>
-          <p:cNvSpPr/>
-          <p:nvPr/>
-        </p:nvSpPr>
-        <p:spPr>
-          <a:xfrm>
-            <a:off x="4662923" y="2023411"/>
+              <a:ext uri="{C183D7F6-B498-43B3-948B-1728B52AA6E4}">
+                <adec:decorative xmlns:adec="http://schemas.microsoft.com/office/drawing/2017/decorative" val="1"/>
+              </a:ext>
+            </a:extLst>
+          </p:cNvPr>
+          <p:cNvSpPr/>
+          <p:nvPr/>
+        </p:nvSpPr>
+        <p:spPr>
+          <a:xfrm>
+            <a:off x="4674007" y="2023411"/>
             <a:ext cx="695739" cy="589649"/>
           </a:xfrm>
           <a:prstGeom prst="rect">
@@ -4994,14 +5080,17 @@
               <a:ext uri="{FF2B5EF4-FFF2-40B4-BE49-F238E27FC236}">
                 <a16:creationId xmlns:a16="http://schemas.microsoft.com/office/drawing/2014/main" id="{988689C7-98A7-48BE-9064-827FE704DF13}"/>
               </a:ext>
-            </a:extLst>
-          </p:cNvPr>
-          <p:cNvSpPr/>
-          <p:nvPr/>
-        </p:nvSpPr>
-        <p:spPr>
-          <a:xfrm>
-            <a:off x="4662923" y="2725712"/>
+              <a:ext uri="{C183D7F6-B498-43B3-948B-1728B52AA6E4}">
+                <adec:decorative xmlns:adec="http://schemas.microsoft.com/office/drawing/2017/decorative" val="1"/>
+              </a:ext>
+            </a:extLst>
+          </p:cNvPr>
+          <p:cNvSpPr/>
+          <p:nvPr/>
+        </p:nvSpPr>
+        <p:spPr>
+          <a:xfrm>
+            <a:off x="4674007" y="2725712"/>
             <a:ext cx="695739" cy="589649"/>
           </a:xfrm>
           <a:prstGeom prst="rect">
@@ -5045,14 +5134,17 @@
               <a:ext uri="{FF2B5EF4-FFF2-40B4-BE49-F238E27FC236}">
                 <a16:creationId xmlns:a16="http://schemas.microsoft.com/office/drawing/2014/main" id="{45E0493A-7772-4620-95A7-C0738F403ADA}"/>
               </a:ext>
-            </a:extLst>
-          </p:cNvPr>
-          <p:cNvSpPr/>
-          <p:nvPr/>
-        </p:nvSpPr>
-        <p:spPr>
-          <a:xfrm>
-            <a:off x="4662923" y="3333186"/>
+              <a:ext uri="{C183D7F6-B498-43B3-948B-1728B52AA6E4}">
+                <adec:decorative xmlns:adec="http://schemas.microsoft.com/office/drawing/2017/decorative" val="1"/>
+              </a:ext>
+            </a:extLst>
+          </p:cNvPr>
+          <p:cNvSpPr/>
+          <p:nvPr/>
+        </p:nvSpPr>
+        <p:spPr>
+          <a:xfrm>
+            <a:off x="4674007" y="3333186"/>
             <a:ext cx="695739" cy="589649"/>
           </a:xfrm>
           <a:prstGeom prst="rect">
@@ -5096,14 +5188,17 @@
               <a:ext uri="{FF2B5EF4-FFF2-40B4-BE49-F238E27FC236}">
                 <a16:creationId xmlns:a16="http://schemas.microsoft.com/office/drawing/2014/main" id="{15DB8EF8-B247-46C5-83EF-19A8F47C305C}"/>
               </a:ext>
-            </a:extLst>
-          </p:cNvPr>
-          <p:cNvSpPr/>
-          <p:nvPr/>
-        </p:nvSpPr>
-        <p:spPr>
-          <a:xfrm>
-            <a:off x="4662923" y="3940660"/>
+              <a:ext uri="{C183D7F6-B498-43B3-948B-1728B52AA6E4}">
+                <adec:decorative xmlns:adec="http://schemas.microsoft.com/office/drawing/2017/decorative" val="1"/>
+              </a:ext>
+            </a:extLst>
+          </p:cNvPr>
+          <p:cNvSpPr/>
+          <p:nvPr/>
+        </p:nvSpPr>
+        <p:spPr>
+          <a:xfrm>
+            <a:off x="4674007" y="3940660"/>
             <a:ext cx="695739" cy="589649"/>
           </a:xfrm>
           <a:prstGeom prst="rect">
@@ -5147,14 +5242,17 @@
               <a:ext uri="{FF2B5EF4-FFF2-40B4-BE49-F238E27FC236}">
                 <a16:creationId xmlns:a16="http://schemas.microsoft.com/office/drawing/2014/main" id="{DA8819D5-0AC5-47B4-B615-19F454BF4A06}"/>
               </a:ext>
-            </a:extLst>
-          </p:cNvPr>
-          <p:cNvSpPr/>
-          <p:nvPr/>
-        </p:nvSpPr>
-        <p:spPr>
-          <a:xfrm>
-            <a:off x="4662923" y="4548136"/>
+              <a:ext uri="{C183D7F6-B498-43B3-948B-1728B52AA6E4}">
+                <adec:decorative xmlns:adec="http://schemas.microsoft.com/office/drawing/2017/decorative" val="1"/>
+              </a:ext>
+            </a:extLst>
+          </p:cNvPr>
+          <p:cNvSpPr/>
+          <p:nvPr/>
+        </p:nvSpPr>
+        <p:spPr>
+          <a:xfrm>
+            <a:off x="4674007" y="4548136"/>
             <a:ext cx="695739" cy="589649"/>
           </a:xfrm>
           <a:prstGeom prst="rect">
@@ -5198,14 +5296,17 @@
               <a:ext uri="{FF2B5EF4-FFF2-40B4-BE49-F238E27FC236}">
                 <a16:creationId xmlns:a16="http://schemas.microsoft.com/office/drawing/2014/main" id="{48BE11B7-52D9-44B0-AA20-84C8546CAD51}"/>
               </a:ext>
-            </a:extLst>
-          </p:cNvPr>
-          <p:cNvSpPr/>
-          <p:nvPr/>
-        </p:nvSpPr>
-        <p:spPr>
-          <a:xfrm>
-            <a:off x="5378541" y="2023411"/>
+              <a:ext uri="{C183D7F6-B498-43B3-948B-1728B52AA6E4}">
+                <adec:decorative xmlns:adec="http://schemas.microsoft.com/office/drawing/2017/decorative" val="1"/>
+              </a:ext>
+            </a:extLst>
+          </p:cNvPr>
+          <p:cNvSpPr/>
+          <p:nvPr/>
+        </p:nvSpPr>
+        <p:spPr>
+          <a:xfrm>
+            <a:off x="5389625" y="2023411"/>
             <a:ext cx="695739" cy="589649"/>
           </a:xfrm>
           <a:prstGeom prst="rect">
@@ -5249,14 +5350,17 @@
               <a:ext uri="{FF2B5EF4-FFF2-40B4-BE49-F238E27FC236}">
                 <a16:creationId xmlns:a16="http://schemas.microsoft.com/office/drawing/2014/main" id="{2F5C8D29-C2E4-4CE7-983E-5BAC3F0C2C49}"/>
               </a:ext>
-            </a:extLst>
-          </p:cNvPr>
-          <p:cNvSpPr/>
-          <p:nvPr/>
-        </p:nvSpPr>
-        <p:spPr>
-          <a:xfrm>
-            <a:off x="5378541" y="2725712"/>
+              <a:ext uri="{C183D7F6-B498-43B3-948B-1728B52AA6E4}">
+                <adec:decorative xmlns:adec="http://schemas.microsoft.com/office/drawing/2017/decorative" val="1"/>
+              </a:ext>
+            </a:extLst>
+          </p:cNvPr>
+          <p:cNvSpPr/>
+          <p:nvPr/>
+        </p:nvSpPr>
+        <p:spPr>
+          <a:xfrm>
+            <a:off x="5389625" y="2725712"/>
             <a:ext cx="695739" cy="589649"/>
           </a:xfrm>
           <a:prstGeom prst="rect">
@@ -5300,14 +5404,17 @@
               <a:ext uri="{FF2B5EF4-FFF2-40B4-BE49-F238E27FC236}">
                 <a16:creationId xmlns:a16="http://schemas.microsoft.com/office/drawing/2014/main" id="{16BC1D68-32D1-445F-9C78-D656686E24BA}"/>
               </a:ext>
-            </a:extLst>
-          </p:cNvPr>
-          <p:cNvSpPr/>
-          <p:nvPr/>
-        </p:nvSpPr>
-        <p:spPr>
-          <a:xfrm>
-            <a:off x="5378541" y="3333186"/>
+              <a:ext uri="{C183D7F6-B498-43B3-948B-1728B52AA6E4}">
+                <adec:decorative xmlns:adec="http://schemas.microsoft.com/office/drawing/2017/decorative" val="1"/>
+              </a:ext>
+            </a:extLst>
+          </p:cNvPr>
+          <p:cNvSpPr/>
+          <p:nvPr/>
+        </p:nvSpPr>
+        <p:spPr>
+          <a:xfrm>
+            <a:off x="5389625" y="3333186"/>
             <a:ext cx="695739" cy="589649"/>
           </a:xfrm>
           <a:prstGeom prst="rect">
@@ -5351,14 +5458,17 @@
               <a:ext uri="{FF2B5EF4-FFF2-40B4-BE49-F238E27FC236}">
                 <a16:creationId xmlns:a16="http://schemas.microsoft.com/office/drawing/2014/main" id="{3F572EEC-FC80-455A-8E5F-3CE8C3E1239B}"/>
               </a:ext>
-            </a:extLst>
-          </p:cNvPr>
-          <p:cNvSpPr/>
-          <p:nvPr/>
-        </p:nvSpPr>
-        <p:spPr>
-          <a:xfrm>
-            <a:off x="5378541" y="3940660"/>
+              <a:ext uri="{C183D7F6-B498-43B3-948B-1728B52AA6E4}">
+                <adec:decorative xmlns:adec="http://schemas.microsoft.com/office/drawing/2017/decorative" val="1"/>
+              </a:ext>
+            </a:extLst>
+          </p:cNvPr>
+          <p:cNvSpPr/>
+          <p:nvPr/>
+        </p:nvSpPr>
+        <p:spPr>
+          <a:xfrm>
+            <a:off x="5389625" y="3940660"/>
             <a:ext cx="695739" cy="589649"/>
           </a:xfrm>
           <a:prstGeom prst="rect">
@@ -5402,14 +5512,17 @@
               <a:ext uri="{FF2B5EF4-FFF2-40B4-BE49-F238E27FC236}">
                 <a16:creationId xmlns:a16="http://schemas.microsoft.com/office/drawing/2014/main" id="{F2342756-4ED6-40E8-8389-0953234F81D8}"/>
               </a:ext>
-            </a:extLst>
-          </p:cNvPr>
-          <p:cNvSpPr/>
-          <p:nvPr/>
-        </p:nvSpPr>
-        <p:spPr>
-          <a:xfrm>
-            <a:off x="5378541" y="4548136"/>
+              <a:ext uri="{C183D7F6-B498-43B3-948B-1728B52AA6E4}">
+                <adec:decorative xmlns:adec="http://schemas.microsoft.com/office/drawing/2017/decorative" val="1"/>
+              </a:ext>
+            </a:extLst>
+          </p:cNvPr>
+          <p:cNvSpPr/>
+          <p:nvPr/>
+        </p:nvSpPr>
+        <p:spPr>
+          <a:xfrm>
+            <a:off x="5389625" y="4548136"/>
             <a:ext cx="695739" cy="589649"/>
           </a:xfrm>
           <a:prstGeom prst="rect">
@@ -5453,14 +5566,17 @@
               <a:ext uri="{FF2B5EF4-FFF2-40B4-BE49-F238E27FC236}">
                 <a16:creationId xmlns:a16="http://schemas.microsoft.com/office/drawing/2014/main" id="{D9ECDAF0-B956-4D4B-ABA3-94E229826990}"/>
               </a:ext>
-            </a:extLst>
-          </p:cNvPr>
-          <p:cNvSpPr/>
-          <p:nvPr/>
-        </p:nvSpPr>
-        <p:spPr>
-          <a:xfrm>
-            <a:off x="6094159" y="2023411"/>
+              <a:ext uri="{C183D7F6-B498-43B3-948B-1728B52AA6E4}">
+                <adec:decorative xmlns:adec="http://schemas.microsoft.com/office/drawing/2017/decorative" val="1"/>
+              </a:ext>
+            </a:extLst>
+          </p:cNvPr>
+          <p:cNvSpPr/>
+          <p:nvPr/>
+        </p:nvSpPr>
+        <p:spPr>
+          <a:xfrm>
+            <a:off x="6105243" y="2023411"/>
             <a:ext cx="695739" cy="589649"/>
           </a:xfrm>
           <a:prstGeom prst="rect">
@@ -5504,14 +5620,17 @@
               <a:ext uri="{FF2B5EF4-FFF2-40B4-BE49-F238E27FC236}">
                 <a16:creationId xmlns:a16="http://schemas.microsoft.com/office/drawing/2014/main" id="{B3EAAEC8-2784-4E67-9E27-888D984BCFA8}"/>
               </a:ext>
-            </a:extLst>
-          </p:cNvPr>
-          <p:cNvSpPr/>
-          <p:nvPr/>
-        </p:nvSpPr>
-        <p:spPr>
-          <a:xfrm>
-            <a:off x="6094159" y="2725712"/>
+              <a:ext uri="{C183D7F6-B498-43B3-948B-1728B52AA6E4}">
+                <adec:decorative xmlns:adec="http://schemas.microsoft.com/office/drawing/2017/decorative" val="1"/>
+              </a:ext>
+            </a:extLst>
+          </p:cNvPr>
+          <p:cNvSpPr/>
+          <p:nvPr/>
+        </p:nvSpPr>
+        <p:spPr>
+          <a:xfrm>
+            <a:off x="6105243" y="2725712"/>
             <a:ext cx="695739" cy="589649"/>
           </a:xfrm>
           <a:prstGeom prst="rect">
@@ -5555,14 +5674,17 @@
               <a:ext uri="{FF2B5EF4-FFF2-40B4-BE49-F238E27FC236}">
                 <a16:creationId xmlns:a16="http://schemas.microsoft.com/office/drawing/2014/main" id="{678614EB-2E8D-4270-A5EB-177B45A7B217}"/>
               </a:ext>
-            </a:extLst>
-          </p:cNvPr>
-          <p:cNvSpPr/>
-          <p:nvPr/>
-        </p:nvSpPr>
-        <p:spPr>
-          <a:xfrm>
-            <a:off x="6094159" y="3333186"/>
+              <a:ext uri="{C183D7F6-B498-43B3-948B-1728B52AA6E4}">
+                <adec:decorative xmlns:adec="http://schemas.microsoft.com/office/drawing/2017/decorative" val="1"/>
+              </a:ext>
+            </a:extLst>
+          </p:cNvPr>
+          <p:cNvSpPr/>
+          <p:nvPr/>
+        </p:nvSpPr>
+        <p:spPr>
+          <a:xfrm>
+            <a:off x="6105243" y="3333186"/>
             <a:ext cx="695739" cy="589649"/>
           </a:xfrm>
           <a:prstGeom prst="rect">
@@ -5606,14 +5728,17 @@
               <a:ext uri="{FF2B5EF4-FFF2-40B4-BE49-F238E27FC236}">
                 <a16:creationId xmlns:a16="http://schemas.microsoft.com/office/drawing/2014/main" id="{93F684C7-7F81-408C-80B3-D1CDEDC6C22B}"/>
               </a:ext>
-            </a:extLst>
-          </p:cNvPr>
-          <p:cNvSpPr/>
-          <p:nvPr/>
-        </p:nvSpPr>
-        <p:spPr>
-          <a:xfrm>
-            <a:off x="6094159" y="3940660"/>
+              <a:ext uri="{C183D7F6-B498-43B3-948B-1728B52AA6E4}">
+                <adec:decorative xmlns:adec="http://schemas.microsoft.com/office/drawing/2017/decorative" val="1"/>
+              </a:ext>
+            </a:extLst>
+          </p:cNvPr>
+          <p:cNvSpPr/>
+          <p:nvPr/>
+        </p:nvSpPr>
+        <p:spPr>
+          <a:xfrm>
+            <a:off x="6105243" y="3940660"/>
             <a:ext cx="695739" cy="589649"/>
           </a:xfrm>
           <a:prstGeom prst="rect">
@@ -5657,14 +5782,17 @@
               <a:ext uri="{FF2B5EF4-FFF2-40B4-BE49-F238E27FC236}">
                 <a16:creationId xmlns:a16="http://schemas.microsoft.com/office/drawing/2014/main" id="{C00D0410-E87E-44D0-9A62-C9BB405F0E2B}"/>
               </a:ext>
-            </a:extLst>
-          </p:cNvPr>
-          <p:cNvSpPr/>
-          <p:nvPr/>
-        </p:nvSpPr>
-        <p:spPr>
-          <a:xfrm>
-            <a:off x="6094159" y="4548136"/>
+              <a:ext uri="{C183D7F6-B498-43B3-948B-1728B52AA6E4}">
+                <adec:decorative xmlns:adec="http://schemas.microsoft.com/office/drawing/2017/decorative" val="1"/>
+              </a:ext>
+            </a:extLst>
+          </p:cNvPr>
+          <p:cNvSpPr/>
+          <p:nvPr/>
+        </p:nvSpPr>
+        <p:spPr>
+          <a:xfrm>
+            <a:off x="6105243" y="4548136"/>
             <a:ext cx="695739" cy="589649"/>
           </a:xfrm>
           <a:prstGeom prst="rect">
@@ -5708,14 +5836,17 @@
               <a:ext uri="{FF2B5EF4-FFF2-40B4-BE49-F238E27FC236}">
                 <a16:creationId xmlns:a16="http://schemas.microsoft.com/office/drawing/2014/main" id="{F7FAF328-4C62-40F7-9C10-7F5499223639}"/>
               </a:ext>
-            </a:extLst>
-          </p:cNvPr>
-          <p:cNvSpPr/>
-          <p:nvPr/>
-        </p:nvSpPr>
-        <p:spPr>
-          <a:xfrm>
-            <a:off x="6809777" y="2023411"/>
+              <a:ext uri="{C183D7F6-B498-43B3-948B-1728B52AA6E4}">
+                <adec:decorative xmlns:adec="http://schemas.microsoft.com/office/drawing/2017/decorative" val="1"/>
+              </a:ext>
+            </a:extLst>
+          </p:cNvPr>
+          <p:cNvSpPr/>
+          <p:nvPr/>
+        </p:nvSpPr>
+        <p:spPr>
+          <a:xfrm>
+            <a:off x="6820861" y="2023411"/>
             <a:ext cx="695739" cy="589649"/>
           </a:xfrm>
           <a:prstGeom prst="rect">
@@ -5759,14 +5890,17 @@
               <a:ext uri="{FF2B5EF4-FFF2-40B4-BE49-F238E27FC236}">
                 <a16:creationId xmlns:a16="http://schemas.microsoft.com/office/drawing/2014/main" id="{5E5E31FE-FAC4-46BA-993A-5E817AFE9B7B}"/>
               </a:ext>
-            </a:extLst>
-          </p:cNvPr>
-          <p:cNvSpPr/>
-          <p:nvPr/>
-        </p:nvSpPr>
-        <p:spPr>
-          <a:xfrm>
-            <a:off x="6809777" y="2725712"/>
+              <a:ext uri="{C183D7F6-B498-43B3-948B-1728B52AA6E4}">
+                <adec:decorative xmlns:adec="http://schemas.microsoft.com/office/drawing/2017/decorative" val="1"/>
+              </a:ext>
+            </a:extLst>
+          </p:cNvPr>
+          <p:cNvSpPr/>
+          <p:nvPr/>
+        </p:nvSpPr>
+        <p:spPr>
+          <a:xfrm>
+            <a:off x="6820861" y="2725712"/>
             <a:ext cx="695739" cy="589649"/>
           </a:xfrm>
           <a:prstGeom prst="rect">
@@ -5810,14 +5944,17 @@
               <a:ext uri="{FF2B5EF4-FFF2-40B4-BE49-F238E27FC236}">
                 <a16:creationId xmlns:a16="http://schemas.microsoft.com/office/drawing/2014/main" id="{EE80954F-0737-462D-8FA0-FAA3A255769C}"/>
               </a:ext>
-            </a:extLst>
-          </p:cNvPr>
-          <p:cNvSpPr/>
-          <p:nvPr/>
-        </p:nvSpPr>
-        <p:spPr>
-          <a:xfrm>
-            <a:off x="6809777" y="3333186"/>
+              <a:ext uri="{C183D7F6-B498-43B3-948B-1728B52AA6E4}">
+                <adec:decorative xmlns:adec="http://schemas.microsoft.com/office/drawing/2017/decorative" val="1"/>
+              </a:ext>
+            </a:extLst>
+          </p:cNvPr>
+          <p:cNvSpPr/>
+          <p:nvPr/>
+        </p:nvSpPr>
+        <p:spPr>
+          <a:xfrm>
+            <a:off x="6820861" y="3333186"/>
             <a:ext cx="695739" cy="589649"/>
           </a:xfrm>
           <a:prstGeom prst="rect">
@@ -5861,14 +5998,17 @@
               <a:ext uri="{FF2B5EF4-FFF2-40B4-BE49-F238E27FC236}">
                 <a16:creationId xmlns:a16="http://schemas.microsoft.com/office/drawing/2014/main" id="{B6E0DB13-031F-46C1-B828-2AD0DA708E0B}"/>
               </a:ext>
-            </a:extLst>
-          </p:cNvPr>
-          <p:cNvSpPr/>
-          <p:nvPr/>
-        </p:nvSpPr>
-        <p:spPr>
-          <a:xfrm>
-            <a:off x="6809777" y="3940660"/>
+              <a:ext uri="{C183D7F6-B498-43B3-948B-1728B52AA6E4}">
+                <adec:decorative xmlns:adec="http://schemas.microsoft.com/office/drawing/2017/decorative" val="1"/>
+              </a:ext>
+            </a:extLst>
+          </p:cNvPr>
+          <p:cNvSpPr/>
+          <p:nvPr/>
+        </p:nvSpPr>
+        <p:spPr>
+          <a:xfrm>
+            <a:off x="6820861" y="3940660"/>
             <a:ext cx="695739" cy="589649"/>
           </a:xfrm>
           <a:prstGeom prst="rect">
@@ -5912,14 +6052,17 @@
               <a:ext uri="{FF2B5EF4-FFF2-40B4-BE49-F238E27FC236}">
                 <a16:creationId xmlns:a16="http://schemas.microsoft.com/office/drawing/2014/main" id="{04DF60CD-CCA9-4D2F-9E6D-FD9E3481EEF7}"/>
               </a:ext>
-            </a:extLst>
-          </p:cNvPr>
-          <p:cNvSpPr/>
-          <p:nvPr/>
-        </p:nvSpPr>
-        <p:spPr>
-          <a:xfrm>
-            <a:off x="6809777" y="4548136"/>
+              <a:ext uri="{C183D7F6-B498-43B3-948B-1728B52AA6E4}">
+                <adec:decorative xmlns:adec="http://schemas.microsoft.com/office/drawing/2017/decorative" val="1"/>
+              </a:ext>
+            </a:extLst>
+          </p:cNvPr>
+          <p:cNvSpPr/>
+          <p:nvPr/>
+        </p:nvSpPr>
+        <p:spPr>
+          <a:xfrm>
+            <a:off x="6820861" y="4548136"/>
             <a:ext cx="695739" cy="589649"/>
           </a:xfrm>
           <a:prstGeom prst="rect">
@@ -5963,14 +6106,17 @@
               <a:ext uri="{FF2B5EF4-FFF2-40B4-BE49-F238E27FC236}">
                 <a16:creationId xmlns:a16="http://schemas.microsoft.com/office/drawing/2014/main" id="{8FF40B30-93AB-49DC-873D-DC31B6414609}"/>
               </a:ext>
-            </a:extLst>
-          </p:cNvPr>
-          <p:cNvSpPr/>
-          <p:nvPr/>
-        </p:nvSpPr>
-        <p:spPr>
-          <a:xfrm>
-            <a:off x="8009613" y="1410104"/>
+              <a:ext uri="{C183D7F6-B498-43B3-948B-1728B52AA6E4}">
+                <adec:decorative xmlns:adec="http://schemas.microsoft.com/office/drawing/2017/decorative" val="1"/>
+              </a:ext>
+            </a:extLst>
+          </p:cNvPr>
+          <p:cNvSpPr/>
+          <p:nvPr/>
+        </p:nvSpPr>
+        <p:spPr>
+          <a:xfrm>
+            <a:off x="8053949" y="1410104"/>
             <a:ext cx="695739" cy="589649"/>
           </a:xfrm>
           <a:prstGeom prst="rect">
@@ -6014,14 +6160,17 @@
               <a:ext uri="{FF2B5EF4-FFF2-40B4-BE49-F238E27FC236}">
                 <a16:creationId xmlns:a16="http://schemas.microsoft.com/office/drawing/2014/main" id="{237D983E-5099-4CF4-8989-14D012DC07F3}"/>
               </a:ext>
-            </a:extLst>
-          </p:cNvPr>
-          <p:cNvSpPr/>
-          <p:nvPr/>
-        </p:nvSpPr>
-        <p:spPr>
-          <a:xfrm>
-            <a:off x="8725231" y="1410104"/>
+              <a:ext uri="{C183D7F6-B498-43B3-948B-1728B52AA6E4}">
+                <adec:decorative xmlns:adec="http://schemas.microsoft.com/office/drawing/2017/decorative" val="1"/>
+              </a:ext>
+            </a:extLst>
+          </p:cNvPr>
+          <p:cNvSpPr/>
+          <p:nvPr/>
+        </p:nvSpPr>
+        <p:spPr>
+          <a:xfrm>
+            <a:off x="8769567" y="1410104"/>
             <a:ext cx="695739" cy="589649"/>
           </a:xfrm>
           <a:prstGeom prst="rect">
@@ -6065,14 +6214,17 @@
               <a:ext uri="{FF2B5EF4-FFF2-40B4-BE49-F238E27FC236}">
                 <a16:creationId xmlns:a16="http://schemas.microsoft.com/office/drawing/2014/main" id="{DC59CBA1-27CE-463F-B488-2AF081900757}"/>
               </a:ext>
-            </a:extLst>
-          </p:cNvPr>
-          <p:cNvSpPr/>
-          <p:nvPr/>
-        </p:nvSpPr>
-        <p:spPr>
-          <a:xfrm>
-            <a:off x="9440849" y="1410104"/>
+              <a:ext uri="{C183D7F6-B498-43B3-948B-1728B52AA6E4}">
+                <adec:decorative xmlns:adec="http://schemas.microsoft.com/office/drawing/2017/decorative" val="1"/>
+              </a:ext>
+            </a:extLst>
+          </p:cNvPr>
+          <p:cNvSpPr/>
+          <p:nvPr/>
+        </p:nvSpPr>
+        <p:spPr>
+          <a:xfrm>
+            <a:off x="9485185" y="1410104"/>
             <a:ext cx="695739" cy="589649"/>
           </a:xfrm>
           <a:prstGeom prst="rect">
@@ -6116,14 +6268,17 @@
               <a:ext uri="{FF2B5EF4-FFF2-40B4-BE49-F238E27FC236}">
                 <a16:creationId xmlns:a16="http://schemas.microsoft.com/office/drawing/2014/main" id="{E8DECD33-2B75-4C3A-84D5-F547EACE8629}"/>
               </a:ext>
-            </a:extLst>
-          </p:cNvPr>
-          <p:cNvSpPr/>
-          <p:nvPr/>
-        </p:nvSpPr>
-        <p:spPr>
-          <a:xfrm>
-            <a:off x="10156467" y="1410104"/>
+              <a:ext uri="{C183D7F6-B498-43B3-948B-1728B52AA6E4}">
+                <adec:decorative xmlns:adec="http://schemas.microsoft.com/office/drawing/2017/decorative" val="1"/>
+              </a:ext>
+            </a:extLst>
+          </p:cNvPr>
+          <p:cNvSpPr/>
+          <p:nvPr/>
+        </p:nvSpPr>
+        <p:spPr>
+          <a:xfrm>
+            <a:off x="10200803" y="1410104"/>
             <a:ext cx="695739" cy="589649"/>
           </a:xfrm>
           <a:prstGeom prst="rect">
@@ -6167,14 +6322,17 @@
               <a:ext uri="{FF2B5EF4-FFF2-40B4-BE49-F238E27FC236}">
                 <a16:creationId xmlns:a16="http://schemas.microsoft.com/office/drawing/2014/main" id="{AB8FA99A-3477-4432-969B-444E3F96B36D}"/>
               </a:ext>
-            </a:extLst>
-          </p:cNvPr>
-          <p:cNvSpPr/>
-          <p:nvPr/>
-        </p:nvSpPr>
-        <p:spPr>
-          <a:xfrm>
-            <a:off x="8009613" y="2017578"/>
+              <a:ext uri="{C183D7F6-B498-43B3-948B-1728B52AA6E4}">
+                <adec:decorative xmlns:adec="http://schemas.microsoft.com/office/drawing/2017/decorative" val="1"/>
+              </a:ext>
+            </a:extLst>
+          </p:cNvPr>
+          <p:cNvSpPr/>
+          <p:nvPr/>
+        </p:nvSpPr>
+        <p:spPr>
+          <a:xfrm>
+            <a:off x="8053949" y="2017578"/>
             <a:ext cx="695739" cy="589649"/>
           </a:xfrm>
           <a:prstGeom prst="rect">
@@ -6218,14 +6376,17 @@
               <a:ext uri="{FF2B5EF4-FFF2-40B4-BE49-F238E27FC236}">
                 <a16:creationId xmlns:a16="http://schemas.microsoft.com/office/drawing/2014/main" id="{B15140CB-B904-44D0-9430-74F657EF3F1B}"/>
               </a:ext>
-            </a:extLst>
-          </p:cNvPr>
-          <p:cNvSpPr/>
-          <p:nvPr/>
-        </p:nvSpPr>
-        <p:spPr>
-          <a:xfrm>
-            <a:off x="8009613" y="2625052"/>
+              <a:ext uri="{C183D7F6-B498-43B3-948B-1728B52AA6E4}">
+                <adec:decorative xmlns:adec="http://schemas.microsoft.com/office/drawing/2017/decorative" val="1"/>
+              </a:ext>
+            </a:extLst>
+          </p:cNvPr>
+          <p:cNvSpPr/>
+          <p:nvPr/>
+        </p:nvSpPr>
+        <p:spPr>
+          <a:xfrm>
+            <a:off x="8053949" y="2625052"/>
             <a:ext cx="695739" cy="589649"/>
           </a:xfrm>
           <a:prstGeom prst="rect">
@@ -6269,14 +6430,17 @@
               <a:ext uri="{FF2B5EF4-FFF2-40B4-BE49-F238E27FC236}">
                 <a16:creationId xmlns:a16="http://schemas.microsoft.com/office/drawing/2014/main" id="{2C2BE59A-C65C-4233-9FA1-8EB99F8CF8FE}"/>
               </a:ext>
-            </a:extLst>
-          </p:cNvPr>
-          <p:cNvSpPr/>
-          <p:nvPr/>
-        </p:nvSpPr>
-        <p:spPr>
-          <a:xfrm>
-            <a:off x="8009613" y="3232526"/>
+              <a:ext uri="{C183D7F6-B498-43B3-948B-1728B52AA6E4}">
+                <adec:decorative xmlns:adec="http://schemas.microsoft.com/office/drawing/2017/decorative" val="1"/>
+              </a:ext>
+            </a:extLst>
+          </p:cNvPr>
+          <p:cNvSpPr/>
+          <p:nvPr/>
+        </p:nvSpPr>
+        <p:spPr>
+          <a:xfrm>
+            <a:off x="8053949" y="3232526"/>
             <a:ext cx="695739" cy="589649"/>
           </a:xfrm>
           <a:prstGeom prst="rect">
@@ -6320,14 +6484,17 @@
               <a:ext uri="{FF2B5EF4-FFF2-40B4-BE49-F238E27FC236}">
                 <a16:creationId xmlns:a16="http://schemas.microsoft.com/office/drawing/2014/main" id="{4251A3FC-7653-4D0E-8BA8-B752EC5F9BA8}"/>
               </a:ext>
-            </a:extLst>
-          </p:cNvPr>
-          <p:cNvSpPr/>
-          <p:nvPr/>
-        </p:nvSpPr>
-        <p:spPr>
-          <a:xfrm>
-            <a:off x="8009613" y="3840000"/>
+              <a:ext uri="{C183D7F6-B498-43B3-948B-1728B52AA6E4}">
+                <adec:decorative xmlns:adec="http://schemas.microsoft.com/office/drawing/2017/decorative" val="1"/>
+              </a:ext>
+            </a:extLst>
+          </p:cNvPr>
+          <p:cNvSpPr/>
+          <p:nvPr/>
+        </p:nvSpPr>
+        <p:spPr>
+          <a:xfrm>
+            <a:off x="8053949" y="3840000"/>
             <a:ext cx="695739" cy="589649"/>
           </a:xfrm>
           <a:prstGeom prst="rect">
@@ -6371,14 +6538,17 @@
               <a:ext uri="{FF2B5EF4-FFF2-40B4-BE49-F238E27FC236}">
                 <a16:creationId xmlns:a16="http://schemas.microsoft.com/office/drawing/2014/main" id="{3B97CD3D-7AB5-4CD6-9605-22931242C712}"/>
               </a:ext>
-            </a:extLst>
-          </p:cNvPr>
-          <p:cNvSpPr/>
-          <p:nvPr/>
-        </p:nvSpPr>
-        <p:spPr>
-          <a:xfrm>
-            <a:off x="8009613" y="4447476"/>
+              <a:ext uri="{C183D7F6-B498-43B3-948B-1728B52AA6E4}">
+                <adec:decorative xmlns:adec="http://schemas.microsoft.com/office/drawing/2017/decorative" val="1"/>
+              </a:ext>
+            </a:extLst>
+          </p:cNvPr>
+          <p:cNvSpPr/>
+          <p:nvPr/>
+        </p:nvSpPr>
+        <p:spPr>
+          <a:xfrm>
+            <a:off x="8053949" y="4447476"/>
             <a:ext cx="695739" cy="589649"/>
           </a:xfrm>
           <a:prstGeom prst="rect">
@@ -6422,14 +6592,17 @@
               <a:ext uri="{FF2B5EF4-FFF2-40B4-BE49-F238E27FC236}">
                 <a16:creationId xmlns:a16="http://schemas.microsoft.com/office/drawing/2014/main" id="{F0FEBB63-84C1-4B28-84E1-0FDDC97445ED}"/>
               </a:ext>
-            </a:extLst>
-          </p:cNvPr>
-          <p:cNvSpPr/>
-          <p:nvPr/>
-        </p:nvSpPr>
-        <p:spPr>
-          <a:xfrm>
-            <a:off x="8725231" y="2017578"/>
+              <a:ext uri="{C183D7F6-B498-43B3-948B-1728B52AA6E4}">
+                <adec:decorative xmlns:adec="http://schemas.microsoft.com/office/drawing/2017/decorative" val="1"/>
+              </a:ext>
+            </a:extLst>
+          </p:cNvPr>
+          <p:cNvSpPr/>
+          <p:nvPr/>
+        </p:nvSpPr>
+        <p:spPr>
+          <a:xfrm>
+            <a:off x="8769567" y="2017578"/>
             <a:ext cx="695739" cy="589649"/>
           </a:xfrm>
           <a:prstGeom prst="rect">
@@ -6473,14 +6646,17 @@
               <a:ext uri="{FF2B5EF4-FFF2-40B4-BE49-F238E27FC236}">
                 <a16:creationId xmlns:a16="http://schemas.microsoft.com/office/drawing/2014/main" id="{941893A8-65B4-4BA4-8B77-C91DA6F0626B}"/>
               </a:ext>
-            </a:extLst>
-          </p:cNvPr>
-          <p:cNvSpPr/>
-          <p:nvPr/>
-        </p:nvSpPr>
-        <p:spPr>
-          <a:xfrm>
-            <a:off x="8725231" y="2625052"/>
+              <a:ext uri="{C183D7F6-B498-43B3-948B-1728B52AA6E4}">
+                <adec:decorative xmlns:adec="http://schemas.microsoft.com/office/drawing/2017/decorative" val="1"/>
+              </a:ext>
+            </a:extLst>
+          </p:cNvPr>
+          <p:cNvSpPr/>
+          <p:nvPr/>
+        </p:nvSpPr>
+        <p:spPr>
+          <a:xfrm>
+            <a:off x="8769567" y="2625052"/>
             <a:ext cx="695739" cy="589649"/>
           </a:xfrm>
           <a:prstGeom prst="rect">
@@ -6524,14 +6700,17 @@
               <a:ext uri="{FF2B5EF4-FFF2-40B4-BE49-F238E27FC236}">
                 <a16:creationId xmlns:a16="http://schemas.microsoft.com/office/drawing/2014/main" id="{B89E8690-7BAA-44D4-8A6E-805619988638}"/>
               </a:ext>
-            </a:extLst>
-          </p:cNvPr>
-          <p:cNvSpPr/>
-          <p:nvPr/>
-        </p:nvSpPr>
-        <p:spPr>
-          <a:xfrm>
-            <a:off x="8725231" y="3232526"/>
+              <a:ext uri="{C183D7F6-B498-43B3-948B-1728B52AA6E4}">
+                <adec:decorative xmlns:adec="http://schemas.microsoft.com/office/drawing/2017/decorative" val="1"/>
+              </a:ext>
+            </a:extLst>
+          </p:cNvPr>
+          <p:cNvSpPr/>
+          <p:nvPr/>
+        </p:nvSpPr>
+        <p:spPr>
+          <a:xfrm>
+            <a:off x="8769567" y="3232526"/>
             <a:ext cx="695739" cy="589649"/>
           </a:xfrm>
           <a:prstGeom prst="rect">
@@ -6575,14 +6754,17 @@
               <a:ext uri="{FF2B5EF4-FFF2-40B4-BE49-F238E27FC236}">
                 <a16:creationId xmlns:a16="http://schemas.microsoft.com/office/drawing/2014/main" id="{0608E6B6-3CCF-4093-81A3-DBBBCD5E7E0F}"/>
               </a:ext>
-            </a:extLst>
-          </p:cNvPr>
-          <p:cNvSpPr/>
-          <p:nvPr/>
-        </p:nvSpPr>
-        <p:spPr>
-          <a:xfrm>
-            <a:off x="8725231" y="3840000"/>
+              <a:ext uri="{C183D7F6-B498-43B3-948B-1728B52AA6E4}">
+                <adec:decorative xmlns:adec="http://schemas.microsoft.com/office/drawing/2017/decorative" val="1"/>
+              </a:ext>
+            </a:extLst>
+          </p:cNvPr>
+          <p:cNvSpPr/>
+          <p:nvPr/>
+        </p:nvSpPr>
+        <p:spPr>
+          <a:xfrm>
+            <a:off x="8769567" y="3840000"/>
             <a:ext cx="695739" cy="589649"/>
           </a:xfrm>
           <a:prstGeom prst="rect">
@@ -6626,14 +6808,17 @@
               <a:ext uri="{FF2B5EF4-FFF2-40B4-BE49-F238E27FC236}">
                 <a16:creationId xmlns:a16="http://schemas.microsoft.com/office/drawing/2014/main" id="{D03087B6-B234-4E0E-99A0-3AD541003862}"/>
               </a:ext>
-            </a:extLst>
-          </p:cNvPr>
-          <p:cNvSpPr/>
-          <p:nvPr/>
-        </p:nvSpPr>
-        <p:spPr>
-          <a:xfrm>
-            <a:off x="8725231" y="4447476"/>
+              <a:ext uri="{C183D7F6-B498-43B3-948B-1728B52AA6E4}">
+                <adec:decorative xmlns:adec="http://schemas.microsoft.com/office/drawing/2017/decorative" val="1"/>
+              </a:ext>
+            </a:extLst>
+          </p:cNvPr>
+          <p:cNvSpPr/>
+          <p:nvPr/>
+        </p:nvSpPr>
+        <p:spPr>
+          <a:xfrm>
+            <a:off x="8769567" y="4447476"/>
             <a:ext cx="695739" cy="589649"/>
           </a:xfrm>
           <a:prstGeom prst="rect">
@@ -6677,14 +6862,17 @@
               <a:ext uri="{FF2B5EF4-FFF2-40B4-BE49-F238E27FC236}">
                 <a16:creationId xmlns:a16="http://schemas.microsoft.com/office/drawing/2014/main" id="{17CC2421-FCB5-4424-BB48-5A05E85CD0A4}"/>
               </a:ext>
-            </a:extLst>
-          </p:cNvPr>
-          <p:cNvSpPr/>
-          <p:nvPr/>
-        </p:nvSpPr>
-        <p:spPr>
-          <a:xfrm>
-            <a:off x="9440849" y="2017578"/>
+              <a:ext uri="{C183D7F6-B498-43B3-948B-1728B52AA6E4}">
+                <adec:decorative xmlns:adec="http://schemas.microsoft.com/office/drawing/2017/decorative" val="1"/>
+              </a:ext>
+            </a:extLst>
+          </p:cNvPr>
+          <p:cNvSpPr/>
+          <p:nvPr/>
+        </p:nvSpPr>
+        <p:spPr>
+          <a:xfrm>
+            <a:off x="9485185" y="2017578"/>
             <a:ext cx="695739" cy="589649"/>
           </a:xfrm>
           <a:prstGeom prst="rect">
@@ -6728,14 +6916,17 @@
               <a:ext uri="{FF2B5EF4-FFF2-40B4-BE49-F238E27FC236}">
                 <a16:creationId xmlns:a16="http://schemas.microsoft.com/office/drawing/2014/main" id="{184BF598-B63A-40DD-B93B-CF03E1012BFD}"/>
               </a:ext>
-            </a:extLst>
-          </p:cNvPr>
-          <p:cNvSpPr/>
-          <p:nvPr/>
-        </p:nvSpPr>
-        <p:spPr>
-          <a:xfrm>
-            <a:off x="9440849" y="2625052"/>
+              <a:ext uri="{C183D7F6-B498-43B3-948B-1728B52AA6E4}">
+                <adec:decorative xmlns:adec="http://schemas.microsoft.com/office/drawing/2017/decorative" val="1"/>
+              </a:ext>
+            </a:extLst>
+          </p:cNvPr>
+          <p:cNvSpPr/>
+          <p:nvPr/>
+        </p:nvSpPr>
+        <p:spPr>
+          <a:xfrm>
+            <a:off x="9485185" y="2625052"/>
             <a:ext cx="695739" cy="589649"/>
           </a:xfrm>
           <a:prstGeom prst="rect">
@@ -6779,14 +6970,17 @@
               <a:ext uri="{FF2B5EF4-FFF2-40B4-BE49-F238E27FC236}">
                 <a16:creationId xmlns:a16="http://schemas.microsoft.com/office/drawing/2014/main" id="{84B23411-D83D-4FA8-A1C8-B69AF5B2AEAB}"/>
               </a:ext>
-            </a:extLst>
-          </p:cNvPr>
-          <p:cNvSpPr/>
-          <p:nvPr/>
-        </p:nvSpPr>
-        <p:spPr>
-          <a:xfrm>
-            <a:off x="9440849" y="3232526"/>
+              <a:ext uri="{C183D7F6-B498-43B3-948B-1728B52AA6E4}">
+                <adec:decorative xmlns:adec="http://schemas.microsoft.com/office/drawing/2017/decorative" val="1"/>
+              </a:ext>
+            </a:extLst>
+          </p:cNvPr>
+          <p:cNvSpPr/>
+          <p:nvPr/>
+        </p:nvSpPr>
+        <p:spPr>
+          <a:xfrm>
+            <a:off x="9485185" y="3232526"/>
             <a:ext cx="695739" cy="589649"/>
           </a:xfrm>
           <a:prstGeom prst="rect">
@@ -6830,14 +7024,17 @@
               <a:ext uri="{FF2B5EF4-FFF2-40B4-BE49-F238E27FC236}">
                 <a16:creationId xmlns:a16="http://schemas.microsoft.com/office/drawing/2014/main" id="{EC6ACA5E-088A-4B4B-BF9C-55F73D6BCF16}"/>
               </a:ext>
-            </a:extLst>
-          </p:cNvPr>
-          <p:cNvSpPr/>
-          <p:nvPr/>
-        </p:nvSpPr>
-        <p:spPr>
-          <a:xfrm>
-            <a:off x="9440849" y="3840000"/>
+              <a:ext uri="{C183D7F6-B498-43B3-948B-1728B52AA6E4}">
+                <adec:decorative xmlns:adec="http://schemas.microsoft.com/office/drawing/2017/decorative" val="1"/>
+              </a:ext>
+            </a:extLst>
+          </p:cNvPr>
+          <p:cNvSpPr/>
+          <p:nvPr/>
+        </p:nvSpPr>
+        <p:spPr>
+          <a:xfrm>
+            <a:off x="9485185" y="3840000"/>
             <a:ext cx="695739" cy="589649"/>
           </a:xfrm>
           <a:prstGeom prst="rect">
@@ -6881,14 +7078,17 @@
               <a:ext uri="{FF2B5EF4-FFF2-40B4-BE49-F238E27FC236}">
                 <a16:creationId xmlns:a16="http://schemas.microsoft.com/office/drawing/2014/main" id="{BB54A611-E6DE-415D-AD36-6D3CBB6FC578}"/>
               </a:ext>
-            </a:extLst>
-          </p:cNvPr>
-          <p:cNvSpPr/>
-          <p:nvPr/>
-        </p:nvSpPr>
-        <p:spPr>
-          <a:xfrm>
-            <a:off x="9440849" y="4447476"/>
+              <a:ext uri="{C183D7F6-B498-43B3-948B-1728B52AA6E4}">
+                <adec:decorative xmlns:adec="http://schemas.microsoft.com/office/drawing/2017/decorative" val="1"/>
+              </a:ext>
+            </a:extLst>
+          </p:cNvPr>
+          <p:cNvSpPr/>
+          <p:nvPr/>
+        </p:nvSpPr>
+        <p:spPr>
+          <a:xfrm>
+            <a:off x="9485185" y="4447476"/>
             <a:ext cx="695739" cy="589649"/>
           </a:xfrm>
           <a:prstGeom prst="rect">
@@ -6932,14 +7132,17 @@
               <a:ext uri="{FF2B5EF4-FFF2-40B4-BE49-F238E27FC236}">
                 <a16:creationId xmlns:a16="http://schemas.microsoft.com/office/drawing/2014/main" id="{985FC000-4E78-4D50-986D-C16E32F562F7}"/>
               </a:ext>
-            </a:extLst>
-          </p:cNvPr>
-          <p:cNvSpPr/>
-          <p:nvPr/>
-        </p:nvSpPr>
-        <p:spPr>
-          <a:xfrm>
-            <a:off x="10156467" y="2017578"/>
+              <a:ext uri="{C183D7F6-B498-43B3-948B-1728B52AA6E4}">
+                <adec:decorative xmlns:adec="http://schemas.microsoft.com/office/drawing/2017/decorative" val="1"/>
+              </a:ext>
+            </a:extLst>
+          </p:cNvPr>
+          <p:cNvSpPr/>
+          <p:nvPr/>
+        </p:nvSpPr>
+        <p:spPr>
+          <a:xfrm>
+            <a:off x="10200803" y="2017578"/>
             <a:ext cx="695739" cy="589649"/>
           </a:xfrm>
           <a:prstGeom prst="rect">
@@ -6983,14 +7186,17 @@
               <a:ext uri="{FF2B5EF4-FFF2-40B4-BE49-F238E27FC236}">
                 <a16:creationId xmlns:a16="http://schemas.microsoft.com/office/drawing/2014/main" id="{2C0BDE89-411A-4450-BA0B-24808355E08C}"/>
               </a:ext>
-            </a:extLst>
-          </p:cNvPr>
-          <p:cNvSpPr/>
-          <p:nvPr/>
-        </p:nvSpPr>
-        <p:spPr>
-          <a:xfrm>
-            <a:off x="10156467" y="2625052"/>
+              <a:ext uri="{C183D7F6-B498-43B3-948B-1728B52AA6E4}">
+                <adec:decorative xmlns:adec="http://schemas.microsoft.com/office/drawing/2017/decorative" val="1"/>
+              </a:ext>
+            </a:extLst>
+          </p:cNvPr>
+          <p:cNvSpPr/>
+          <p:nvPr/>
+        </p:nvSpPr>
+        <p:spPr>
+          <a:xfrm>
+            <a:off x="10200803" y="2625052"/>
             <a:ext cx="695739" cy="589649"/>
           </a:xfrm>
           <a:prstGeom prst="rect">
@@ -7034,14 +7240,17 @@
               <a:ext uri="{FF2B5EF4-FFF2-40B4-BE49-F238E27FC236}">
                 <a16:creationId xmlns:a16="http://schemas.microsoft.com/office/drawing/2014/main" id="{4BC2AE19-669B-4271-8DCC-C183EC749604}"/>
               </a:ext>
-            </a:extLst>
-          </p:cNvPr>
-          <p:cNvSpPr/>
-          <p:nvPr/>
-        </p:nvSpPr>
-        <p:spPr>
-          <a:xfrm>
-            <a:off x="10156467" y="3232526"/>
+              <a:ext uri="{C183D7F6-B498-43B3-948B-1728B52AA6E4}">
+                <adec:decorative xmlns:adec="http://schemas.microsoft.com/office/drawing/2017/decorative" val="1"/>
+              </a:ext>
+            </a:extLst>
+          </p:cNvPr>
+          <p:cNvSpPr/>
+          <p:nvPr/>
+        </p:nvSpPr>
+        <p:spPr>
+          <a:xfrm>
+            <a:off x="10200803" y="3232526"/>
             <a:ext cx="695739" cy="589649"/>
           </a:xfrm>
           <a:prstGeom prst="rect">
@@ -7085,14 +7294,17 @@
               <a:ext uri="{FF2B5EF4-FFF2-40B4-BE49-F238E27FC236}">
                 <a16:creationId xmlns:a16="http://schemas.microsoft.com/office/drawing/2014/main" id="{359803A3-AA1F-4561-8C9C-12C2A48590F1}"/>
               </a:ext>
-            </a:extLst>
-          </p:cNvPr>
-          <p:cNvSpPr/>
-          <p:nvPr/>
-        </p:nvSpPr>
-        <p:spPr>
-          <a:xfrm>
-            <a:off x="10156467" y="3840000"/>
+              <a:ext uri="{C183D7F6-B498-43B3-948B-1728B52AA6E4}">
+                <adec:decorative xmlns:adec="http://schemas.microsoft.com/office/drawing/2017/decorative" val="1"/>
+              </a:ext>
+            </a:extLst>
+          </p:cNvPr>
+          <p:cNvSpPr/>
+          <p:nvPr/>
+        </p:nvSpPr>
+        <p:spPr>
+          <a:xfrm>
+            <a:off x="10200803" y="3840000"/>
             <a:ext cx="695739" cy="589649"/>
           </a:xfrm>
           <a:prstGeom prst="rect">
@@ -7136,46 +7348,92 @@
               <a:ext uri="{FF2B5EF4-FFF2-40B4-BE49-F238E27FC236}">
                 <a16:creationId xmlns:a16="http://schemas.microsoft.com/office/drawing/2014/main" id="{802C54FF-9E8C-4B96-ABD1-51EAF6AA26BD}"/>
               </a:ext>
-            </a:extLst>
-          </p:cNvPr>
-          <p:cNvSpPr/>
-          <p:nvPr/>
-        </p:nvSpPr>
-        <p:spPr>
-          <a:xfrm>
-            <a:off x="10156467" y="4447476"/>
-            <a:ext cx="695739" cy="589649"/>
-          </a:xfrm>
-          <a:prstGeom prst="rect">
-            <a:avLst/>
-          </a:prstGeom>
-          <a:noFill/>
-          <a:ln>
-            <a:noFill/>
-          </a:ln>
-        </p:spPr>
-        <p:style>
-          <a:lnRef idx="2">
-            <a:schemeClr val="accent1">
-              <a:shade val="50000"/>
-            </a:schemeClr>
-          </a:lnRef>
-          <a:fillRef idx="1">
-            <a:schemeClr val="accent1"/>
-          </a:fillRef>
-          <a:effectRef idx="0">
-            <a:schemeClr val="accent1"/>
-          </a:effectRef>
-          <a:fontRef idx="minor">
-            <a:schemeClr val="lt1"/>
-          </a:fontRef>
-        </p:style>
-        <p:txBody>
-          <a:bodyPr rtlCol="0" anchor="ctr"/>
-          <a:lstStyle/>
-          <a:p>
-            <a:pPr algn="ctr"/>
-            <a:endParaRPr lang="en-AU"/>
+              <a:ext uri="{C183D7F6-B498-43B3-948B-1728B52AA6E4}">
+                <adec:decorative xmlns:adec="http://schemas.microsoft.com/office/drawing/2017/decorative" val="1"/>
+              </a:ext>
+            </a:extLst>
+          </p:cNvPr>
+          <p:cNvSpPr/>
+          <p:nvPr/>
+        </p:nvSpPr>
+        <p:spPr>
+          <a:xfrm>
+            <a:off x="10200803" y="4447476"/>
+            <a:ext cx="695739" cy="589649"/>
+          </a:xfrm>
+          <a:prstGeom prst="rect">
+            <a:avLst/>
+          </a:prstGeom>
+          <a:noFill/>
+          <a:ln>
+            <a:noFill/>
+          </a:ln>
+        </p:spPr>
+        <p:style>
+          <a:lnRef idx="2">
+            <a:schemeClr val="accent1">
+              <a:shade val="50000"/>
+            </a:schemeClr>
+          </a:lnRef>
+          <a:fillRef idx="1">
+            <a:schemeClr val="accent1"/>
+          </a:fillRef>
+          <a:effectRef idx="0">
+            <a:schemeClr val="accent1"/>
+          </a:effectRef>
+          <a:fontRef idx="minor">
+            <a:schemeClr val="lt1"/>
+          </a:fontRef>
+        </p:style>
+        <p:txBody>
+          <a:bodyPr rtlCol="0" anchor="ctr"/>
+          <a:lstStyle/>
+          <a:p>
+            <a:pPr algn="ctr"/>
+            <a:endParaRPr lang="en-AU"/>
+          </a:p>
+        </p:txBody>
+      </p:sp>
+      <p:sp>
+        <p:nvSpPr>
+          <p:cNvPr id="129" name="Rectangle 128">
+            <a:extLst>
+              <a:ext uri="{FF2B5EF4-FFF2-40B4-BE49-F238E27FC236}">
+                <a16:creationId xmlns:a16="http://schemas.microsoft.com/office/drawing/2014/main" id="{9007FEDC-3D34-491A-9E2F-49248E13212B}"/>
+              </a:ext>
+            </a:extLst>
+          </p:cNvPr>
+          <p:cNvSpPr/>
+          <p:nvPr/>
+        </p:nvSpPr>
+        <p:spPr>
+          <a:xfrm>
+            <a:off x="10981989" y="6581001"/>
+            <a:ext cx="1210011" cy="276999"/>
+          </a:xfrm>
+          <a:prstGeom prst="rect">
+            <a:avLst/>
+          </a:prstGeom>
+        </p:spPr>
+        <p:txBody>
+          <a:bodyPr wrap="none">
+            <a:spAutoFit/>
+          </a:bodyPr>
+          <a:lstStyle/>
+          <a:p>
+            <a:r>
+              <a:rPr lang="en-AU" sz="1200" dirty="0">
+                <a:hlinkClick r:id="rId72"/>
+              </a:rPr>
+              <a:t>@</a:t>
+            </a:r>
+            <a:r>
+              <a:rPr lang="en-AU" sz="1200" dirty="0" err="1">
+                <a:hlinkClick r:id="rId72"/>
+              </a:rPr>
+              <a:t>AaronDinnage</a:t>
+            </a:r>
+            <a:endParaRPr lang="en-AU" sz="1200" dirty="0"/>
           </a:p>
         </p:txBody>
       </p:sp>
@@ -7189,13 +7447,13 @@
   <p:clrMapOvr>
     <a:masterClrMapping/>
   </p:clrMapOvr>
-  <mc:AlternateContent xmlns:mc="http://schemas.openxmlformats.org/markup-compatibility/2006">
-    <mc:Choice xmlns:p14="http://schemas.microsoft.com/office/powerpoint/2010/main" Requires="p14">
+  <mc:AlternateContent xmlns:mc="http://schemas.openxmlformats.org/markup-compatibility/2006" xmlns:p14="http://schemas.microsoft.com/office/powerpoint/2010/main">
+    <mc:Choice Requires="p14">
       <p:transition spd="med" p14:dur="700">
         <p:fade/>
       </p:transition>
     </mc:Choice>
-    <mc:Fallback>
+    <mc:Fallback xmlns="">
       <p:transition spd="med">
         <p:fade/>
       </p:transition>
@@ -7223,7 +7481,7 @@
       </p:grpSpPr>
       <p:pic>
         <p:nvPicPr>
-          <p:cNvPr id="3" name="Picture 2" descr="A screenshot of a cell phone&#10;&#10;Description automatically generated">
+          <p:cNvPr id="3" name="Picture 2">
             <a:extLst>
               <a:ext uri="{FF2B5EF4-FFF2-40B4-BE49-F238E27FC236}">
                 <a16:creationId xmlns:a16="http://schemas.microsoft.com/office/drawing/2014/main" id="{BA9F5777-A10A-4E00-93E0-73C545A0B898}"/>
@@ -7243,14 +7501,13 @@
               </a:ext>
             </a:extLst>
           </a:blip>
-          <a:stretch>
-            <a:fillRect/>
-          </a:stretch>
+          <a:srcRect/>
+          <a:stretch/>
         </p:blipFill>
         <p:spPr>
           <a:xfrm>
-            <a:off x="0" y="165102"/>
-            <a:ext cx="12192000" cy="6527797"/>
+            <a:off x="0" y="197565"/>
+            <a:ext cx="12191999" cy="6462869"/>
           </a:xfrm>
           <a:prstGeom prst="rect">
             <a:avLst/>
@@ -7265,14 +7522,17 @@
               <a:ext uri="{FF2B5EF4-FFF2-40B4-BE49-F238E27FC236}">
                 <a16:creationId xmlns:a16="http://schemas.microsoft.com/office/drawing/2014/main" id="{19B15CF6-EDC5-4A41-B7DF-F25C16559DDA}"/>
               </a:ext>
-            </a:extLst>
-          </p:cNvPr>
-          <p:cNvSpPr/>
-          <p:nvPr/>
-        </p:nvSpPr>
-        <p:spPr>
-          <a:xfrm>
-            <a:off x="8018301" y="4146530"/>
+              <a:ext uri="{C183D7F6-B498-43B3-948B-1728B52AA6E4}">
+                <adec:decorative xmlns:adec="http://schemas.microsoft.com/office/drawing/2017/decorative" val="1"/>
+              </a:ext>
+            </a:extLst>
+          </p:cNvPr>
+          <p:cNvSpPr/>
+          <p:nvPr/>
+        </p:nvSpPr>
+        <p:spPr>
+          <a:xfrm>
+            <a:off x="8051553" y="4163156"/>
             <a:ext cx="695739" cy="589649"/>
           </a:xfrm>
           <a:prstGeom prst="rect">
@@ -7316,14 +7576,17 @@
               <a:ext uri="{FF2B5EF4-FFF2-40B4-BE49-F238E27FC236}">
                 <a16:creationId xmlns:a16="http://schemas.microsoft.com/office/drawing/2014/main" id="{234586CA-E865-49F8-8365-DA748FF67CD5}"/>
               </a:ext>
-            </a:extLst>
-          </p:cNvPr>
-          <p:cNvSpPr/>
-          <p:nvPr/>
-        </p:nvSpPr>
-        <p:spPr>
-          <a:xfrm>
-            <a:off x="8733919" y="4146530"/>
+              <a:ext uri="{C183D7F6-B498-43B3-948B-1728B52AA6E4}">
+                <adec:decorative xmlns:adec="http://schemas.microsoft.com/office/drawing/2017/decorative" val="1"/>
+              </a:ext>
+            </a:extLst>
+          </p:cNvPr>
+          <p:cNvSpPr/>
+          <p:nvPr/>
+        </p:nvSpPr>
+        <p:spPr>
+          <a:xfrm>
+            <a:off x="8767171" y="4163156"/>
             <a:ext cx="695739" cy="589649"/>
           </a:xfrm>
           <a:prstGeom prst="rect">
@@ -7367,14 +7630,17 @@
               <a:ext uri="{FF2B5EF4-FFF2-40B4-BE49-F238E27FC236}">
                 <a16:creationId xmlns:a16="http://schemas.microsoft.com/office/drawing/2014/main" id="{E5827004-DD2A-45EA-ACCC-AD045FA4AB24}"/>
               </a:ext>
-            </a:extLst>
-          </p:cNvPr>
-          <p:cNvSpPr/>
-          <p:nvPr/>
-        </p:nvSpPr>
-        <p:spPr>
-          <a:xfrm>
-            <a:off x="9449537" y="4146530"/>
+              <a:ext uri="{C183D7F6-B498-43B3-948B-1728B52AA6E4}">
+                <adec:decorative xmlns:adec="http://schemas.microsoft.com/office/drawing/2017/decorative" val="1"/>
+              </a:ext>
+            </a:extLst>
+          </p:cNvPr>
+          <p:cNvSpPr/>
+          <p:nvPr/>
+        </p:nvSpPr>
+        <p:spPr>
+          <a:xfrm>
+            <a:off x="9482789" y="4163156"/>
             <a:ext cx="695739" cy="589649"/>
           </a:xfrm>
           <a:prstGeom prst="rect">
@@ -7418,14 +7684,17 @@
               <a:ext uri="{FF2B5EF4-FFF2-40B4-BE49-F238E27FC236}">
                 <a16:creationId xmlns:a16="http://schemas.microsoft.com/office/drawing/2014/main" id="{470CE579-AA84-41FE-B72E-F24C998919A4}"/>
               </a:ext>
-            </a:extLst>
-          </p:cNvPr>
-          <p:cNvSpPr/>
-          <p:nvPr/>
-        </p:nvSpPr>
-        <p:spPr>
-          <a:xfrm>
-            <a:off x="10165155" y="4146530"/>
+              <a:ext uri="{C183D7F6-B498-43B3-948B-1728B52AA6E4}">
+                <adec:decorative xmlns:adec="http://schemas.microsoft.com/office/drawing/2017/decorative" val="1"/>
+              </a:ext>
+            </a:extLst>
+          </p:cNvPr>
+          <p:cNvSpPr/>
+          <p:nvPr/>
+        </p:nvSpPr>
+        <p:spPr>
+          <a:xfrm>
+            <a:off x="10198407" y="4163156"/>
             <a:ext cx="695739" cy="589649"/>
           </a:xfrm>
           <a:prstGeom prst="rect">
@@ -7469,14 +7738,17 @@
               <a:ext uri="{FF2B5EF4-FFF2-40B4-BE49-F238E27FC236}">
                 <a16:creationId xmlns:a16="http://schemas.microsoft.com/office/drawing/2014/main" id="{ACEB4319-8541-482B-9763-7252EB674E1C}"/>
               </a:ext>
-            </a:extLst>
-          </p:cNvPr>
-          <p:cNvSpPr/>
-          <p:nvPr/>
-        </p:nvSpPr>
-        <p:spPr>
-          <a:xfrm>
-            <a:off x="8018301" y="4754004"/>
+              <a:ext uri="{C183D7F6-B498-43B3-948B-1728B52AA6E4}">
+                <adec:decorative xmlns:adec="http://schemas.microsoft.com/office/drawing/2017/decorative" val="1"/>
+              </a:ext>
+            </a:extLst>
+          </p:cNvPr>
+          <p:cNvSpPr/>
+          <p:nvPr/>
+        </p:nvSpPr>
+        <p:spPr>
+          <a:xfrm>
+            <a:off x="8051553" y="4770630"/>
             <a:ext cx="695739" cy="589649"/>
           </a:xfrm>
           <a:prstGeom prst="rect">
@@ -7520,14 +7792,17 @@
               <a:ext uri="{FF2B5EF4-FFF2-40B4-BE49-F238E27FC236}">
                 <a16:creationId xmlns:a16="http://schemas.microsoft.com/office/drawing/2014/main" id="{7BB198E4-B694-4FED-A305-3C28AAD5A57D}"/>
               </a:ext>
-            </a:extLst>
-          </p:cNvPr>
-          <p:cNvSpPr/>
-          <p:nvPr/>
-        </p:nvSpPr>
-        <p:spPr>
-          <a:xfrm>
-            <a:off x="8733919" y="4754004"/>
+              <a:ext uri="{C183D7F6-B498-43B3-948B-1728B52AA6E4}">
+                <adec:decorative xmlns:adec="http://schemas.microsoft.com/office/drawing/2017/decorative" val="1"/>
+              </a:ext>
+            </a:extLst>
+          </p:cNvPr>
+          <p:cNvSpPr/>
+          <p:nvPr/>
+        </p:nvSpPr>
+        <p:spPr>
+          <a:xfrm>
+            <a:off x="8767171" y="4770630"/>
             <a:ext cx="695739" cy="589649"/>
           </a:xfrm>
           <a:prstGeom prst="rect">
@@ -7571,14 +7846,17 @@
               <a:ext uri="{FF2B5EF4-FFF2-40B4-BE49-F238E27FC236}">
                 <a16:creationId xmlns:a16="http://schemas.microsoft.com/office/drawing/2014/main" id="{75FC90E4-AEA7-40C5-9C11-14D1D4188387}"/>
               </a:ext>
-            </a:extLst>
-          </p:cNvPr>
-          <p:cNvSpPr/>
-          <p:nvPr/>
-        </p:nvSpPr>
-        <p:spPr>
-          <a:xfrm>
-            <a:off x="9449537" y="4754004"/>
+              <a:ext uri="{C183D7F6-B498-43B3-948B-1728B52AA6E4}">
+                <adec:decorative xmlns:adec="http://schemas.microsoft.com/office/drawing/2017/decorative" val="1"/>
+              </a:ext>
+            </a:extLst>
+          </p:cNvPr>
+          <p:cNvSpPr/>
+          <p:nvPr/>
+        </p:nvSpPr>
+        <p:spPr>
+          <a:xfrm>
+            <a:off x="9482789" y="4770630"/>
             <a:ext cx="695739" cy="589649"/>
           </a:xfrm>
           <a:prstGeom prst="rect">
@@ -7622,14 +7900,17 @@
               <a:ext uri="{FF2B5EF4-FFF2-40B4-BE49-F238E27FC236}">
                 <a16:creationId xmlns:a16="http://schemas.microsoft.com/office/drawing/2014/main" id="{7C5D938E-E6C5-4AD7-9164-D80EEA2BB334}"/>
               </a:ext>
-            </a:extLst>
-          </p:cNvPr>
-          <p:cNvSpPr/>
-          <p:nvPr/>
-        </p:nvSpPr>
-        <p:spPr>
-          <a:xfrm>
-            <a:off x="10165155" y="4754004"/>
+              <a:ext uri="{C183D7F6-B498-43B3-948B-1728B52AA6E4}">
+                <adec:decorative xmlns:adec="http://schemas.microsoft.com/office/drawing/2017/decorative" val="1"/>
+              </a:ext>
+            </a:extLst>
+          </p:cNvPr>
+          <p:cNvSpPr/>
+          <p:nvPr/>
+        </p:nvSpPr>
+        <p:spPr>
+          <a:xfrm>
+            <a:off x="10198407" y="4770630"/>
             <a:ext cx="695739" cy="589649"/>
           </a:xfrm>
           <a:prstGeom prst="rect">
@@ -7673,14 +7954,17 @@
               <a:ext uri="{FF2B5EF4-FFF2-40B4-BE49-F238E27FC236}">
                 <a16:creationId xmlns:a16="http://schemas.microsoft.com/office/drawing/2014/main" id="{142C4A2B-1D02-4054-910B-BC53BB9EE43C}"/>
               </a:ext>
-            </a:extLst>
-          </p:cNvPr>
-          <p:cNvSpPr/>
-          <p:nvPr/>
-        </p:nvSpPr>
-        <p:spPr>
-          <a:xfrm>
-            <a:off x="4672274" y="4146530"/>
+              <a:ext uri="{C183D7F6-B498-43B3-948B-1728B52AA6E4}">
+                <adec:decorative xmlns:adec="http://schemas.microsoft.com/office/drawing/2017/decorative" val="1"/>
+              </a:ext>
+            </a:extLst>
+          </p:cNvPr>
+          <p:cNvSpPr/>
+          <p:nvPr/>
+        </p:nvSpPr>
+        <p:spPr>
+          <a:xfrm>
+            <a:off x="4672274" y="4152072"/>
             <a:ext cx="695739" cy="589649"/>
           </a:xfrm>
           <a:prstGeom prst="rect">
@@ -7724,14 +8008,17 @@
               <a:ext uri="{FF2B5EF4-FFF2-40B4-BE49-F238E27FC236}">
                 <a16:creationId xmlns:a16="http://schemas.microsoft.com/office/drawing/2014/main" id="{39F8ADD6-6043-485F-B548-B355CFFF9F21}"/>
               </a:ext>
-            </a:extLst>
-          </p:cNvPr>
-          <p:cNvSpPr/>
-          <p:nvPr/>
-        </p:nvSpPr>
-        <p:spPr>
-          <a:xfrm>
-            <a:off x="5387892" y="4146530"/>
+              <a:ext uri="{C183D7F6-B498-43B3-948B-1728B52AA6E4}">
+                <adec:decorative xmlns:adec="http://schemas.microsoft.com/office/drawing/2017/decorative" val="1"/>
+              </a:ext>
+            </a:extLst>
+          </p:cNvPr>
+          <p:cNvSpPr/>
+          <p:nvPr/>
+        </p:nvSpPr>
+        <p:spPr>
+          <a:xfrm>
+            <a:off x="5387892" y="4152072"/>
             <a:ext cx="695739" cy="589649"/>
           </a:xfrm>
           <a:prstGeom prst="rect">
@@ -7775,14 +8062,17 @@
               <a:ext uri="{FF2B5EF4-FFF2-40B4-BE49-F238E27FC236}">
                 <a16:creationId xmlns:a16="http://schemas.microsoft.com/office/drawing/2014/main" id="{408FFF03-3AAC-47D9-B094-667D7DE667D8}"/>
               </a:ext>
-            </a:extLst>
-          </p:cNvPr>
-          <p:cNvSpPr/>
-          <p:nvPr/>
-        </p:nvSpPr>
-        <p:spPr>
-          <a:xfrm>
-            <a:off x="6103510" y="4146530"/>
+              <a:ext uri="{C183D7F6-B498-43B3-948B-1728B52AA6E4}">
+                <adec:decorative xmlns:adec="http://schemas.microsoft.com/office/drawing/2017/decorative" val="1"/>
+              </a:ext>
+            </a:extLst>
+          </p:cNvPr>
+          <p:cNvSpPr/>
+          <p:nvPr/>
+        </p:nvSpPr>
+        <p:spPr>
+          <a:xfrm>
+            <a:off x="6103510" y="4152072"/>
             <a:ext cx="695739" cy="589649"/>
           </a:xfrm>
           <a:prstGeom prst="rect">
@@ -7826,14 +8116,17 @@
               <a:ext uri="{FF2B5EF4-FFF2-40B4-BE49-F238E27FC236}">
                 <a16:creationId xmlns:a16="http://schemas.microsoft.com/office/drawing/2014/main" id="{6E627E00-A372-4FD9-A114-12616709EED0}"/>
               </a:ext>
-            </a:extLst>
-          </p:cNvPr>
-          <p:cNvSpPr/>
-          <p:nvPr/>
-        </p:nvSpPr>
-        <p:spPr>
-          <a:xfrm>
-            <a:off x="6819128" y="4146530"/>
+              <a:ext uri="{C183D7F6-B498-43B3-948B-1728B52AA6E4}">
+                <adec:decorative xmlns:adec="http://schemas.microsoft.com/office/drawing/2017/decorative" val="1"/>
+              </a:ext>
+            </a:extLst>
+          </p:cNvPr>
+          <p:cNvSpPr/>
+          <p:nvPr/>
+        </p:nvSpPr>
+        <p:spPr>
+          <a:xfrm>
+            <a:off x="6819128" y="4152072"/>
             <a:ext cx="695739" cy="589649"/>
           </a:xfrm>
           <a:prstGeom prst="rect">
@@ -7877,14 +8170,17 @@
               <a:ext uri="{FF2B5EF4-FFF2-40B4-BE49-F238E27FC236}">
                 <a16:creationId xmlns:a16="http://schemas.microsoft.com/office/drawing/2014/main" id="{59018089-7372-408F-A66C-56936446FB91}"/>
               </a:ext>
-            </a:extLst>
-          </p:cNvPr>
-          <p:cNvSpPr/>
-          <p:nvPr/>
-        </p:nvSpPr>
-        <p:spPr>
-          <a:xfrm>
-            <a:off x="4672274" y="5055601"/>
+              <a:ext uri="{C183D7F6-B498-43B3-948B-1728B52AA6E4}">
+                <adec:decorative xmlns:adec="http://schemas.microsoft.com/office/drawing/2017/decorative" val="1"/>
+              </a:ext>
+            </a:extLst>
+          </p:cNvPr>
+          <p:cNvSpPr/>
+          <p:nvPr/>
+        </p:nvSpPr>
+        <p:spPr>
+          <a:xfrm>
+            <a:off x="4672274" y="5061143"/>
             <a:ext cx="695739" cy="589649"/>
           </a:xfrm>
           <a:prstGeom prst="rect">
@@ -7928,14 +8224,17 @@
               <a:ext uri="{FF2B5EF4-FFF2-40B4-BE49-F238E27FC236}">
                 <a16:creationId xmlns:a16="http://schemas.microsoft.com/office/drawing/2014/main" id="{9446DA22-06D7-4E3C-9976-E7653AB15145}"/>
               </a:ext>
-            </a:extLst>
-          </p:cNvPr>
-          <p:cNvSpPr/>
-          <p:nvPr/>
-        </p:nvSpPr>
-        <p:spPr>
-          <a:xfrm>
-            <a:off x="5387892" y="5055601"/>
+              <a:ext uri="{C183D7F6-B498-43B3-948B-1728B52AA6E4}">
+                <adec:decorative xmlns:adec="http://schemas.microsoft.com/office/drawing/2017/decorative" val="1"/>
+              </a:ext>
+            </a:extLst>
+          </p:cNvPr>
+          <p:cNvSpPr/>
+          <p:nvPr/>
+        </p:nvSpPr>
+        <p:spPr>
+          <a:xfrm>
+            <a:off x="5387892" y="5061143"/>
             <a:ext cx="695739" cy="589649"/>
           </a:xfrm>
           <a:prstGeom prst="rect">
@@ -7979,14 +8278,17 @@
               <a:ext uri="{FF2B5EF4-FFF2-40B4-BE49-F238E27FC236}">
                 <a16:creationId xmlns:a16="http://schemas.microsoft.com/office/drawing/2014/main" id="{B0992D21-6A67-450B-81EE-FE4D339CE165}"/>
               </a:ext>
-            </a:extLst>
-          </p:cNvPr>
-          <p:cNvSpPr/>
-          <p:nvPr/>
-        </p:nvSpPr>
-        <p:spPr>
-          <a:xfrm>
-            <a:off x="1337879" y="4146530"/>
+              <a:ext uri="{C183D7F6-B498-43B3-948B-1728B52AA6E4}">
+                <adec:decorative xmlns:adec="http://schemas.microsoft.com/office/drawing/2017/decorative" val="1"/>
+              </a:ext>
+            </a:extLst>
+          </p:cNvPr>
+          <p:cNvSpPr/>
+          <p:nvPr/>
+        </p:nvSpPr>
+        <p:spPr>
+          <a:xfrm>
+            <a:off x="1304627" y="4152072"/>
             <a:ext cx="695739" cy="589649"/>
           </a:xfrm>
           <a:prstGeom prst="rect">
@@ -8030,14 +8332,17 @@
               <a:ext uri="{FF2B5EF4-FFF2-40B4-BE49-F238E27FC236}">
                 <a16:creationId xmlns:a16="http://schemas.microsoft.com/office/drawing/2014/main" id="{19967A92-B71D-418A-B2E8-AD03C4C3849F}"/>
               </a:ext>
-            </a:extLst>
-          </p:cNvPr>
-          <p:cNvSpPr/>
-          <p:nvPr/>
-        </p:nvSpPr>
-        <p:spPr>
-          <a:xfrm>
-            <a:off x="2053497" y="4146530"/>
+              <a:ext uri="{C183D7F6-B498-43B3-948B-1728B52AA6E4}">
+                <adec:decorative xmlns:adec="http://schemas.microsoft.com/office/drawing/2017/decorative" val="1"/>
+              </a:ext>
+            </a:extLst>
+          </p:cNvPr>
+          <p:cNvSpPr/>
+          <p:nvPr/>
+        </p:nvSpPr>
+        <p:spPr>
+          <a:xfrm>
+            <a:off x="2020245" y="4152072"/>
             <a:ext cx="695739" cy="589649"/>
           </a:xfrm>
           <a:prstGeom prst="rect">
@@ -8081,14 +8386,17 @@
               <a:ext uri="{FF2B5EF4-FFF2-40B4-BE49-F238E27FC236}">
                 <a16:creationId xmlns:a16="http://schemas.microsoft.com/office/drawing/2014/main" id="{48333538-A8D6-4723-BF6E-9087A1A1427B}"/>
               </a:ext>
-            </a:extLst>
-          </p:cNvPr>
-          <p:cNvSpPr/>
-          <p:nvPr/>
-        </p:nvSpPr>
-        <p:spPr>
-          <a:xfrm>
-            <a:off x="2769115" y="4146530"/>
+              <a:ext uri="{C183D7F6-B498-43B3-948B-1728B52AA6E4}">
+                <adec:decorative xmlns:adec="http://schemas.microsoft.com/office/drawing/2017/decorative" val="1"/>
+              </a:ext>
+            </a:extLst>
+          </p:cNvPr>
+          <p:cNvSpPr/>
+          <p:nvPr/>
+        </p:nvSpPr>
+        <p:spPr>
+          <a:xfrm>
+            <a:off x="2735863" y="4152072"/>
             <a:ext cx="695739" cy="589649"/>
           </a:xfrm>
           <a:prstGeom prst="rect">
@@ -8132,14 +8440,17 @@
               <a:ext uri="{FF2B5EF4-FFF2-40B4-BE49-F238E27FC236}">
                 <a16:creationId xmlns:a16="http://schemas.microsoft.com/office/drawing/2014/main" id="{CD14DA0A-79F8-44AE-AF8C-C2B0D393B210}"/>
               </a:ext>
-            </a:extLst>
-          </p:cNvPr>
-          <p:cNvSpPr/>
-          <p:nvPr/>
-        </p:nvSpPr>
-        <p:spPr>
-          <a:xfrm>
-            <a:off x="1337879" y="4754004"/>
+              <a:ext uri="{C183D7F6-B498-43B3-948B-1728B52AA6E4}">
+                <adec:decorative xmlns:adec="http://schemas.microsoft.com/office/drawing/2017/decorative" val="1"/>
+              </a:ext>
+            </a:extLst>
+          </p:cNvPr>
+          <p:cNvSpPr/>
+          <p:nvPr/>
+        </p:nvSpPr>
+        <p:spPr>
+          <a:xfrm>
+            <a:off x="1304627" y="4759546"/>
             <a:ext cx="695739" cy="589649"/>
           </a:xfrm>
           <a:prstGeom prst="rect">
@@ -8183,14 +8494,17 @@
               <a:ext uri="{FF2B5EF4-FFF2-40B4-BE49-F238E27FC236}">
                 <a16:creationId xmlns:a16="http://schemas.microsoft.com/office/drawing/2014/main" id="{C6606C08-95FF-44C5-942B-A7DA8CE56B08}"/>
               </a:ext>
-            </a:extLst>
-          </p:cNvPr>
-          <p:cNvSpPr/>
-          <p:nvPr/>
-        </p:nvSpPr>
-        <p:spPr>
-          <a:xfrm>
-            <a:off x="2053497" y="4754004"/>
+              <a:ext uri="{C183D7F6-B498-43B3-948B-1728B52AA6E4}">
+                <adec:decorative xmlns:adec="http://schemas.microsoft.com/office/drawing/2017/decorative" val="1"/>
+              </a:ext>
+            </a:extLst>
+          </p:cNvPr>
+          <p:cNvSpPr/>
+          <p:nvPr/>
+        </p:nvSpPr>
+        <p:spPr>
+          <a:xfrm>
+            <a:off x="2020245" y="4759546"/>
             <a:ext cx="695739" cy="589649"/>
           </a:xfrm>
           <a:prstGeom prst="rect">
@@ -8234,14 +8548,17 @@
               <a:ext uri="{FF2B5EF4-FFF2-40B4-BE49-F238E27FC236}">
                 <a16:creationId xmlns:a16="http://schemas.microsoft.com/office/drawing/2014/main" id="{6AAB9C95-CBE6-46F1-9233-FE79C049FE18}"/>
               </a:ext>
-            </a:extLst>
-          </p:cNvPr>
-          <p:cNvSpPr/>
-          <p:nvPr/>
-        </p:nvSpPr>
-        <p:spPr>
-          <a:xfrm>
-            <a:off x="1337879" y="2009544"/>
+              <a:ext uri="{C183D7F6-B498-43B3-948B-1728B52AA6E4}">
+                <adec:decorative xmlns:adec="http://schemas.microsoft.com/office/drawing/2017/decorative" val="1"/>
+              </a:ext>
+            </a:extLst>
+          </p:cNvPr>
+          <p:cNvSpPr/>
+          <p:nvPr/>
+        </p:nvSpPr>
+        <p:spPr>
+          <a:xfrm>
+            <a:off x="1304627" y="2015086"/>
             <a:ext cx="695739" cy="589649"/>
           </a:xfrm>
           <a:prstGeom prst="rect">
@@ -8285,14 +8602,17 @@
               <a:ext uri="{FF2B5EF4-FFF2-40B4-BE49-F238E27FC236}">
                 <a16:creationId xmlns:a16="http://schemas.microsoft.com/office/drawing/2014/main" id="{30078D91-4429-426D-87FC-1F613BCDB0C0}"/>
               </a:ext>
-            </a:extLst>
-          </p:cNvPr>
-          <p:cNvSpPr/>
-          <p:nvPr/>
-        </p:nvSpPr>
-        <p:spPr>
-          <a:xfrm>
-            <a:off x="2053497" y="2009544"/>
+              <a:ext uri="{C183D7F6-B498-43B3-948B-1728B52AA6E4}">
+                <adec:decorative xmlns:adec="http://schemas.microsoft.com/office/drawing/2017/decorative" val="1"/>
+              </a:ext>
+            </a:extLst>
+          </p:cNvPr>
+          <p:cNvSpPr/>
+          <p:nvPr/>
+        </p:nvSpPr>
+        <p:spPr>
+          <a:xfrm>
+            <a:off x="2020245" y="2015086"/>
             <a:ext cx="695739" cy="589649"/>
           </a:xfrm>
           <a:prstGeom prst="rect">
@@ -8336,14 +8656,17 @@
               <a:ext uri="{FF2B5EF4-FFF2-40B4-BE49-F238E27FC236}">
                 <a16:creationId xmlns:a16="http://schemas.microsoft.com/office/drawing/2014/main" id="{7E4EB5E7-EE55-4720-8815-7716C78BB87C}"/>
               </a:ext>
-            </a:extLst>
-          </p:cNvPr>
-          <p:cNvSpPr/>
-          <p:nvPr/>
-        </p:nvSpPr>
-        <p:spPr>
-          <a:xfrm>
-            <a:off x="2769115" y="2009544"/>
+              <a:ext uri="{C183D7F6-B498-43B3-948B-1728B52AA6E4}">
+                <adec:decorative xmlns:adec="http://schemas.microsoft.com/office/drawing/2017/decorative" val="1"/>
+              </a:ext>
+            </a:extLst>
+          </p:cNvPr>
+          <p:cNvSpPr/>
+          <p:nvPr/>
+        </p:nvSpPr>
+        <p:spPr>
+          <a:xfrm>
+            <a:off x="2735863" y="2015086"/>
             <a:ext cx="695739" cy="589649"/>
           </a:xfrm>
           <a:prstGeom prst="rect">
@@ -8387,14 +8710,17 @@
               <a:ext uri="{FF2B5EF4-FFF2-40B4-BE49-F238E27FC236}">
                 <a16:creationId xmlns:a16="http://schemas.microsoft.com/office/drawing/2014/main" id="{C25D457E-F6DC-4A2C-BBEF-E108EFF74F35}"/>
               </a:ext>
-            </a:extLst>
-          </p:cNvPr>
-          <p:cNvSpPr/>
-          <p:nvPr/>
-        </p:nvSpPr>
-        <p:spPr>
-          <a:xfrm>
-            <a:off x="1337879" y="2617018"/>
+              <a:ext uri="{C183D7F6-B498-43B3-948B-1728B52AA6E4}">
+                <adec:decorative xmlns:adec="http://schemas.microsoft.com/office/drawing/2017/decorative" val="1"/>
+              </a:ext>
+            </a:extLst>
+          </p:cNvPr>
+          <p:cNvSpPr/>
+          <p:nvPr/>
+        </p:nvSpPr>
+        <p:spPr>
+          <a:xfrm>
+            <a:off x="1304627" y="2622560"/>
             <a:ext cx="695739" cy="589649"/>
           </a:xfrm>
           <a:prstGeom prst="rect">
@@ -8438,14 +8764,17 @@
               <a:ext uri="{FF2B5EF4-FFF2-40B4-BE49-F238E27FC236}">
                 <a16:creationId xmlns:a16="http://schemas.microsoft.com/office/drawing/2014/main" id="{C92AE915-B3D8-41A1-AC8C-8E6ADA9F60F4}"/>
               </a:ext>
-            </a:extLst>
-          </p:cNvPr>
-          <p:cNvSpPr/>
-          <p:nvPr/>
-        </p:nvSpPr>
-        <p:spPr>
-          <a:xfrm>
-            <a:off x="2053497" y="2617018"/>
+              <a:ext uri="{C183D7F6-B498-43B3-948B-1728B52AA6E4}">
+                <adec:decorative xmlns:adec="http://schemas.microsoft.com/office/drawing/2017/decorative" val="1"/>
+              </a:ext>
+            </a:extLst>
+          </p:cNvPr>
+          <p:cNvSpPr/>
+          <p:nvPr/>
+        </p:nvSpPr>
+        <p:spPr>
+          <a:xfrm>
+            <a:off x="2020245" y="2622560"/>
             <a:ext cx="695739" cy="589649"/>
           </a:xfrm>
           <a:prstGeom prst="rect">
@@ -8489,14 +8818,17 @@
               <a:ext uri="{FF2B5EF4-FFF2-40B4-BE49-F238E27FC236}">
                 <a16:creationId xmlns:a16="http://schemas.microsoft.com/office/drawing/2014/main" id="{6F27F12F-E915-4111-929C-5C8EEE676865}"/>
               </a:ext>
-            </a:extLst>
-          </p:cNvPr>
-          <p:cNvSpPr/>
-          <p:nvPr/>
-        </p:nvSpPr>
-        <p:spPr>
-          <a:xfrm>
-            <a:off x="2769115" y="2617018"/>
+              <a:ext uri="{C183D7F6-B498-43B3-948B-1728B52AA6E4}">
+                <adec:decorative xmlns:adec="http://schemas.microsoft.com/office/drawing/2017/decorative" val="1"/>
+              </a:ext>
+            </a:extLst>
+          </p:cNvPr>
+          <p:cNvSpPr/>
+          <p:nvPr/>
+        </p:nvSpPr>
+        <p:spPr>
+          <a:xfrm>
+            <a:off x="2735863" y="2622560"/>
             <a:ext cx="695739" cy="589649"/>
           </a:xfrm>
           <a:prstGeom prst="rect">
@@ -8540,14 +8872,17 @@
               <a:ext uri="{FF2B5EF4-FFF2-40B4-BE49-F238E27FC236}">
                 <a16:creationId xmlns:a16="http://schemas.microsoft.com/office/drawing/2014/main" id="{A13AD591-7410-44D8-9C6D-34C7C6CE8E0C}"/>
               </a:ext>
-            </a:extLst>
-          </p:cNvPr>
-          <p:cNvSpPr/>
-          <p:nvPr/>
-        </p:nvSpPr>
-        <p:spPr>
-          <a:xfrm>
-            <a:off x="1337879" y="993266"/>
+              <a:ext uri="{C183D7F6-B498-43B3-948B-1728B52AA6E4}">
+                <adec:decorative xmlns:adec="http://schemas.microsoft.com/office/drawing/2017/decorative" val="1"/>
+              </a:ext>
+            </a:extLst>
+          </p:cNvPr>
+          <p:cNvSpPr/>
+          <p:nvPr/>
+        </p:nvSpPr>
+        <p:spPr>
+          <a:xfrm>
+            <a:off x="1304627" y="998808"/>
             <a:ext cx="695739" cy="589649"/>
           </a:xfrm>
           <a:prstGeom prst="rect">
@@ -8591,14 +8926,17 @@
               <a:ext uri="{FF2B5EF4-FFF2-40B4-BE49-F238E27FC236}">
                 <a16:creationId xmlns:a16="http://schemas.microsoft.com/office/drawing/2014/main" id="{AC394F8C-EAC6-4B1D-A69D-A25381D28059}"/>
               </a:ext>
-            </a:extLst>
-          </p:cNvPr>
-          <p:cNvSpPr/>
-          <p:nvPr/>
-        </p:nvSpPr>
-        <p:spPr>
-          <a:xfrm>
-            <a:off x="2053497" y="993266"/>
+              <a:ext uri="{C183D7F6-B498-43B3-948B-1728B52AA6E4}">
+                <adec:decorative xmlns:adec="http://schemas.microsoft.com/office/drawing/2017/decorative" val="1"/>
+              </a:ext>
+            </a:extLst>
+          </p:cNvPr>
+          <p:cNvSpPr/>
+          <p:nvPr/>
+        </p:nvSpPr>
+        <p:spPr>
+          <a:xfrm>
+            <a:off x="2020245" y="998808"/>
             <a:ext cx="695739" cy="589649"/>
           </a:xfrm>
           <a:prstGeom prst="rect">
@@ -8642,14 +8980,17 @@
               <a:ext uri="{FF2B5EF4-FFF2-40B4-BE49-F238E27FC236}">
                 <a16:creationId xmlns:a16="http://schemas.microsoft.com/office/drawing/2014/main" id="{A68BD0FC-5612-44EA-B978-4D97639D9566}"/>
               </a:ext>
-            </a:extLst>
-          </p:cNvPr>
-          <p:cNvSpPr/>
-          <p:nvPr/>
-        </p:nvSpPr>
-        <p:spPr>
-          <a:xfrm>
-            <a:off x="2769115" y="993266"/>
+              <a:ext uri="{C183D7F6-B498-43B3-948B-1728B52AA6E4}">
+                <adec:decorative xmlns:adec="http://schemas.microsoft.com/office/drawing/2017/decorative" val="1"/>
+              </a:ext>
+            </a:extLst>
+          </p:cNvPr>
+          <p:cNvSpPr/>
+          <p:nvPr/>
+        </p:nvSpPr>
+        <p:spPr>
+          <a:xfrm>
+            <a:off x="2735863" y="998808"/>
             <a:ext cx="695739" cy="589649"/>
           </a:xfrm>
           <a:prstGeom prst="rect">
@@ -8693,46 +9034,200 @@
               <a:ext uri="{FF2B5EF4-FFF2-40B4-BE49-F238E27FC236}">
                 <a16:creationId xmlns:a16="http://schemas.microsoft.com/office/drawing/2014/main" id="{D519FEC9-E4E6-4CF7-BE08-4326A93F944C}"/>
               </a:ext>
-            </a:extLst>
-          </p:cNvPr>
-          <p:cNvSpPr/>
-          <p:nvPr/>
-        </p:nvSpPr>
-        <p:spPr>
-          <a:xfrm>
-            <a:off x="4672936" y="2015257"/>
-            <a:ext cx="695739" cy="589649"/>
-          </a:xfrm>
-          <a:prstGeom prst="rect">
-            <a:avLst/>
-          </a:prstGeom>
-          <a:noFill/>
-          <a:ln>
-            <a:noFill/>
-          </a:ln>
-        </p:spPr>
-        <p:style>
-          <a:lnRef idx="2">
-            <a:schemeClr val="accent1">
-              <a:shade val="50000"/>
-            </a:schemeClr>
-          </a:lnRef>
-          <a:fillRef idx="1">
-            <a:schemeClr val="accent1"/>
-          </a:fillRef>
-          <a:effectRef idx="0">
-            <a:schemeClr val="accent1"/>
-          </a:effectRef>
-          <a:fontRef idx="minor">
-            <a:schemeClr val="lt1"/>
-          </a:fontRef>
-        </p:style>
-        <p:txBody>
-          <a:bodyPr rtlCol="0" anchor="ctr"/>
-          <a:lstStyle/>
-          <a:p>
-            <a:pPr algn="ctr"/>
-            <a:endParaRPr lang="en-AU"/>
+              <a:ext uri="{C183D7F6-B498-43B3-948B-1728B52AA6E4}">
+                <adec:decorative xmlns:adec="http://schemas.microsoft.com/office/drawing/2017/decorative" val="1"/>
+              </a:ext>
+            </a:extLst>
+          </p:cNvPr>
+          <p:cNvSpPr/>
+          <p:nvPr/>
+        </p:nvSpPr>
+        <p:spPr>
+          <a:xfrm>
+            <a:off x="4672936" y="2020799"/>
+            <a:ext cx="695739" cy="589649"/>
+          </a:xfrm>
+          <a:prstGeom prst="rect">
+            <a:avLst/>
+          </a:prstGeom>
+          <a:noFill/>
+          <a:ln>
+            <a:noFill/>
+          </a:ln>
+        </p:spPr>
+        <p:style>
+          <a:lnRef idx="2">
+            <a:schemeClr val="accent1">
+              <a:shade val="50000"/>
+            </a:schemeClr>
+          </a:lnRef>
+          <a:fillRef idx="1">
+            <a:schemeClr val="accent1"/>
+          </a:fillRef>
+          <a:effectRef idx="0">
+            <a:schemeClr val="accent1"/>
+          </a:effectRef>
+          <a:fontRef idx="minor">
+            <a:schemeClr val="lt1"/>
+          </a:fontRef>
+        </p:style>
+        <p:txBody>
+          <a:bodyPr rtlCol="0" anchor="ctr"/>
+          <a:lstStyle/>
+          <a:p>
+            <a:pPr algn="ctr"/>
+            <a:endParaRPr lang="en-AU"/>
+          </a:p>
+        </p:txBody>
+      </p:sp>
+      <p:sp>
+        <p:nvSpPr>
+          <p:cNvPr id="36" name="Rectangle 35">
+            <a:hlinkClick r:id="rId32"/>
+            <a:extLst>
+              <a:ext uri="{FF2B5EF4-FFF2-40B4-BE49-F238E27FC236}">
+                <a16:creationId xmlns:a16="http://schemas.microsoft.com/office/drawing/2014/main" id="{7BAC72AC-6B51-452C-8273-1E03AB1F653A}"/>
+              </a:ext>
+              <a:ext uri="{C183D7F6-B498-43B3-948B-1728B52AA6E4}">
+                <adec:decorative xmlns:adec="http://schemas.microsoft.com/office/drawing/2017/decorative" val="1"/>
+              </a:ext>
+            </a:extLst>
+          </p:cNvPr>
+          <p:cNvSpPr/>
+          <p:nvPr/>
+        </p:nvSpPr>
+        <p:spPr>
+          <a:xfrm>
+            <a:off x="3451481" y="2608231"/>
+            <a:ext cx="695739" cy="589649"/>
+          </a:xfrm>
+          <a:prstGeom prst="rect">
+            <a:avLst/>
+          </a:prstGeom>
+          <a:noFill/>
+          <a:ln>
+            <a:noFill/>
+          </a:ln>
+        </p:spPr>
+        <p:style>
+          <a:lnRef idx="2">
+            <a:schemeClr val="accent1">
+              <a:shade val="50000"/>
+            </a:schemeClr>
+          </a:lnRef>
+          <a:fillRef idx="1">
+            <a:schemeClr val="accent1"/>
+          </a:fillRef>
+          <a:effectRef idx="0">
+            <a:schemeClr val="accent1"/>
+          </a:effectRef>
+          <a:fontRef idx="minor">
+            <a:schemeClr val="lt1"/>
+          </a:fontRef>
+        </p:style>
+        <p:txBody>
+          <a:bodyPr rtlCol="0" anchor="ctr"/>
+          <a:lstStyle/>
+          <a:p>
+            <a:pPr algn="ctr"/>
+            <a:endParaRPr lang="en-AU"/>
+          </a:p>
+        </p:txBody>
+      </p:sp>
+      <p:sp>
+        <p:nvSpPr>
+          <p:cNvPr id="37" name="Rectangle 36">
+            <a:hlinkClick r:id="rId33"/>
+            <a:extLst>
+              <a:ext uri="{FF2B5EF4-FFF2-40B4-BE49-F238E27FC236}">
+                <a16:creationId xmlns:a16="http://schemas.microsoft.com/office/drawing/2014/main" id="{5D1ECA69-5D54-460A-A277-7F63DDB0F19E}"/>
+              </a:ext>
+              <a:ext uri="{C183D7F6-B498-43B3-948B-1728B52AA6E4}">
+                <adec:decorative xmlns:adec="http://schemas.microsoft.com/office/drawing/2017/decorative" val="1"/>
+              </a:ext>
+            </a:extLst>
+          </p:cNvPr>
+          <p:cNvSpPr/>
+          <p:nvPr/>
+        </p:nvSpPr>
+        <p:spPr>
+          <a:xfrm>
+            <a:off x="3471360" y="2015085"/>
+            <a:ext cx="695739" cy="589649"/>
+          </a:xfrm>
+          <a:prstGeom prst="rect">
+            <a:avLst/>
+          </a:prstGeom>
+          <a:noFill/>
+          <a:ln>
+            <a:noFill/>
+          </a:ln>
+        </p:spPr>
+        <p:style>
+          <a:lnRef idx="2">
+            <a:schemeClr val="accent1">
+              <a:shade val="50000"/>
+            </a:schemeClr>
+          </a:lnRef>
+          <a:fillRef idx="1">
+            <a:schemeClr val="accent1"/>
+          </a:fillRef>
+          <a:effectRef idx="0">
+            <a:schemeClr val="accent1"/>
+          </a:effectRef>
+          <a:fontRef idx="minor">
+            <a:schemeClr val="lt1"/>
+          </a:fontRef>
+        </p:style>
+        <p:txBody>
+          <a:bodyPr rtlCol="0" anchor="ctr"/>
+          <a:lstStyle/>
+          <a:p>
+            <a:pPr algn="ctr"/>
+            <a:endParaRPr lang="en-AU"/>
+          </a:p>
+        </p:txBody>
+      </p:sp>
+      <p:sp>
+        <p:nvSpPr>
+          <p:cNvPr id="38" name="Rectangle 37">
+            <a:extLst>
+              <a:ext uri="{FF2B5EF4-FFF2-40B4-BE49-F238E27FC236}">
+                <a16:creationId xmlns:a16="http://schemas.microsoft.com/office/drawing/2014/main" id="{010792F5-642C-4F22-A2E1-0E869ADB640F}"/>
+              </a:ext>
+            </a:extLst>
+          </p:cNvPr>
+          <p:cNvSpPr/>
+          <p:nvPr/>
+        </p:nvSpPr>
+        <p:spPr>
+          <a:xfrm>
+            <a:off x="10981989" y="6581001"/>
+            <a:ext cx="1210011" cy="276999"/>
+          </a:xfrm>
+          <a:prstGeom prst="rect">
+            <a:avLst/>
+          </a:prstGeom>
+        </p:spPr>
+        <p:txBody>
+          <a:bodyPr wrap="none">
+            <a:spAutoFit/>
+          </a:bodyPr>
+          <a:lstStyle/>
+          <a:p>
+            <a:r>
+              <a:rPr lang="en-AU" sz="1200" dirty="0">
+                <a:hlinkClick r:id="rId34"/>
+              </a:rPr>
+              <a:t>@</a:t>
+            </a:r>
+            <a:r>
+              <a:rPr lang="en-AU" sz="1200" dirty="0" err="1">
+                <a:hlinkClick r:id="rId34"/>
+              </a:rPr>
+              <a:t>AaronDinnage</a:t>
+            </a:r>
+            <a:endParaRPr lang="en-AU" sz="1200" dirty="0"/>
           </a:p>
         </p:txBody>
       </p:sp>
@@ -8746,13 +9241,13 @@
   <p:clrMapOvr>
     <a:masterClrMapping/>
   </p:clrMapOvr>
-  <mc:AlternateContent xmlns:mc="http://schemas.openxmlformats.org/markup-compatibility/2006">
-    <mc:Choice xmlns:p14="http://schemas.microsoft.com/office/powerpoint/2010/main" Requires="p14">
+  <mc:AlternateContent xmlns:mc="http://schemas.openxmlformats.org/markup-compatibility/2006" xmlns:p14="http://schemas.microsoft.com/office/powerpoint/2010/main">
+    <mc:Choice Requires="p14">
       <p:transition spd="slow" p14:dur="1500">
         <p:push dir="u"/>
       </p:transition>
     </mc:Choice>
-    <mc:Fallback>
+    <mc:Fallback xmlns="">
       <p:transition spd="slow">
         <p:push dir="u"/>
       </p:transition>
@@ -8800,14 +9295,13 @@
               </a:ext>
             </a:extLst>
           </a:blip>
-          <a:stretch>
-            <a:fillRect/>
-          </a:stretch>
+          <a:srcRect/>
+          <a:stretch/>
         </p:blipFill>
         <p:spPr>
           <a:xfrm>
-            <a:off x="7800290" y="0"/>
-            <a:ext cx="3543299" cy="6858000"/>
+            <a:off x="7881428" y="99753"/>
+            <a:ext cx="3381022" cy="6658494"/>
           </a:xfrm>
           <a:prstGeom prst="rect">
             <a:avLst/>
@@ -8816,7 +9310,7 @@
       </p:pic>
       <p:pic>
         <p:nvPicPr>
-          <p:cNvPr id="5" name="Picture 4" descr="A screenshot of a cell phone&#10;&#10;Description automatically generated">
+          <p:cNvPr id="5" name="Picture 4">
             <a:extLst>
               <a:ext uri="{FF2B5EF4-FFF2-40B4-BE49-F238E27FC236}">
                 <a16:creationId xmlns:a16="http://schemas.microsoft.com/office/drawing/2014/main" id="{2B4384E0-7F8F-4809-BBB5-10EEB14378AC}"/>
@@ -8836,14 +9330,13 @@
               </a:ext>
             </a:extLst>
           </a:blip>
-          <a:stretch>
-            <a:fillRect/>
-          </a:stretch>
+          <a:srcRect/>
+          <a:stretch/>
         </p:blipFill>
         <p:spPr>
           <a:xfrm>
-            <a:off x="2153164" y="2071135"/>
-            <a:ext cx="3942836" cy="2715729"/>
+            <a:off x="2153164" y="2095063"/>
+            <a:ext cx="3942836" cy="2667873"/>
           </a:xfrm>
           <a:prstGeom prst="rect">
             <a:avLst/>
@@ -8859,14 +9352,17 @@
               <a:ext uri="{FF2B5EF4-FFF2-40B4-BE49-F238E27FC236}">
                 <a16:creationId xmlns:a16="http://schemas.microsoft.com/office/drawing/2014/main" id="{8BE4B8C8-EFE9-42F6-AC83-E1714BA5176C}"/>
               </a:ext>
-            </a:extLst>
-          </p:cNvPr>
-          <p:cNvSpPr/>
-          <p:nvPr/>
-        </p:nvSpPr>
-        <p:spPr>
-          <a:xfrm>
-            <a:off x="2274067" y="2724129"/>
+              <a:ext uri="{C183D7F6-B498-43B3-948B-1728B52AA6E4}">
+                <adec:decorative xmlns:adec="http://schemas.microsoft.com/office/drawing/2017/decorative" val="1"/>
+              </a:ext>
+            </a:extLst>
+          </p:cNvPr>
+          <p:cNvSpPr/>
+          <p:nvPr/>
+        </p:nvSpPr>
+        <p:spPr>
+          <a:xfrm>
+            <a:off x="2246357" y="2724129"/>
             <a:ext cx="695739" cy="589649"/>
           </a:xfrm>
           <a:prstGeom prst="rect">
@@ -8910,14 +9406,17 @@
               <a:ext uri="{FF2B5EF4-FFF2-40B4-BE49-F238E27FC236}">
                 <a16:creationId xmlns:a16="http://schemas.microsoft.com/office/drawing/2014/main" id="{C83BA326-82D6-4869-804B-441632DC7C45}"/>
               </a:ext>
-            </a:extLst>
-          </p:cNvPr>
-          <p:cNvSpPr/>
-          <p:nvPr/>
-        </p:nvSpPr>
-        <p:spPr>
-          <a:xfrm>
-            <a:off x="2274068" y="3544222"/>
+              <a:ext uri="{C183D7F6-B498-43B3-948B-1728B52AA6E4}">
+                <adec:decorative xmlns:adec="http://schemas.microsoft.com/office/drawing/2017/decorative" val="1"/>
+              </a:ext>
+            </a:extLst>
+          </p:cNvPr>
+          <p:cNvSpPr/>
+          <p:nvPr/>
+        </p:nvSpPr>
+        <p:spPr>
+          <a:xfrm>
+            <a:off x="2246358" y="3544222"/>
             <a:ext cx="695739" cy="589649"/>
           </a:xfrm>
           <a:prstGeom prst="rect">
@@ -8961,6 +9460,9 @@
               <a:ext uri="{FF2B5EF4-FFF2-40B4-BE49-F238E27FC236}">
                 <a16:creationId xmlns:a16="http://schemas.microsoft.com/office/drawing/2014/main" id="{5A2609E6-707D-4A6A-B40E-25EFCFC507EA}"/>
               </a:ext>
+              <a:ext uri="{C183D7F6-B498-43B3-948B-1728B52AA6E4}">
+                <adec:decorative xmlns:adec="http://schemas.microsoft.com/office/drawing/2017/decorative" val="1"/>
+              </a:ext>
             </a:extLst>
           </p:cNvPr>
           <p:cNvSpPr/>
@@ -9012,6 +9514,9 @@
               <a:ext uri="{FF2B5EF4-FFF2-40B4-BE49-F238E27FC236}">
                 <a16:creationId xmlns:a16="http://schemas.microsoft.com/office/drawing/2014/main" id="{E3B81CD2-3A9B-4EBF-B50F-4823560B3D5D}"/>
               </a:ext>
+              <a:ext uri="{C183D7F6-B498-43B3-948B-1728B52AA6E4}">
+                <adec:decorative xmlns:adec="http://schemas.microsoft.com/office/drawing/2017/decorative" val="1"/>
+              </a:ext>
             </a:extLst>
           </p:cNvPr>
           <p:cNvSpPr/>
@@ -9063,6 +9568,9 @@
               <a:ext uri="{FF2B5EF4-FFF2-40B4-BE49-F238E27FC236}">
                 <a16:creationId xmlns:a16="http://schemas.microsoft.com/office/drawing/2014/main" id="{B38482AB-5D40-4FD3-AB6B-714FD5201147}"/>
               </a:ext>
+              <a:ext uri="{C183D7F6-B498-43B3-948B-1728B52AA6E4}">
+                <adec:decorative xmlns:adec="http://schemas.microsoft.com/office/drawing/2017/decorative" val="1"/>
+              </a:ext>
             </a:extLst>
           </p:cNvPr>
           <p:cNvSpPr/>
@@ -9114,6 +9622,9 @@
               <a:ext uri="{FF2B5EF4-FFF2-40B4-BE49-F238E27FC236}">
                 <a16:creationId xmlns:a16="http://schemas.microsoft.com/office/drawing/2014/main" id="{B969A1F8-DA35-4E8D-9EE9-45370FEC1033}"/>
               </a:ext>
+              <a:ext uri="{C183D7F6-B498-43B3-948B-1728B52AA6E4}">
+                <adec:decorative xmlns:adec="http://schemas.microsoft.com/office/drawing/2017/decorative" val="1"/>
+              </a:ext>
             </a:extLst>
           </p:cNvPr>
           <p:cNvSpPr/>
@@ -9165,6 +9676,9 @@
               <a:ext uri="{FF2B5EF4-FFF2-40B4-BE49-F238E27FC236}">
                 <a16:creationId xmlns:a16="http://schemas.microsoft.com/office/drawing/2014/main" id="{D3E5D2C5-07DB-408C-8A1D-4280760360FB}"/>
               </a:ext>
+              <a:ext uri="{C183D7F6-B498-43B3-948B-1728B52AA6E4}">
+                <adec:decorative xmlns:adec="http://schemas.microsoft.com/office/drawing/2017/decorative" val="1"/>
+              </a:ext>
             </a:extLst>
           </p:cNvPr>
           <p:cNvSpPr/>
@@ -9216,6 +9730,9 @@
               <a:ext uri="{FF2B5EF4-FFF2-40B4-BE49-F238E27FC236}">
                 <a16:creationId xmlns:a16="http://schemas.microsoft.com/office/drawing/2014/main" id="{C3995238-828F-484D-A3CE-DD8A30563DD0}"/>
               </a:ext>
+              <a:ext uri="{C183D7F6-B498-43B3-948B-1728B52AA6E4}">
+                <adec:decorative xmlns:adec="http://schemas.microsoft.com/office/drawing/2017/decorative" val="1"/>
+              </a:ext>
             </a:extLst>
           </p:cNvPr>
           <p:cNvSpPr/>
@@ -9267,6 +9784,9 @@
               <a:ext uri="{FF2B5EF4-FFF2-40B4-BE49-F238E27FC236}">
                 <a16:creationId xmlns:a16="http://schemas.microsoft.com/office/drawing/2014/main" id="{FED5B52C-02E7-4B16-AA81-D99851C93434}"/>
               </a:ext>
+              <a:ext uri="{C183D7F6-B498-43B3-948B-1728B52AA6E4}">
+                <adec:decorative xmlns:adec="http://schemas.microsoft.com/office/drawing/2017/decorative" val="1"/>
+              </a:ext>
             </a:extLst>
           </p:cNvPr>
           <p:cNvSpPr/>
@@ -9317,6 +9837,9 @@
             <a:extLst>
               <a:ext uri="{FF2B5EF4-FFF2-40B4-BE49-F238E27FC236}">
                 <a16:creationId xmlns:a16="http://schemas.microsoft.com/office/drawing/2014/main" id="{3831137B-9BC8-436F-9BBD-DE479CBDF722}"/>
+              </a:ext>
+              <a:ext uri="{C183D7F6-B498-43B3-948B-1728B52AA6E4}">
+                <adec:decorative xmlns:adec="http://schemas.microsoft.com/office/drawing/2017/decorative" val="1"/>
               </a:ext>
             </a:extLst>
           </p:cNvPr>
@@ -9377,7 +9900,12 @@
             <p:ph type="title"/>
           </p:nvPr>
         </p:nvSpPr>
-        <p:spPr/>
+        <p:spPr>
+          <a:xfrm>
+            <a:off x="838200" y="365125"/>
+            <a:ext cx="7043228" cy="1325563"/>
+          </a:xfrm>
+        </p:spPr>
         <p:txBody>
           <a:bodyPr/>
           <a:lstStyle/>
@@ -9406,13 +9934,13 @@
   <p:clrMapOvr>
     <a:masterClrMapping/>
   </p:clrMapOvr>
-  <mc:AlternateContent xmlns:mc="http://schemas.openxmlformats.org/markup-compatibility/2006">
-    <mc:Choice xmlns:p14="http://schemas.microsoft.com/office/powerpoint/2010/main" Requires="p14">
+  <mc:AlternateContent xmlns:mc="http://schemas.openxmlformats.org/markup-compatibility/2006" xmlns:p14="http://schemas.microsoft.com/office/powerpoint/2010/main">
+    <mc:Choice Requires="p14">
       <p:transition spd="med" p14:dur="700">
         <p:fade/>
       </p:transition>
     </mc:Choice>
-    <mc:Fallback>
+    <mc:Fallback xmlns="">
       <p:transition spd="med">
         <p:fade/>
       </p:transition>

--- a/Microsoft 365 Enterprise License Map.pptx
+++ b/Microsoft 365 Enterprise License Map.pptx
@@ -5,16 +5,17 @@
     <p:sldMasterId id="2147483648" r:id="rId1"/>
   </p:sldMasterIdLst>
   <p:notesMasterIdLst>
-    <p:notesMasterId r:id="rId9"/>
+    <p:notesMasterId r:id="rId10"/>
   </p:notesMasterIdLst>
   <p:sldIdLst>
     <p:sldId id="256" r:id="rId2"/>
     <p:sldId id="265" r:id="rId3"/>
     <p:sldId id="266" r:id="rId4"/>
-    <p:sldId id="268" r:id="rId5"/>
-    <p:sldId id="269" r:id="rId6"/>
-    <p:sldId id="270" r:id="rId7"/>
-    <p:sldId id="267" r:id="rId8"/>
+    <p:sldId id="271" r:id="rId5"/>
+    <p:sldId id="268" r:id="rId6"/>
+    <p:sldId id="269" r:id="rId7"/>
+    <p:sldId id="270" r:id="rId8"/>
+    <p:sldId id="267" r:id="rId9"/>
   </p:sldIdLst>
   <p:sldSz cx="12192000" cy="6858000"/>
   <p:notesSz cx="6858000" cy="9144000"/>
@@ -121,6 +122,7 @@
             <p14:sldId id="256"/>
             <p14:sldId id="265"/>
             <p14:sldId id="266"/>
+            <p14:sldId id="271"/>
             <p14:sldId id="268"/>
             <p14:sldId id="269"/>
             <p14:sldId id="270"/>
@@ -139,7 +141,7 @@
 <file path=ppt/revisionInfo.xml><?xml version="1.0" encoding="utf-8"?>
 <p1510:revInfo xmlns:a="http://schemas.openxmlformats.org/drawingml/2006/main" xmlns:r="http://schemas.openxmlformats.org/officeDocument/2006/relationships" xmlns:p1510="http://schemas.microsoft.com/office/powerpoint/2015/10/main">
   <p1510:revLst>
-    <p1510:client id="{6D9EE5EA-98DC-45AE-9788-1026748289DC}" v="2" dt="2020-02-13T01:57:23.929"/>
+    <p1510:client id="{6D9EE5EA-98DC-45AE-9788-1026748289DC}" v="3" dt="2020-02-13T10:38:16.588"/>
   </p1510:revLst>
 </p1510:revInfo>
 </file>
@@ -676,6 +678,93 @@
     <p:extLst>
       <p:ext uri="{BB962C8B-B14F-4D97-AF65-F5344CB8AC3E}">
         <p14:creationId xmlns:p14="http://schemas.microsoft.com/office/powerpoint/2010/main" val="2274230410"/>
+      </p:ext>
+    </p:extLst>
+  </p:cSld>
+  <p:clrMapOvr>
+    <a:masterClrMapping/>
+  </p:clrMapOvr>
+</p:notes>
+</file>
+
+<file path=ppt/notesSlides/notesSlide3.xml><?xml version="1.0" encoding="utf-8"?>
+<p:notes xmlns:a="http://schemas.openxmlformats.org/drawingml/2006/main" xmlns:r="http://schemas.openxmlformats.org/officeDocument/2006/relationships" xmlns:p="http://schemas.openxmlformats.org/presentationml/2006/main">
+  <p:cSld>
+    <p:spTree>
+      <p:nvGrpSpPr>
+        <p:cNvPr id="1" name=""/>
+        <p:cNvGrpSpPr/>
+        <p:nvPr/>
+      </p:nvGrpSpPr>
+      <p:grpSpPr>
+        <a:xfrm>
+          <a:off x="0" y="0"/>
+          <a:ext cx="0" cy="0"/>
+          <a:chOff x="0" y="0"/>
+          <a:chExt cx="0" cy="0"/>
+        </a:xfrm>
+      </p:grpSpPr>
+      <p:sp>
+        <p:nvSpPr>
+          <p:cNvPr id="2" name="Slide Image Placeholder 1"/>
+          <p:cNvSpPr>
+            <a:spLocks noGrp="1" noRot="1" noChangeAspect="1"/>
+          </p:cNvSpPr>
+          <p:nvPr>
+            <p:ph type="sldImg"/>
+          </p:nvPr>
+        </p:nvSpPr>
+        <p:spPr/>
+      </p:sp>
+      <p:sp>
+        <p:nvSpPr>
+          <p:cNvPr id="3" name="Notes Placeholder 2"/>
+          <p:cNvSpPr>
+            <a:spLocks noGrp="1"/>
+          </p:cNvSpPr>
+          <p:nvPr>
+            <p:ph type="body" idx="1"/>
+          </p:nvPr>
+        </p:nvSpPr>
+        <p:spPr/>
+        <p:txBody>
+          <a:bodyPr/>
+          <a:lstStyle/>
+          <a:p>
+            <a:r>
+              <a:rPr lang="en-AU" dirty="0"/>
+              <a:t>This is a map of all Microsoft 365 E3 / VSA 4 CCC components in Office 365, EMS, and Windows 10.  Each tile is clickable to find more information.</a:t>
+            </a:r>
+          </a:p>
+        </p:txBody>
+      </p:sp>
+      <p:sp>
+        <p:nvSpPr>
+          <p:cNvPr id="4" name="Slide Number Placeholder 3"/>
+          <p:cNvSpPr>
+            <a:spLocks noGrp="1"/>
+          </p:cNvSpPr>
+          <p:nvPr>
+            <p:ph type="sldNum" sz="quarter" idx="5"/>
+          </p:nvPr>
+        </p:nvSpPr>
+        <p:spPr/>
+        <p:txBody>
+          <a:bodyPr/>
+          <a:lstStyle/>
+          <a:p>
+            <a:fld id="{AF425AC4-1A55-4759-824E-616F9E627713}" type="slidenum">
+              <a:rPr lang="en-US" smtClean="0"/>
+              <a:t>4</a:t>
+            </a:fld>
+            <a:endParaRPr lang="en-US"/>
+          </a:p>
+        </p:txBody>
+      </p:sp>
+    </p:spTree>
+    <p:extLst>
+      <p:ext uri="{BB962C8B-B14F-4D97-AF65-F5344CB8AC3E}">
+        <p14:creationId xmlns:p14="http://schemas.microsoft.com/office/powerpoint/2010/main" val="3596627443"/>
       </p:ext>
     </p:extLst>
   </p:cSld>
@@ -4323,42 +4412,12 @@
           <a:chExt cx="0" cy="0"/>
         </a:xfrm>
       </p:grpSpPr>
-      <p:pic>
-        <p:nvPicPr>
-          <p:cNvPr id="5" name="Picture 4" descr="Microsoft 365 E3 and E5 - Office 365 components">
-            <a:extLst>
-              <a:ext uri="{FF2B5EF4-FFF2-40B4-BE49-F238E27FC236}">
-                <a16:creationId xmlns:a16="http://schemas.microsoft.com/office/drawing/2014/main" id="{1700BEA4-378C-415D-AC68-73367B37835D}"/>
-              </a:ext>
-            </a:extLst>
-          </p:cNvPr>
-          <p:cNvPicPr>
-            <a:picLocks noChangeAspect="1"/>
-          </p:cNvPicPr>
-          <p:nvPr/>
-        </p:nvPicPr>
-        <p:blipFill>
-          <a:blip r:embed="rId2"/>
-          <a:stretch>
-            <a:fillRect/>
-          </a:stretch>
-        </p:blipFill>
-        <p:spPr>
-          <a:xfrm>
-            <a:off x="0" y="868214"/>
-            <a:ext cx="12192000" cy="5121571"/>
-          </a:xfrm>
-          <a:prstGeom prst="rect">
-            <a:avLst/>
-          </a:prstGeom>
-        </p:spPr>
-      </p:pic>
-      <p:sp>
-        <p:nvSpPr>
-          <p:cNvPr id="7" name="TextBox 6">
-            <a:extLst>
-              <a:ext uri="{FF2B5EF4-FFF2-40B4-BE49-F238E27FC236}">
-                <a16:creationId xmlns:a16="http://schemas.microsoft.com/office/drawing/2014/main" id="{F4292863-A950-4A40-A8D7-7B5AAB41F710}"/>
+      <p:sp>
+        <p:nvSpPr>
+          <p:cNvPr id="2" name="TextBox 1">
+            <a:extLst>
+              <a:ext uri="{FF2B5EF4-FFF2-40B4-BE49-F238E27FC236}">
+                <a16:creationId xmlns:a16="http://schemas.microsoft.com/office/drawing/2014/main" id="{2BC34E5F-F4C8-49DF-A245-16AB6D25318D}"/>
               </a:ext>
             </a:extLst>
           </p:cNvPr>
@@ -4426,16 +4485,64 @@
           </a:p>
         </p:txBody>
       </p:sp>
+      <p:pic>
+        <p:nvPicPr>
+          <p:cNvPr id="5" name="Picture 4" descr="Microsoft 365 F1">
+            <a:extLst>
+              <a:ext uri="{FF2B5EF4-FFF2-40B4-BE49-F238E27FC236}">
+                <a16:creationId xmlns:a16="http://schemas.microsoft.com/office/drawing/2014/main" id="{D0B81488-E582-4FA8-B819-6F0CA2F718ED}"/>
+              </a:ext>
+            </a:extLst>
+          </p:cNvPr>
+          <p:cNvPicPr>
+            <a:picLocks noChangeAspect="1"/>
+          </p:cNvPicPr>
+          <p:nvPr/>
+        </p:nvPicPr>
+        <p:blipFill>
+          <a:blip r:embed="rId4">
+            <a:extLst>
+              <a:ext uri="{28A0092B-C50C-407E-A947-70E740481C1C}">
+                <a14:useLocalDpi xmlns:a14="http://schemas.microsoft.com/office/drawing/2010/main" val="0"/>
+              </a:ext>
+            </a:extLst>
+          </a:blip>
+          <a:stretch>
+            <a:fillRect/>
+          </a:stretch>
+        </p:blipFill>
+        <p:spPr>
+          <a:xfrm>
+            <a:off x="0" y="607066"/>
+            <a:ext cx="12192000" cy="5643867"/>
+          </a:xfrm>
+          <a:prstGeom prst="rect">
+            <a:avLst/>
+          </a:prstGeom>
+        </p:spPr>
+      </p:pic>
     </p:spTree>
     <p:extLst>
       <p:ext uri="{BB962C8B-B14F-4D97-AF65-F5344CB8AC3E}">
-        <p14:creationId xmlns:p14="http://schemas.microsoft.com/office/powerpoint/2010/main" val="3016209517"/>
+        <p14:creationId xmlns:p14="http://schemas.microsoft.com/office/powerpoint/2010/main" val="1483979729"/>
       </p:ext>
     </p:extLst>
   </p:cSld>
   <p:clrMapOvr>
     <a:masterClrMapping/>
   </p:clrMapOvr>
+  <mc:AlternateContent xmlns:mc="http://schemas.openxmlformats.org/markup-compatibility/2006">
+    <mc:Choice xmlns:p14="http://schemas.microsoft.com/office/powerpoint/2010/main" Requires="p14">
+      <p:transition spd="med" p14:dur="700">
+        <p:fade/>
+      </p:transition>
+    </mc:Choice>
+    <mc:Fallback>
+      <p:transition spd="med">
+        <p:fade/>
+      </p:transition>
+    </mc:Fallback>
+  </mc:AlternateContent>
 </p:sld>
 </file>
 
@@ -4458,6 +4565,139 @@
       </p:grpSpPr>
       <p:pic>
         <p:nvPicPr>
+          <p:cNvPr id="5" name="Picture 4" descr="Microsoft 365 E3 and E5 - Office 365 components">
+            <a:extLst>
+              <a:ext uri="{FF2B5EF4-FFF2-40B4-BE49-F238E27FC236}">
+                <a16:creationId xmlns:a16="http://schemas.microsoft.com/office/drawing/2014/main" id="{1700BEA4-378C-415D-AC68-73367B37835D}"/>
+              </a:ext>
+            </a:extLst>
+          </p:cNvPr>
+          <p:cNvPicPr>
+            <a:picLocks noChangeAspect="1"/>
+          </p:cNvPicPr>
+          <p:nvPr/>
+        </p:nvPicPr>
+        <p:blipFill>
+          <a:blip r:embed="rId2"/>
+          <a:stretch>
+            <a:fillRect/>
+          </a:stretch>
+        </p:blipFill>
+        <p:spPr>
+          <a:xfrm>
+            <a:off x="0" y="868214"/>
+            <a:ext cx="12192000" cy="5121571"/>
+          </a:xfrm>
+          <a:prstGeom prst="rect">
+            <a:avLst/>
+          </a:prstGeom>
+        </p:spPr>
+      </p:pic>
+      <p:sp>
+        <p:nvSpPr>
+          <p:cNvPr id="7" name="TextBox 6">
+            <a:extLst>
+              <a:ext uri="{FF2B5EF4-FFF2-40B4-BE49-F238E27FC236}">
+                <a16:creationId xmlns:a16="http://schemas.microsoft.com/office/drawing/2014/main" id="{F4292863-A950-4A40-A8D7-7B5AAB41F710}"/>
+              </a:ext>
+            </a:extLst>
+          </p:cNvPr>
+          <p:cNvSpPr txBox="1"/>
+          <p:nvPr/>
+        </p:nvSpPr>
+        <p:spPr>
+          <a:xfrm>
+            <a:off x="8207702" y="6696999"/>
+            <a:ext cx="3986201" cy="161001"/>
+          </a:xfrm>
+          <a:prstGeom prst="rect">
+            <a:avLst/>
+          </a:prstGeom>
+          <a:noFill/>
+        </p:spPr>
+        <p:txBody>
+          <a:bodyPr wrap="none" lIns="72000" tIns="0" rIns="72000" bIns="36000" rtlCol="0">
+            <a:spAutoFit/>
+          </a:bodyPr>
+          <a:lstStyle/>
+          <a:p>
+            <a:pPr>
+              <a:lnSpc>
+                <a:spcPct val="90000"/>
+              </a:lnSpc>
+              <a:spcAft>
+                <a:spcPts val="600"/>
+              </a:spcAft>
+            </a:pPr>
+            <a:r>
+              <a:rPr lang="en-AU" sz="900" dirty="0">
+                <a:solidFill>
+                  <a:schemeClr val="bg1">
+                    <a:lumMod val="50000"/>
+                  </a:schemeClr>
+                </a:solidFill>
+              </a:rPr>
+              <a:t>Latest diagrams available here: </a:t>
+            </a:r>
+            <a:r>
+              <a:rPr lang="en-AU" sz="900" dirty="0">
+                <a:solidFill>
+                  <a:schemeClr val="bg1">
+                    <a:lumMod val="50000"/>
+                  </a:schemeClr>
+                </a:solidFill>
+                <a:hlinkClick r:id="rId3">
+                  <a:extLst>
+                    <a:ext uri="{A12FA001-AC4F-418D-AE19-62706E023703}">
+                      <ahyp:hlinkClr xmlns:ahyp="http://schemas.microsoft.com/office/drawing/2018/hyperlinkcolor" val="tx"/>
+                    </a:ext>
+                  </a:extLst>
+                </a:hlinkClick>
+              </a:rPr>
+              <a:t>https://github.com/AaronDinnage/Licensing</a:t>
+            </a:r>
+            <a:endParaRPr lang="en-AU" sz="900" dirty="0">
+              <a:solidFill>
+                <a:schemeClr val="bg1">
+                  <a:lumMod val="50000"/>
+                </a:schemeClr>
+              </a:solidFill>
+            </a:endParaRPr>
+          </a:p>
+        </p:txBody>
+      </p:sp>
+    </p:spTree>
+    <p:extLst>
+      <p:ext uri="{BB962C8B-B14F-4D97-AF65-F5344CB8AC3E}">
+        <p14:creationId xmlns:p14="http://schemas.microsoft.com/office/powerpoint/2010/main" val="3016209517"/>
+      </p:ext>
+    </p:extLst>
+  </p:cSld>
+  <p:clrMapOvr>
+    <a:masterClrMapping/>
+  </p:clrMapOvr>
+</p:sld>
+</file>
+
+<file path=ppt/slides/slide6.xml><?xml version="1.0" encoding="utf-8"?>
+<p:sld xmlns:a="http://schemas.openxmlformats.org/drawingml/2006/main" xmlns:r="http://schemas.openxmlformats.org/officeDocument/2006/relationships" xmlns:p="http://schemas.openxmlformats.org/presentationml/2006/main">
+  <p:cSld>
+    <p:spTree>
+      <p:nvGrpSpPr>
+        <p:cNvPr id="1" name=""/>
+        <p:cNvGrpSpPr/>
+        <p:nvPr/>
+      </p:nvGrpSpPr>
+      <p:grpSpPr>
+        <a:xfrm>
+          <a:off x="0" y="0"/>
+          <a:ext cx="0" cy="0"/>
+          <a:chOff x="0" y="0"/>
+          <a:chExt cx="0" cy="0"/>
+        </a:xfrm>
+      </p:grpSpPr>
+      <p:pic>
+        <p:nvPicPr>
           <p:cNvPr id="2" name="Picture 1" descr="Microsoft 365 E3 and E5 - EMS components">
             <a:extLst>
               <a:ext uri="{FF2B5EF4-FFF2-40B4-BE49-F238E27FC236}">
@@ -4572,7 +4812,7 @@
 </p:sld>
 </file>
 
-<file path=ppt/slides/slide6.xml><?xml version="1.0" encoding="utf-8"?>
+<file path=ppt/slides/slide7.xml><?xml version="1.0" encoding="utf-8"?>
 <p:sld xmlns:a="http://schemas.openxmlformats.org/drawingml/2006/main" xmlns:r="http://schemas.openxmlformats.org/officeDocument/2006/relationships" xmlns:p="http://schemas.openxmlformats.org/presentationml/2006/main">
   <p:cSld>
     <p:spTree>
@@ -4705,7 +4945,7 @@
 </p:sld>
 </file>
 
-<file path=ppt/slides/slide7.xml><?xml version="1.0" encoding="utf-8"?>
+<file path=ppt/slides/slide8.xml><?xml version="1.0" encoding="utf-8"?>
 <p:sld xmlns:a="http://schemas.openxmlformats.org/drawingml/2006/main" xmlns:r="http://schemas.openxmlformats.org/officeDocument/2006/relationships" xmlns:p="http://schemas.openxmlformats.org/presentationml/2006/main">
   <p:cSld>
     <p:spTree>

--- a/Microsoft 365 Enterprise License Map.pptx
+++ b/Microsoft 365 Enterprise License Map.pptx
@@ -5,17 +5,15 @@
     <p:sldMasterId id="2147483648" r:id="rId1"/>
   </p:sldMasterIdLst>
   <p:notesMasterIdLst>
-    <p:notesMasterId r:id="rId10"/>
+    <p:notesMasterId r:id="rId8"/>
   </p:notesMasterIdLst>
   <p:sldIdLst>
     <p:sldId id="256" r:id="rId2"/>
     <p:sldId id="265" r:id="rId3"/>
     <p:sldId id="266" r:id="rId4"/>
     <p:sldId id="271" r:id="rId5"/>
-    <p:sldId id="268" r:id="rId6"/>
-    <p:sldId id="269" r:id="rId7"/>
-    <p:sldId id="270" r:id="rId8"/>
-    <p:sldId id="267" r:id="rId9"/>
+    <p:sldId id="272" r:id="rId6"/>
+    <p:sldId id="267" r:id="rId7"/>
   </p:sldIdLst>
   <p:sldSz cx="12192000" cy="6858000"/>
   <p:notesSz cx="6858000" cy="9144000"/>
@@ -123,9 +121,7 @@
             <p14:sldId id="265"/>
             <p14:sldId id="266"/>
             <p14:sldId id="271"/>
-            <p14:sldId id="268"/>
-            <p14:sldId id="269"/>
-            <p14:sldId id="270"/>
+            <p14:sldId id="272"/>
             <p14:sldId id="267"/>
           </p14:sldIdLst>
         </p14:section>
@@ -141,7 +137,7 @@
 <file path=ppt/revisionInfo.xml><?xml version="1.0" encoding="utf-8"?>
 <p1510:revInfo xmlns:a="http://schemas.openxmlformats.org/drawingml/2006/main" xmlns:r="http://schemas.openxmlformats.org/officeDocument/2006/relationships" xmlns:p1510="http://schemas.microsoft.com/office/powerpoint/2015/10/main">
   <p1510:revLst>
-    <p1510:client id="{6D9EE5EA-98DC-45AE-9788-1026748289DC}" v="3" dt="2020-02-13T10:38:16.588"/>
+    <p1510:client id="{FE982463-3FFD-44D1-BB83-E7595FD5D686}" v="11" dt="2020-05-17T13:49:12.950"/>
   </p1510:revLst>
 </p1510:revInfo>
 </file>
@@ -228,7 +224,7 @@
           <a:p>
             <a:fld id="{5501C88C-2D47-4607-965A-262E2CFCF213}" type="datetimeFigureOut">
               <a:rPr lang="en-AU" smtClean="0"/>
-              <a:t>13/02/2020</a:t>
+              <a:t>17/05/2020</a:t>
             </a:fld>
             <a:endParaRPr lang="en-AU"/>
           </a:p>
@@ -540,10 +536,7 @@
           <a:bodyPr/>
           <a:lstStyle/>
           <a:p>
-            <a:r>
-              <a:rPr lang="en-AU" dirty="0"/>
-              <a:t>This is a map of all Microsoft 365 E3 / VSA 4 CCC components in Office 365, EMS, and Windows 10.  Each tile is clickable to find more information.</a:t>
-            </a:r>
+            <a:endParaRPr lang="en-AU" dirty="0"/>
           </a:p>
         </p:txBody>
       </p:sp>
@@ -644,10 +637,7 @@
               <a:tabLst/>
               <a:defRPr/>
             </a:pPr>
-            <a:r>
-              <a:rPr lang="en-AU" dirty="0"/>
-              <a:t>This is a map of all Microsoft 365 E5 components in Office 365, EMS, and Windows 10.  As before, each tile is clickable to find more information.</a:t>
-            </a:r>
+            <a:endParaRPr lang="en-AU" dirty="0"/>
           </a:p>
         </p:txBody>
       </p:sp>
@@ -731,10 +721,7 @@
           <a:bodyPr/>
           <a:lstStyle/>
           <a:p>
-            <a:r>
-              <a:rPr lang="en-AU" dirty="0"/>
-              <a:t>This is a map of all Microsoft 365 E3 / VSA 4 CCC components in Office 365, EMS, and Windows 10.  Each tile is clickable to find more information.</a:t>
-            </a:r>
+            <a:endParaRPr lang="en-AU" dirty="0"/>
           </a:p>
         </p:txBody>
       </p:sp>
@@ -765,6 +752,90 @@
     <p:extLst>
       <p:ext uri="{BB962C8B-B14F-4D97-AF65-F5344CB8AC3E}">
         <p14:creationId xmlns:p14="http://schemas.microsoft.com/office/powerpoint/2010/main" val="3596627443"/>
+      </p:ext>
+    </p:extLst>
+  </p:cSld>
+  <p:clrMapOvr>
+    <a:masterClrMapping/>
+  </p:clrMapOvr>
+</p:notes>
+</file>
+
+<file path=ppt/notesSlides/notesSlide4.xml><?xml version="1.0" encoding="utf-8"?>
+<p:notes xmlns:a="http://schemas.openxmlformats.org/drawingml/2006/main" xmlns:r="http://schemas.openxmlformats.org/officeDocument/2006/relationships" xmlns:p="http://schemas.openxmlformats.org/presentationml/2006/main">
+  <p:cSld>
+    <p:spTree>
+      <p:nvGrpSpPr>
+        <p:cNvPr id="1" name=""/>
+        <p:cNvGrpSpPr/>
+        <p:nvPr/>
+      </p:nvGrpSpPr>
+      <p:grpSpPr>
+        <a:xfrm>
+          <a:off x="0" y="0"/>
+          <a:ext cx="0" cy="0"/>
+          <a:chOff x="0" y="0"/>
+          <a:chExt cx="0" cy="0"/>
+        </a:xfrm>
+      </p:grpSpPr>
+      <p:sp>
+        <p:nvSpPr>
+          <p:cNvPr id="2" name="Slide Image Placeholder 1"/>
+          <p:cNvSpPr>
+            <a:spLocks noGrp="1" noRot="1" noChangeAspect="1"/>
+          </p:cNvSpPr>
+          <p:nvPr>
+            <p:ph type="sldImg"/>
+          </p:nvPr>
+        </p:nvSpPr>
+        <p:spPr/>
+      </p:sp>
+      <p:sp>
+        <p:nvSpPr>
+          <p:cNvPr id="3" name="Notes Placeholder 2"/>
+          <p:cNvSpPr>
+            <a:spLocks noGrp="1"/>
+          </p:cNvSpPr>
+          <p:nvPr>
+            <p:ph type="body" idx="1"/>
+          </p:nvPr>
+        </p:nvSpPr>
+        <p:spPr/>
+        <p:txBody>
+          <a:bodyPr/>
+          <a:lstStyle/>
+          <a:p>
+            <a:endParaRPr lang="en-AU" dirty="0"/>
+          </a:p>
+        </p:txBody>
+      </p:sp>
+      <p:sp>
+        <p:nvSpPr>
+          <p:cNvPr id="4" name="Slide Number Placeholder 3"/>
+          <p:cNvSpPr>
+            <a:spLocks noGrp="1"/>
+          </p:cNvSpPr>
+          <p:nvPr>
+            <p:ph type="sldNum" sz="quarter" idx="5"/>
+          </p:nvPr>
+        </p:nvSpPr>
+        <p:spPr/>
+        <p:txBody>
+          <a:bodyPr/>
+          <a:lstStyle/>
+          <a:p>
+            <a:fld id="{AF425AC4-1A55-4759-824E-616F9E627713}" type="slidenum">
+              <a:rPr lang="en-US" smtClean="0"/>
+              <a:t>5</a:t>
+            </a:fld>
+            <a:endParaRPr lang="en-US"/>
+          </a:p>
+        </p:txBody>
+      </p:sp>
+    </p:spTree>
+    <p:extLst>
+      <p:ext uri="{BB962C8B-B14F-4D97-AF65-F5344CB8AC3E}">
+        <p14:creationId xmlns:p14="http://schemas.microsoft.com/office/powerpoint/2010/main" val="133061953"/>
       </p:ext>
     </p:extLst>
   </p:cSld>
@@ -923,7 +994,7 @@
           <a:p>
             <a:fld id="{5A8F0079-C155-4963-BA90-8B06FFA7587C}" type="datetimeFigureOut">
               <a:rPr lang="en-AU" smtClean="0"/>
-              <a:t>13/02/2020</a:t>
+              <a:t>17/05/2020</a:t>
             </a:fld>
             <a:endParaRPr lang="en-AU"/>
           </a:p>
@@ -1123,7 +1194,7 @@
           <a:p>
             <a:fld id="{5A8F0079-C155-4963-BA90-8B06FFA7587C}" type="datetimeFigureOut">
               <a:rPr lang="en-AU" smtClean="0"/>
-              <a:t>13/02/2020</a:t>
+              <a:t>17/05/2020</a:t>
             </a:fld>
             <a:endParaRPr lang="en-AU"/>
           </a:p>
@@ -1333,7 +1404,7 @@
           <a:p>
             <a:fld id="{5A8F0079-C155-4963-BA90-8B06FFA7587C}" type="datetimeFigureOut">
               <a:rPr lang="en-AU" smtClean="0"/>
-              <a:t>13/02/2020</a:t>
+              <a:t>17/05/2020</a:t>
             </a:fld>
             <a:endParaRPr lang="en-AU"/>
           </a:p>
@@ -1533,7 +1604,7 @@
           <a:p>
             <a:fld id="{5A8F0079-C155-4963-BA90-8B06FFA7587C}" type="datetimeFigureOut">
               <a:rPr lang="en-AU" smtClean="0"/>
-              <a:t>13/02/2020</a:t>
+              <a:t>17/05/2020</a:t>
             </a:fld>
             <a:endParaRPr lang="en-AU"/>
           </a:p>
@@ -1809,7 +1880,7 @@
           <a:p>
             <a:fld id="{5A8F0079-C155-4963-BA90-8B06FFA7587C}" type="datetimeFigureOut">
               <a:rPr lang="en-AU" smtClean="0"/>
-              <a:t>13/02/2020</a:t>
+              <a:t>17/05/2020</a:t>
             </a:fld>
             <a:endParaRPr lang="en-AU"/>
           </a:p>
@@ -2077,7 +2148,7 @@
           <a:p>
             <a:fld id="{5A8F0079-C155-4963-BA90-8B06FFA7587C}" type="datetimeFigureOut">
               <a:rPr lang="en-AU" smtClean="0"/>
-              <a:t>13/02/2020</a:t>
+              <a:t>17/05/2020</a:t>
             </a:fld>
             <a:endParaRPr lang="en-AU"/>
           </a:p>
@@ -2492,7 +2563,7 @@
           <a:p>
             <a:fld id="{5A8F0079-C155-4963-BA90-8B06FFA7587C}" type="datetimeFigureOut">
               <a:rPr lang="en-AU" smtClean="0"/>
-              <a:t>13/02/2020</a:t>
+              <a:t>17/05/2020</a:t>
             </a:fld>
             <a:endParaRPr lang="en-AU"/>
           </a:p>
@@ -2634,7 +2705,7 @@
           <a:p>
             <a:fld id="{5A8F0079-C155-4963-BA90-8B06FFA7587C}" type="datetimeFigureOut">
               <a:rPr lang="en-AU" smtClean="0"/>
-              <a:t>13/02/2020</a:t>
+              <a:t>17/05/2020</a:t>
             </a:fld>
             <a:endParaRPr lang="en-AU"/>
           </a:p>
@@ -2747,7 +2818,7 @@
           <a:p>
             <a:fld id="{5A8F0079-C155-4963-BA90-8B06FFA7587C}" type="datetimeFigureOut">
               <a:rPr lang="en-AU" smtClean="0"/>
-              <a:t>13/02/2020</a:t>
+              <a:t>17/05/2020</a:t>
             </a:fld>
             <a:endParaRPr lang="en-AU"/>
           </a:p>
@@ -3060,7 +3131,7 @@
           <a:p>
             <a:fld id="{5A8F0079-C155-4963-BA90-8B06FFA7587C}" type="datetimeFigureOut">
               <a:rPr lang="en-AU" smtClean="0"/>
-              <a:t>13/02/2020</a:t>
+              <a:t>17/05/2020</a:t>
             </a:fld>
             <a:endParaRPr lang="en-AU"/>
           </a:p>
@@ -3349,7 +3420,7 @@
           <a:p>
             <a:fld id="{5A8F0079-C155-4963-BA90-8B06FFA7587C}" type="datetimeFigureOut">
               <a:rPr lang="en-AU" smtClean="0"/>
-              <a:t>13/02/2020</a:t>
+              <a:t>17/05/2020</a:t>
             </a:fld>
             <a:endParaRPr lang="en-AU"/>
           </a:p>
@@ -3592,7 +3663,7 @@
           <a:p>
             <a:fld id="{5A8F0079-C155-4963-BA90-8B06FFA7587C}" type="datetimeFigureOut">
               <a:rPr lang="en-AU" smtClean="0"/>
-              <a:t>13/02/2020</a:t>
+              <a:t>17/05/2020</a:t>
             </a:fld>
             <a:endParaRPr lang="en-AU"/>
           </a:p>
@@ -4060,7 +4131,7 @@
           <a:p>
             <a:r>
               <a:rPr lang="en-AU" dirty="0"/>
-              <a:t>License Map – February 2020</a:t>
+              <a:t>License Map – May 2020</a:t>
             </a:r>
           </a:p>
           <a:p>
@@ -4185,10 +4256,10 @@
       </p:sp>
       <p:pic>
         <p:nvPicPr>
-          <p:cNvPr id="4" name="Picture 3" descr="Microsoft 365 E3">
-            <a:extLst>
-              <a:ext uri="{FF2B5EF4-FFF2-40B4-BE49-F238E27FC236}">
-                <a16:creationId xmlns:a16="http://schemas.microsoft.com/office/drawing/2014/main" id="{B75CE6AD-1035-418E-A186-CBF38D1D5673}"/>
+          <p:cNvPr id="5" name="Picture 4" descr="Microsoft 365 E3">
+            <a:extLst>
+              <a:ext uri="{FF2B5EF4-FFF2-40B4-BE49-F238E27FC236}">
+                <a16:creationId xmlns:a16="http://schemas.microsoft.com/office/drawing/2014/main" id="{026AF917-DF41-49A8-AF0F-5F064B455232}"/>
               </a:ext>
             </a:extLst>
           </p:cNvPr>
@@ -4211,8 +4282,8 @@
         </p:blipFill>
         <p:spPr>
           <a:xfrm>
-            <a:off x="0" y="607066"/>
-            <a:ext cx="12192000" cy="5643867"/>
+            <a:off x="0" y="347900"/>
+            <a:ext cx="12192000" cy="6162199"/>
           </a:xfrm>
           <a:prstGeom prst="rect">
             <a:avLst/>
@@ -4336,10 +4407,10 @@
       </p:sp>
       <p:pic>
         <p:nvPicPr>
-          <p:cNvPr id="18" name="Picture 17" descr="Microsoft 365 E5">
-            <a:extLst>
-              <a:ext uri="{FF2B5EF4-FFF2-40B4-BE49-F238E27FC236}">
-                <a16:creationId xmlns:a16="http://schemas.microsoft.com/office/drawing/2014/main" id="{DF34495A-DB2A-4BC1-98E2-742FFAB8E053}"/>
+          <p:cNvPr id="3" name="Picture 2" descr="Microsoft 365 E5">
+            <a:extLst>
+              <a:ext uri="{FF2B5EF4-FFF2-40B4-BE49-F238E27FC236}">
+                <a16:creationId xmlns:a16="http://schemas.microsoft.com/office/drawing/2014/main" id="{95700EEB-8DEE-4140-91A3-D0F1035B4F7B}"/>
               </a:ext>
             </a:extLst>
           </p:cNvPr>
@@ -4362,8 +4433,8 @@
         </p:blipFill>
         <p:spPr>
           <a:xfrm>
-            <a:off x="371598" y="0"/>
-            <a:ext cx="11448804" cy="6858000"/>
+            <a:off x="514040" y="0"/>
+            <a:ext cx="11163920" cy="6858000"/>
           </a:xfrm>
           <a:prstGeom prst="rect">
             <a:avLst/>
@@ -4487,10 +4558,10 @@
       </p:sp>
       <p:pic>
         <p:nvPicPr>
-          <p:cNvPr id="5" name="Picture 4" descr="Microsoft 365 F1">
-            <a:extLst>
-              <a:ext uri="{FF2B5EF4-FFF2-40B4-BE49-F238E27FC236}">
-                <a16:creationId xmlns:a16="http://schemas.microsoft.com/office/drawing/2014/main" id="{D0B81488-E582-4FA8-B819-6F0CA2F718ED}"/>
+          <p:cNvPr id="7" name="Picture 6" descr="Microsoft 365 F1">
+            <a:extLst>
+              <a:ext uri="{FF2B5EF4-FFF2-40B4-BE49-F238E27FC236}">
+                <a16:creationId xmlns:a16="http://schemas.microsoft.com/office/drawing/2014/main" id="{91AA2AD7-ACCA-4557-9C42-2629CA29CAF4}"/>
               </a:ext>
             </a:extLst>
           </p:cNvPr>
@@ -4513,8 +4584,8 @@
         </p:blipFill>
         <p:spPr>
           <a:xfrm>
-            <a:off x="0" y="607066"/>
-            <a:ext cx="12192000" cy="5643867"/>
+            <a:off x="0" y="347901"/>
+            <a:ext cx="12192000" cy="6162199"/>
           </a:xfrm>
           <a:prstGeom prst="rect">
             <a:avLst/>
@@ -4531,13 +4602,13 @@
   <p:clrMapOvr>
     <a:masterClrMapping/>
   </p:clrMapOvr>
-  <mc:AlternateContent xmlns:mc="http://schemas.openxmlformats.org/markup-compatibility/2006">
-    <mc:Choice xmlns:p14="http://schemas.microsoft.com/office/powerpoint/2010/main" Requires="p14">
+  <mc:AlternateContent xmlns:mc="http://schemas.openxmlformats.org/markup-compatibility/2006" xmlns:p14="http://schemas.microsoft.com/office/powerpoint/2010/main">
+    <mc:Choice Requires="p14">
       <p:transition spd="med" p14:dur="700">
         <p:fade/>
       </p:transition>
     </mc:Choice>
-    <mc:Fallback>
+    <mc:Fallback xmlns="">
       <p:transition spd="med">
         <p:fade/>
       </p:transition>
@@ -4563,42 +4634,12 @@
           <a:chExt cx="0" cy="0"/>
         </a:xfrm>
       </p:grpSpPr>
-      <p:pic>
-        <p:nvPicPr>
-          <p:cNvPr id="5" name="Picture 4" descr="Microsoft 365 E3 and E5 - Office 365 components">
-            <a:extLst>
-              <a:ext uri="{FF2B5EF4-FFF2-40B4-BE49-F238E27FC236}">
-                <a16:creationId xmlns:a16="http://schemas.microsoft.com/office/drawing/2014/main" id="{1700BEA4-378C-415D-AC68-73367B37835D}"/>
-              </a:ext>
-            </a:extLst>
-          </p:cNvPr>
-          <p:cNvPicPr>
-            <a:picLocks noChangeAspect="1"/>
-          </p:cNvPicPr>
-          <p:nvPr/>
-        </p:nvPicPr>
-        <p:blipFill>
-          <a:blip r:embed="rId2"/>
-          <a:stretch>
-            <a:fillRect/>
-          </a:stretch>
-        </p:blipFill>
-        <p:spPr>
-          <a:xfrm>
-            <a:off x="0" y="868214"/>
-            <a:ext cx="12192000" cy="5121571"/>
-          </a:xfrm>
-          <a:prstGeom prst="rect">
-            <a:avLst/>
-          </a:prstGeom>
-        </p:spPr>
-      </p:pic>
-      <p:sp>
-        <p:nvSpPr>
-          <p:cNvPr id="7" name="TextBox 6">
-            <a:extLst>
-              <a:ext uri="{FF2B5EF4-FFF2-40B4-BE49-F238E27FC236}">
-                <a16:creationId xmlns:a16="http://schemas.microsoft.com/office/drawing/2014/main" id="{F4292863-A950-4A40-A8D7-7B5AAB41F710}"/>
+      <p:sp>
+        <p:nvSpPr>
+          <p:cNvPr id="2" name="TextBox 1">
+            <a:extLst>
+              <a:ext uri="{FF2B5EF4-FFF2-40B4-BE49-F238E27FC236}">
+                <a16:creationId xmlns:a16="http://schemas.microsoft.com/office/drawing/2014/main" id="{2BC34E5F-F4C8-49DF-A245-16AB6D25318D}"/>
               </a:ext>
             </a:extLst>
           </p:cNvPr>
@@ -4666,16 +4707,64 @@
           </a:p>
         </p:txBody>
       </p:sp>
+      <p:pic>
+        <p:nvPicPr>
+          <p:cNvPr id="4" name="Picture 3" descr="Microsoft 365 F3">
+            <a:extLst>
+              <a:ext uri="{FF2B5EF4-FFF2-40B4-BE49-F238E27FC236}">
+                <a16:creationId xmlns:a16="http://schemas.microsoft.com/office/drawing/2014/main" id="{A818503F-893C-4B30-900D-EA31DC9B247B}"/>
+              </a:ext>
+            </a:extLst>
+          </p:cNvPr>
+          <p:cNvPicPr>
+            <a:picLocks noChangeAspect="1"/>
+          </p:cNvPicPr>
+          <p:nvPr/>
+        </p:nvPicPr>
+        <p:blipFill>
+          <a:blip r:embed="rId4">
+            <a:extLst>
+              <a:ext uri="{28A0092B-C50C-407E-A947-70E740481C1C}">
+                <a14:useLocalDpi xmlns:a14="http://schemas.microsoft.com/office/drawing/2010/main" val="0"/>
+              </a:ext>
+            </a:extLst>
+          </a:blip>
+          <a:stretch>
+            <a:fillRect/>
+          </a:stretch>
+        </p:blipFill>
+        <p:spPr>
+          <a:xfrm>
+            <a:off x="0" y="347900"/>
+            <a:ext cx="12192000" cy="6162199"/>
+          </a:xfrm>
+          <a:prstGeom prst="rect">
+            <a:avLst/>
+          </a:prstGeom>
+        </p:spPr>
+      </p:pic>
     </p:spTree>
     <p:extLst>
       <p:ext uri="{BB962C8B-B14F-4D97-AF65-F5344CB8AC3E}">
-        <p14:creationId xmlns:p14="http://schemas.microsoft.com/office/powerpoint/2010/main" val="3016209517"/>
+        <p14:creationId xmlns:p14="http://schemas.microsoft.com/office/powerpoint/2010/main" val="1861237408"/>
       </p:ext>
     </p:extLst>
   </p:cSld>
   <p:clrMapOvr>
     <a:masterClrMapping/>
   </p:clrMapOvr>
+  <mc:AlternateContent xmlns:mc="http://schemas.openxmlformats.org/markup-compatibility/2006" xmlns:p14="http://schemas.microsoft.com/office/powerpoint/2010/main">
+    <mc:Choice Requires="p14">
+      <p:transition spd="med" p14:dur="700">
+        <p:fade/>
+      </p:transition>
+    </mc:Choice>
+    <mc:Fallback xmlns="">
+      <p:transition spd="med">
+        <p:fade/>
+      </p:transition>
+    </mc:Fallback>
+  </mc:AlternateContent>
 </p:sld>
 </file>
 
@@ -4696,12 +4785,52 @@
           <a:chExt cx="0" cy="0"/>
         </a:xfrm>
       </p:grpSpPr>
+      <p:sp>
+        <p:nvSpPr>
+          <p:cNvPr id="2" name="Title 1">
+            <a:extLst>
+              <a:ext uri="{FF2B5EF4-FFF2-40B4-BE49-F238E27FC236}">
+                <a16:creationId xmlns:a16="http://schemas.microsoft.com/office/drawing/2014/main" id="{67D97FFD-C060-4DB0-B692-9BB5BF1C264A}"/>
+              </a:ext>
+            </a:extLst>
+          </p:cNvPr>
+          <p:cNvSpPr>
+            <a:spLocks noGrp="1"/>
+          </p:cNvSpPr>
+          <p:nvPr>
+            <p:ph type="title"/>
+          </p:nvPr>
+        </p:nvSpPr>
+        <p:spPr>
+          <a:xfrm>
+            <a:off x="838200" y="365125"/>
+            <a:ext cx="7043228" cy="1325563"/>
+          </a:xfrm>
+        </p:spPr>
+        <p:txBody>
+          <a:bodyPr/>
+          <a:lstStyle/>
+          <a:p>
+            <a:r>
+              <a:rPr lang="en-AU" dirty="0"/>
+              <a:t>Microsoft 365 Benefits</a:t>
+            </a:r>
+            <a:br>
+              <a:rPr lang="en-AU" dirty="0"/>
+            </a:br>
+            <a:r>
+              <a:rPr lang="en-AU" dirty="0"/>
+              <a:t>and Additional Licensing</a:t>
+            </a:r>
+          </a:p>
+        </p:txBody>
+      </p:sp>
       <p:pic>
         <p:nvPicPr>
-          <p:cNvPr id="2" name="Picture 1" descr="Microsoft 365 E3 and E5 - EMS components">
-            <a:extLst>
-              <a:ext uri="{FF2B5EF4-FFF2-40B4-BE49-F238E27FC236}">
-                <a16:creationId xmlns:a16="http://schemas.microsoft.com/office/drawing/2014/main" id="{FFCC7DD8-2050-4FDB-A6D2-F644D97A58AC}"/>
+          <p:cNvPr id="3" name="Picture 2" descr="Enterprise Benefits">
+            <a:extLst>
+              <a:ext uri="{FF2B5EF4-FFF2-40B4-BE49-F238E27FC236}">
+                <a16:creationId xmlns:a16="http://schemas.microsoft.com/office/drawing/2014/main" id="{06BB443D-ABDE-445E-9EED-FB7ACB7C6B0B}"/>
               </a:ext>
             </a:extLst>
           </p:cNvPr>
@@ -4712,350 +4841,6 @@
         </p:nvPicPr>
         <p:blipFill>
           <a:blip r:embed="rId2"/>
-          <a:stretch>
-            <a:fillRect/>
-          </a:stretch>
-        </p:blipFill>
-        <p:spPr>
-          <a:xfrm>
-            <a:off x="0" y="867383"/>
-            <a:ext cx="12192000" cy="5123234"/>
-          </a:xfrm>
-          <a:prstGeom prst="rect">
-            <a:avLst/>
-          </a:prstGeom>
-        </p:spPr>
-      </p:pic>
-      <p:sp>
-        <p:nvSpPr>
-          <p:cNvPr id="3" name="TextBox 2">
-            <a:extLst>
-              <a:ext uri="{FF2B5EF4-FFF2-40B4-BE49-F238E27FC236}">
-                <a16:creationId xmlns:a16="http://schemas.microsoft.com/office/drawing/2014/main" id="{6E64A35D-BAA8-414A-9128-142D9333EC08}"/>
-              </a:ext>
-            </a:extLst>
-          </p:cNvPr>
-          <p:cNvSpPr txBox="1"/>
-          <p:nvPr/>
-        </p:nvSpPr>
-        <p:spPr>
-          <a:xfrm>
-            <a:off x="8207702" y="6696999"/>
-            <a:ext cx="3986201" cy="161001"/>
-          </a:xfrm>
-          <a:prstGeom prst="rect">
-            <a:avLst/>
-          </a:prstGeom>
-          <a:noFill/>
-        </p:spPr>
-        <p:txBody>
-          <a:bodyPr wrap="none" lIns="72000" tIns="0" rIns="72000" bIns="36000" rtlCol="0">
-            <a:spAutoFit/>
-          </a:bodyPr>
-          <a:lstStyle/>
-          <a:p>
-            <a:pPr>
-              <a:lnSpc>
-                <a:spcPct val="90000"/>
-              </a:lnSpc>
-              <a:spcAft>
-                <a:spcPts val="600"/>
-              </a:spcAft>
-            </a:pPr>
-            <a:r>
-              <a:rPr lang="en-AU" sz="900" dirty="0">
-                <a:solidFill>
-                  <a:schemeClr val="bg1">
-                    <a:lumMod val="50000"/>
-                  </a:schemeClr>
-                </a:solidFill>
-              </a:rPr>
-              <a:t>Latest diagrams available here: </a:t>
-            </a:r>
-            <a:r>
-              <a:rPr lang="en-AU" sz="900" dirty="0">
-                <a:solidFill>
-                  <a:schemeClr val="bg1">
-                    <a:lumMod val="50000"/>
-                  </a:schemeClr>
-                </a:solidFill>
-                <a:hlinkClick r:id="rId3">
-                  <a:extLst>
-                    <a:ext uri="{A12FA001-AC4F-418D-AE19-62706E023703}">
-                      <ahyp:hlinkClr xmlns:ahyp="http://schemas.microsoft.com/office/drawing/2018/hyperlinkcolor" val="tx"/>
-                    </a:ext>
-                  </a:extLst>
-                </a:hlinkClick>
-              </a:rPr>
-              <a:t>https://github.com/AaronDinnage/Licensing</a:t>
-            </a:r>
-            <a:endParaRPr lang="en-AU" sz="900" dirty="0">
-              <a:solidFill>
-                <a:schemeClr val="bg1">
-                  <a:lumMod val="50000"/>
-                </a:schemeClr>
-              </a:solidFill>
-            </a:endParaRPr>
-          </a:p>
-        </p:txBody>
-      </p:sp>
-    </p:spTree>
-    <p:extLst>
-      <p:ext uri="{BB962C8B-B14F-4D97-AF65-F5344CB8AC3E}">
-        <p14:creationId xmlns:p14="http://schemas.microsoft.com/office/powerpoint/2010/main" val="3546924504"/>
-      </p:ext>
-    </p:extLst>
-  </p:cSld>
-  <p:clrMapOvr>
-    <a:masterClrMapping/>
-  </p:clrMapOvr>
-</p:sld>
-</file>
-
-<file path=ppt/slides/slide7.xml><?xml version="1.0" encoding="utf-8"?>
-<p:sld xmlns:a="http://schemas.openxmlformats.org/drawingml/2006/main" xmlns:r="http://schemas.openxmlformats.org/officeDocument/2006/relationships" xmlns:p="http://schemas.openxmlformats.org/presentationml/2006/main">
-  <p:cSld>
-    <p:spTree>
-      <p:nvGrpSpPr>
-        <p:cNvPr id="1" name=""/>
-        <p:cNvGrpSpPr/>
-        <p:nvPr/>
-      </p:nvGrpSpPr>
-      <p:grpSpPr>
-        <a:xfrm>
-          <a:off x="0" y="0"/>
-          <a:ext cx="0" cy="0"/>
-          <a:chOff x="0" y="0"/>
-          <a:chExt cx="0" cy="0"/>
-        </a:xfrm>
-      </p:grpSpPr>
-      <p:sp>
-        <p:nvSpPr>
-          <p:cNvPr id="2" name="TextBox 1">
-            <a:extLst>
-              <a:ext uri="{FF2B5EF4-FFF2-40B4-BE49-F238E27FC236}">
-                <a16:creationId xmlns:a16="http://schemas.microsoft.com/office/drawing/2014/main" id="{865B7411-FA62-4712-ABA3-F22456ED4263}"/>
-              </a:ext>
-            </a:extLst>
-          </p:cNvPr>
-          <p:cNvSpPr txBox="1"/>
-          <p:nvPr/>
-        </p:nvSpPr>
-        <p:spPr>
-          <a:xfrm>
-            <a:off x="8207702" y="6696999"/>
-            <a:ext cx="3986201" cy="161001"/>
-          </a:xfrm>
-          <a:prstGeom prst="rect">
-            <a:avLst/>
-          </a:prstGeom>
-          <a:noFill/>
-        </p:spPr>
-        <p:txBody>
-          <a:bodyPr wrap="none" lIns="72000" tIns="0" rIns="72000" bIns="36000" rtlCol="0">
-            <a:spAutoFit/>
-          </a:bodyPr>
-          <a:lstStyle/>
-          <a:p>
-            <a:pPr>
-              <a:lnSpc>
-                <a:spcPct val="90000"/>
-              </a:lnSpc>
-              <a:spcAft>
-                <a:spcPts val="600"/>
-              </a:spcAft>
-            </a:pPr>
-            <a:r>
-              <a:rPr lang="en-AU" sz="900" dirty="0">
-                <a:solidFill>
-                  <a:schemeClr val="bg1">
-                    <a:lumMod val="50000"/>
-                  </a:schemeClr>
-                </a:solidFill>
-              </a:rPr>
-              <a:t>Latest diagrams available here: </a:t>
-            </a:r>
-            <a:r>
-              <a:rPr lang="en-AU" sz="900" dirty="0">
-                <a:solidFill>
-                  <a:schemeClr val="bg1">
-                    <a:lumMod val="50000"/>
-                  </a:schemeClr>
-                </a:solidFill>
-                <a:hlinkClick r:id="rId2">
-                  <a:extLst>
-                    <a:ext uri="{A12FA001-AC4F-418D-AE19-62706E023703}">
-                      <ahyp:hlinkClr xmlns:ahyp="http://schemas.microsoft.com/office/drawing/2018/hyperlinkcolor" val="tx"/>
-                    </a:ext>
-                  </a:extLst>
-                </a:hlinkClick>
-              </a:rPr>
-              <a:t>https://github.com/AaronDinnage/Licensing</a:t>
-            </a:r>
-            <a:endParaRPr lang="en-AU" sz="900" dirty="0">
-              <a:solidFill>
-                <a:schemeClr val="bg1">
-                  <a:lumMod val="50000"/>
-                </a:schemeClr>
-              </a:solidFill>
-            </a:endParaRPr>
-          </a:p>
-        </p:txBody>
-      </p:sp>
-      <p:pic>
-        <p:nvPicPr>
-          <p:cNvPr id="4" name="Picture 3" descr="Microsoft 365 E3 and E5 - Windows components">
-            <a:extLst>
-              <a:ext uri="{FF2B5EF4-FFF2-40B4-BE49-F238E27FC236}">
-                <a16:creationId xmlns:a16="http://schemas.microsoft.com/office/drawing/2014/main" id="{A01D7596-6F38-4428-A9EF-0633A889663D}"/>
-              </a:ext>
-            </a:extLst>
-          </p:cNvPr>
-          <p:cNvPicPr>
-            <a:picLocks noChangeAspect="1"/>
-          </p:cNvPicPr>
-          <p:nvPr/>
-        </p:nvPicPr>
-        <p:blipFill>
-          <a:blip r:embed="rId3"/>
-          <a:stretch>
-            <a:fillRect/>
-          </a:stretch>
-        </p:blipFill>
-        <p:spPr>
-          <a:xfrm>
-            <a:off x="0" y="868214"/>
-            <a:ext cx="12192000" cy="5121571"/>
-          </a:xfrm>
-          <a:prstGeom prst="rect">
-            <a:avLst/>
-          </a:prstGeom>
-        </p:spPr>
-      </p:pic>
-    </p:spTree>
-    <p:extLst>
-      <p:ext uri="{BB962C8B-B14F-4D97-AF65-F5344CB8AC3E}">
-        <p14:creationId xmlns:p14="http://schemas.microsoft.com/office/powerpoint/2010/main" val="2385732251"/>
-      </p:ext>
-    </p:extLst>
-  </p:cSld>
-  <p:clrMapOvr>
-    <a:masterClrMapping/>
-  </p:clrMapOvr>
-</p:sld>
-</file>
-
-<file path=ppt/slides/slide8.xml><?xml version="1.0" encoding="utf-8"?>
-<p:sld xmlns:a="http://schemas.openxmlformats.org/drawingml/2006/main" xmlns:r="http://schemas.openxmlformats.org/officeDocument/2006/relationships" xmlns:p="http://schemas.openxmlformats.org/presentationml/2006/main">
-  <p:cSld>
-    <p:spTree>
-      <p:nvGrpSpPr>
-        <p:cNvPr id="1" name=""/>
-        <p:cNvGrpSpPr/>
-        <p:nvPr/>
-      </p:nvGrpSpPr>
-      <p:grpSpPr>
-        <a:xfrm>
-          <a:off x="0" y="0"/>
-          <a:ext cx="0" cy="0"/>
-          <a:chOff x="0" y="0"/>
-          <a:chExt cx="0" cy="0"/>
-        </a:xfrm>
-      </p:grpSpPr>
-      <p:sp>
-        <p:nvSpPr>
-          <p:cNvPr id="2" name="Title 1">
-            <a:extLst>
-              <a:ext uri="{FF2B5EF4-FFF2-40B4-BE49-F238E27FC236}">
-                <a16:creationId xmlns:a16="http://schemas.microsoft.com/office/drawing/2014/main" id="{67D97FFD-C060-4DB0-B692-9BB5BF1C264A}"/>
-              </a:ext>
-            </a:extLst>
-          </p:cNvPr>
-          <p:cNvSpPr>
-            <a:spLocks noGrp="1"/>
-          </p:cNvSpPr>
-          <p:nvPr>
-            <p:ph type="title"/>
-          </p:nvPr>
-        </p:nvSpPr>
-        <p:spPr>
-          <a:xfrm>
-            <a:off x="838200" y="365125"/>
-            <a:ext cx="7043228" cy="1325563"/>
-          </a:xfrm>
-        </p:spPr>
-        <p:txBody>
-          <a:bodyPr/>
-          <a:lstStyle/>
-          <a:p>
-            <a:r>
-              <a:rPr lang="en-AU" dirty="0"/>
-              <a:t>Microsoft 365 Benefits</a:t>
-            </a:r>
-            <a:br>
-              <a:rPr lang="en-AU" dirty="0"/>
-            </a:br>
-            <a:r>
-              <a:rPr lang="en-AU" dirty="0"/>
-              <a:t>and Additional Licensing</a:t>
-            </a:r>
-          </a:p>
-        </p:txBody>
-      </p:sp>
-      <p:sp>
-        <p:nvSpPr>
-          <p:cNvPr id="18" name="Rectangle 17">
-            <a:extLst>
-              <a:ext uri="{FF2B5EF4-FFF2-40B4-BE49-F238E27FC236}">
-                <a16:creationId xmlns:a16="http://schemas.microsoft.com/office/drawing/2014/main" id="{E2759E57-AA3E-4916-B842-AFC7CDDBE713}"/>
-              </a:ext>
-            </a:extLst>
-          </p:cNvPr>
-          <p:cNvSpPr/>
-          <p:nvPr/>
-        </p:nvSpPr>
-        <p:spPr>
-          <a:xfrm>
-            <a:off x="7313564" y="6481248"/>
-            <a:ext cx="3942836" cy="261610"/>
-          </a:xfrm>
-          <a:prstGeom prst="rect">
-            <a:avLst/>
-          </a:prstGeom>
-        </p:spPr>
-        <p:txBody>
-          <a:bodyPr wrap="square">
-            <a:spAutoFit/>
-          </a:bodyPr>
-          <a:lstStyle/>
-          <a:p>
-            <a:pPr algn="ctr"/>
-            <a:r>
-              <a:rPr lang="en-AU" sz="1100" dirty="0">
-                <a:hlinkClick r:id="rId2"/>
-              </a:rPr>
-              <a:t>https://github.com/AaronDinnage/Licensing</a:t>
-            </a:r>
-            <a:endParaRPr lang="en-AU" sz="1100" dirty="0"/>
-          </a:p>
-        </p:txBody>
-      </p:sp>
-      <p:pic>
-        <p:nvPicPr>
-          <p:cNvPr id="3" name="Picture 2">
-            <a:extLst>
-              <a:ext uri="{FF2B5EF4-FFF2-40B4-BE49-F238E27FC236}">
-                <a16:creationId xmlns:a16="http://schemas.microsoft.com/office/drawing/2014/main" id="{06BB443D-ABDE-445E-9EED-FB7ACB7C6B0B}"/>
-              </a:ext>
-            </a:extLst>
-          </p:cNvPr>
-          <p:cNvPicPr>
-            <a:picLocks noChangeAspect="1"/>
-          </p:cNvPicPr>
-          <p:nvPr/>
-        </p:nvPicPr>
-        <p:blipFill>
-          <a:blip r:embed="rId3"/>
           <a:stretch>
             <a:fillRect/>
           </a:stretch>
@@ -5072,10 +4857,10 @@
       </p:pic>
       <p:pic>
         <p:nvPicPr>
-          <p:cNvPr id="4" name="Picture 3">
-            <a:extLst>
-              <a:ext uri="{FF2B5EF4-FFF2-40B4-BE49-F238E27FC236}">
-                <a16:creationId xmlns:a16="http://schemas.microsoft.com/office/drawing/2014/main" id="{CADFA6B0-2BA8-4008-B23D-BD65C29EB26E}"/>
+          <p:cNvPr id="6" name="Picture 5" descr="Additional Licensing">
+            <a:extLst>
+              <a:ext uri="{FF2B5EF4-FFF2-40B4-BE49-F238E27FC236}">
+                <a16:creationId xmlns:a16="http://schemas.microsoft.com/office/drawing/2014/main" id="{569DA7EA-B310-4248-BB58-BA1F748D1A16}"/>
               </a:ext>
             </a:extLst>
           </p:cNvPr>
@@ -5085,21 +4870,94 @@
           <p:nvPr/>
         </p:nvPicPr>
         <p:blipFill>
-          <a:blip r:embed="rId4"/>
+          <a:blip r:embed="rId3"/>
           <a:stretch>
             <a:fillRect/>
           </a:stretch>
         </p:blipFill>
         <p:spPr>
           <a:xfrm>
-            <a:off x="7981429" y="365124"/>
-            <a:ext cx="2607106" cy="6116124"/>
+            <a:off x="8062996" y="365124"/>
+            <a:ext cx="2443971" cy="6127751"/>
           </a:xfrm>
           <a:prstGeom prst="rect">
             <a:avLst/>
           </a:prstGeom>
         </p:spPr>
       </p:pic>
+      <p:sp>
+        <p:nvSpPr>
+          <p:cNvPr id="8" name="TextBox 7">
+            <a:extLst>
+              <a:ext uri="{FF2B5EF4-FFF2-40B4-BE49-F238E27FC236}">
+                <a16:creationId xmlns:a16="http://schemas.microsoft.com/office/drawing/2014/main" id="{98EE8C32-6091-4EEB-98D4-3E7049F8023A}"/>
+              </a:ext>
+            </a:extLst>
+          </p:cNvPr>
+          <p:cNvSpPr txBox="1"/>
+          <p:nvPr/>
+        </p:nvSpPr>
+        <p:spPr>
+          <a:xfrm>
+            <a:off x="8207702" y="6696999"/>
+            <a:ext cx="3986201" cy="161001"/>
+          </a:xfrm>
+          <a:prstGeom prst="rect">
+            <a:avLst/>
+          </a:prstGeom>
+          <a:noFill/>
+        </p:spPr>
+        <p:txBody>
+          <a:bodyPr wrap="none" lIns="72000" tIns="0" rIns="72000" bIns="36000" rtlCol="0">
+            <a:spAutoFit/>
+          </a:bodyPr>
+          <a:lstStyle/>
+          <a:p>
+            <a:pPr>
+              <a:lnSpc>
+                <a:spcPct val="90000"/>
+              </a:lnSpc>
+              <a:spcAft>
+                <a:spcPts val="600"/>
+              </a:spcAft>
+            </a:pPr>
+            <a:r>
+              <a:rPr lang="en-AU" sz="900" dirty="0">
+                <a:solidFill>
+                  <a:schemeClr val="bg1">
+                    <a:lumMod val="50000"/>
+                  </a:schemeClr>
+                </a:solidFill>
+              </a:rPr>
+              <a:t>Latest diagrams available here: </a:t>
+            </a:r>
+            <a:r>
+              <a:rPr lang="en-AU" sz="900" dirty="0">
+                <a:solidFill>
+                  <a:schemeClr val="bg1">
+                    <a:lumMod val="50000"/>
+                  </a:schemeClr>
+                </a:solidFill>
+                <a:hlinkClick r:id="rId4">
+                  <a:extLst>
+                    <a:ext uri="{A12FA001-AC4F-418D-AE19-62706E023703}">
+                      <ahyp:hlinkClr xmlns:ahyp="http://schemas.microsoft.com/office/drawing/2018/hyperlinkcolor" val="tx"/>
+                    </a:ext>
+                  </a:extLst>
+                </a:hlinkClick>
+              </a:rPr>
+              <a:t>https://github.com/AaronDinnage/Licensing</a:t>
+            </a:r>
+            <a:endParaRPr lang="en-AU" sz="900" dirty="0">
+              <a:solidFill>
+                <a:schemeClr val="bg1">
+                  <a:lumMod val="50000"/>
+                </a:schemeClr>
+              </a:solidFill>
+            </a:endParaRPr>
+          </a:p>
+        </p:txBody>
+      </p:sp>
     </p:spTree>
     <p:extLst>
       <p:ext uri="{BB962C8B-B14F-4D97-AF65-F5344CB8AC3E}">

--- a/Microsoft 365 Enterprise License Map.pptx
+++ b/Microsoft 365 Enterprise License Map.pptx
@@ -1,19 +1,20 @@
 
 <file path=ppt/presentation.xml><?xml version="1.0" encoding="utf-8"?>
-<p:presentation xmlns:a="http://schemas.openxmlformats.org/drawingml/2006/main" xmlns:r="http://schemas.openxmlformats.org/officeDocument/2006/relationships" xmlns:p="http://schemas.openxmlformats.org/presentationml/2006/main" removePersonalInfoOnSave="1" saveSubsetFonts="1">
+<p:presentation xmlns:a="http://schemas.openxmlformats.org/drawingml/2006/main" xmlns:r="http://schemas.openxmlformats.org/officeDocument/2006/relationships" xmlns:p="http://schemas.openxmlformats.org/presentationml/2006/main" saveSubsetFonts="1">
   <p:sldMasterIdLst>
     <p:sldMasterId id="2147483648" r:id="rId1"/>
   </p:sldMasterIdLst>
   <p:notesMasterIdLst>
-    <p:notesMasterId r:id="rId8"/>
+    <p:notesMasterId r:id="rId9"/>
   </p:notesMasterIdLst>
   <p:sldIdLst>
-    <p:sldId id="256" r:id="rId2"/>
+    <p:sldId id="273" r:id="rId2"/>
     <p:sldId id="265" r:id="rId3"/>
     <p:sldId id="266" r:id="rId4"/>
     <p:sldId id="271" r:id="rId5"/>
     <p:sldId id="272" r:id="rId6"/>
     <p:sldId id="267" r:id="rId7"/>
+    <p:sldId id="277" r:id="rId8"/>
   </p:sldIdLst>
   <p:sldSz cx="12192000" cy="6858000"/>
   <p:notesSz cx="6858000" cy="9144000"/>
@@ -115,14 +116,15 @@
   <p:extLst>
     <p:ext uri="{521415D9-36F7-43E2-AB2F-B90AF26B5E84}">
       <p14:sectionLst xmlns:p14="http://schemas.microsoft.com/office/powerpoint/2010/main">
-        <p14:section name="Default Section" id="{413F7475-DC3C-46D7-9C0B-AEF150BC6BD0}">
+        <p14:section name="Microsoft 365 Enterprise" id="{413F7475-DC3C-46D7-9C0B-AEF150BC6BD0}">
           <p14:sldIdLst>
-            <p14:sldId id="256"/>
+            <p14:sldId id="273"/>
             <p14:sldId id="265"/>
             <p14:sldId id="266"/>
             <p14:sldId id="271"/>
             <p14:sldId id="272"/>
             <p14:sldId id="267"/>
+            <p14:sldId id="277"/>
           </p14:sldIdLst>
         </p14:section>
       </p14:sectionLst>
@@ -137,9 +139,223 @@
 <file path=ppt/revisionInfo.xml><?xml version="1.0" encoding="utf-8"?>
 <p1510:revInfo xmlns:a="http://schemas.openxmlformats.org/drawingml/2006/main" xmlns:r="http://schemas.openxmlformats.org/officeDocument/2006/relationships" xmlns:p1510="http://schemas.microsoft.com/office/powerpoint/2015/10/main">
   <p1510:revLst>
-    <p1510:client id="{FE982463-3FFD-44D1-BB83-E7595FD5D686}" v="11" dt="2020-05-17T13:49:12.950"/>
+    <p1510:client id="{ED25B4B7-1C53-4AC8-A0AD-673D8F6F5461}" v="10" dt="2020-12-06T09:40:42.994"/>
   </p1510:revLst>
 </p1510:revInfo>
+</file>
+
+<file path=ppt/changesInfos/changesInfo1.xml><?xml version="1.0" encoding="utf-8"?>
+<pc:chgInfo xmlns:a="http://schemas.openxmlformats.org/drawingml/2006/main" xmlns:r="http://schemas.openxmlformats.org/officeDocument/2006/relationships" xmlns:ac="http://schemas.microsoft.com/office/drawing/2013/main/command" xmlns:pc="http://schemas.microsoft.com/office/powerpoint/2013/main/command">
+  <pc:docChgLst>
+    <pc:chgData name="Aaron Dinnage" userId="8cb68394-1244-40dc-97d1-6a2511d83b6b" providerId="ADAL" clId="{ED25B4B7-1C53-4AC8-A0AD-673D8F6F5461}"/>
+    <pc:docChg chg="custSel addSld delSld modSld sldOrd modSection">
+      <pc:chgData name="Aaron Dinnage" userId="8cb68394-1244-40dc-97d1-6a2511d83b6b" providerId="ADAL" clId="{ED25B4B7-1C53-4AC8-A0AD-673D8F6F5461}" dt="2020-12-06T09:41:08.295" v="122" actId="20577"/>
+      <pc:docMkLst>
+        <pc:docMk/>
+      </pc:docMkLst>
+      <pc:sldChg chg="modSp del mod">
+        <pc:chgData name="Aaron Dinnage" userId="8cb68394-1244-40dc-97d1-6a2511d83b6b" providerId="ADAL" clId="{ED25B4B7-1C53-4AC8-A0AD-673D8F6F5461}" dt="2020-12-06T09:36:18.550" v="30" actId="47"/>
+        <pc:sldMkLst>
+          <pc:docMk/>
+          <pc:sldMk cId="2896464772" sldId="256"/>
+        </pc:sldMkLst>
+        <pc:spChg chg="mod">
+          <ac:chgData name="Aaron Dinnage" userId="8cb68394-1244-40dc-97d1-6a2511d83b6b" providerId="ADAL" clId="{ED25B4B7-1C53-4AC8-A0AD-673D8F6F5461}" dt="2020-12-06T09:35:27.197" v="7" actId="20577"/>
+          <ac:spMkLst>
+            <pc:docMk/>
+            <pc:sldMk cId="2896464772" sldId="256"/>
+            <ac:spMk id="3" creationId="{70473A01-3EA4-4990-8E8B-F325477388E6}"/>
+          </ac:spMkLst>
+        </pc:spChg>
+      </pc:sldChg>
+      <pc:sldChg chg="addSp delSp modSp mod">
+        <pc:chgData name="Aaron Dinnage" userId="8cb68394-1244-40dc-97d1-6a2511d83b6b" providerId="ADAL" clId="{ED25B4B7-1C53-4AC8-A0AD-673D8F6F5461}" dt="2020-12-06T09:39:19.001" v="86"/>
+        <pc:sldMkLst>
+          <pc:docMk/>
+          <pc:sldMk cId="3387588480" sldId="265"/>
+        </pc:sldMkLst>
+        <pc:picChg chg="add del mod modCrop">
+          <ac:chgData name="Aaron Dinnage" userId="8cb68394-1244-40dc-97d1-6a2511d83b6b" providerId="ADAL" clId="{ED25B4B7-1C53-4AC8-A0AD-673D8F6F5461}" dt="2020-12-06T09:38:51.908" v="84" actId="478"/>
+          <ac:picMkLst>
+            <pc:docMk/>
+            <pc:sldMk cId="3387588480" sldId="265"/>
+            <ac:picMk id="4" creationId="{8C62164E-2DD5-4B46-BFE9-F4155FFD1A75}"/>
+          </ac:picMkLst>
+        </pc:picChg>
+        <pc:picChg chg="del">
+          <ac:chgData name="Aaron Dinnage" userId="8cb68394-1244-40dc-97d1-6a2511d83b6b" providerId="ADAL" clId="{ED25B4B7-1C53-4AC8-A0AD-673D8F6F5461}" dt="2020-12-06T09:37:20.339" v="43" actId="478"/>
+          <ac:picMkLst>
+            <pc:docMk/>
+            <pc:sldMk cId="3387588480" sldId="265"/>
+            <ac:picMk id="5" creationId="{026AF917-DF41-49A8-AF0F-5F064B455232}"/>
+          </ac:picMkLst>
+        </pc:picChg>
+        <pc:picChg chg="add">
+          <ac:chgData name="Aaron Dinnage" userId="8cb68394-1244-40dc-97d1-6a2511d83b6b" providerId="ADAL" clId="{ED25B4B7-1C53-4AC8-A0AD-673D8F6F5461}" dt="2020-12-06T09:39:19.001" v="86"/>
+          <ac:picMkLst>
+            <pc:docMk/>
+            <pc:sldMk cId="3387588480" sldId="265"/>
+            <ac:picMk id="6" creationId="{689B9B48-51C7-45C5-A4E1-408F3297D630}"/>
+          </ac:picMkLst>
+        </pc:picChg>
+      </pc:sldChg>
+      <pc:sldChg chg="addSp delSp modSp mod">
+        <pc:chgData name="Aaron Dinnage" userId="8cb68394-1244-40dc-97d1-6a2511d83b6b" providerId="ADAL" clId="{ED25B4B7-1C53-4AC8-A0AD-673D8F6F5461}" dt="2020-12-06T09:39:58.296" v="97" actId="1076"/>
+        <pc:sldMkLst>
+          <pc:docMk/>
+          <pc:sldMk cId="2041766854" sldId="266"/>
+        </pc:sldMkLst>
+        <pc:spChg chg="add mod">
+          <ac:chgData name="Aaron Dinnage" userId="8cb68394-1244-40dc-97d1-6a2511d83b6b" providerId="ADAL" clId="{ED25B4B7-1C53-4AC8-A0AD-673D8F6F5461}" dt="2020-12-06T09:39:52.986" v="90"/>
+          <ac:spMkLst>
+            <pc:docMk/>
+            <pc:sldMk cId="2041766854" sldId="266"/>
+            <ac:spMk id="7" creationId="{69C4F443-C1DA-435C-BCC1-181815DDC7DB}"/>
+          </ac:spMkLst>
+        </pc:spChg>
+        <pc:spChg chg="del">
+          <ac:chgData name="Aaron Dinnage" userId="8cb68394-1244-40dc-97d1-6a2511d83b6b" providerId="ADAL" clId="{ED25B4B7-1C53-4AC8-A0AD-673D8F6F5461}" dt="2020-12-06T09:39:48.074" v="89" actId="478"/>
+          <ac:spMkLst>
+            <pc:docMk/>
+            <pc:sldMk cId="2041766854" sldId="266"/>
+            <ac:spMk id="39" creationId="{9243AAE3-2CDF-4AD0-B562-EFC601549DCA}"/>
+          </ac:spMkLst>
+        </pc:spChg>
+        <pc:picChg chg="del">
+          <ac:chgData name="Aaron Dinnage" userId="8cb68394-1244-40dc-97d1-6a2511d83b6b" providerId="ADAL" clId="{ED25B4B7-1C53-4AC8-A0AD-673D8F6F5461}" dt="2020-12-06T09:38:01.809" v="77" actId="478"/>
+          <ac:picMkLst>
+            <pc:docMk/>
+            <pc:sldMk cId="2041766854" sldId="266"/>
+            <ac:picMk id="3" creationId="{95700EEB-8DEE-4140-91A3-D0F1035B4F7B}"/>
+          </ac:picMkLst>
+        </pc:picChg>
+        <pc:picChg chg="add del mod modCrop">
+          <ac:chgData name="Aaron Dinnage" userId="8cb68394-1244-40dc-97d1-6a2511d83b6b" providerId="ADAL" clId="{ED25B4B7-1C53-4AC8-A0AD-673D8F6F5461}" dt="2020-12-06T09:38:53.360" v="85" actId="478"/>
+          <ac:picMkLst>
+            <pc:docMk/>
+            <pc:sldMk cId="2041766854" sldId="266"/>
+            <ac:picMk id="4" creationId="{48C0A479-749C-42F3-91A6-D04AE9FE9CD6}"/>
+          </ac:picMkLst>
+        </pc:picChg>
+        <pc:picChg chg="add mod ord">
+          <ac:chgData name="Aaron Dinnage" userId="8cb68394-1244-40dc-97d1-6a2511d83b6b" providerId="ADAL" clId="{ED25B4B7-1C53-4AC8-A0AD-673D8F6F5461}" dt="2020-12-06T09:39:58.296" v="97" actId="1076"/>
+          <ac:picMkLst>
+            <pc:docMk/>
+            <pc:sldMk cId="2041766854" sldId="266"/>
+            <ac:picMk id="5" creationId="{1A3D8FDE-254B-47FD-B61D-C0E676906DD8}"/>
+          </ac:picMkLst>
+        </pc:picChg>
+      </pc:sldChg>
+      <pc:sldChg chg="addSp delSp modSp mod">
+        <pc:chgData name="Aaron Dinnage" userId="8cb68394-1244-40dc-97d1-6a2511d83b6b" providerId="ADAL" clId="{ED25B4B7-1C53-4AC8-A0AD-673D8F6F5461}" dt="2020-12-06T09:41:08.295" v="122" actId="20577"/>
+        <pc:sldMkLst>
+          <pc:docMk/>
+          <pc:sldMk cId="2245115415" sldId="267"/>
+        </pc:sldMkLst>
+        <pc:spChg chg="mod">
+          <ac:chgData name="Aaron Dinnage" userId="8cb68394-1244-40dc-97d1-6a2511d83b6b" providerId="ADAL" clId="{ED25B4B7-1C53-4AC8-A0AD-673D8F6F5461}" dt="2020-12-06T09:41:08.295" v="122" actId="20577"/>
+          <ac:spMkLst>
+            <pc:docMk/>
+            <pc:sldMk cId="2245115415" sldId="267"/>
+            <ac:spMk id="2" creationId="{67D97FFD-C060-4DB0-B692-9BB5BF1C264A}"/>
+          </ac:spMkLst>
+        </pc:spChg>
+        <pc:picChg chg="add mod">
+          <ac:chgData name="Aaron Dinnage" userId="8cb68394-1244-40dc-97d1-6a2511d83b6b" providerId="ADAL" clId="{ED25B4B7-1C53-4AC8-A0AD-673D8F6F5461}" dt="2020-12-06T09:40:53.218" v="106" actId="1076"/>
+          <ac:picMkLst>
+            <pc:docMk/>
+            <pc:sldMk cId="2245115415" sldId="267"/>
+            <ac:picMk id="4" creationId="{1DEE5889-E7AA-49A3-AFFC-17CFB52E0803}"/>
+          </ac:picMkLst>
+        </pc:picChg>
+        <pc:picChg chg="del">
+          <ac:chgData name="Aaron Dinnage" userId="8cb68394-1244-40dc-97d1-6a2511d83b6b" providerId="ADAL" clId="{ED25B4B7-1C53-4AC8-A0AD-673D8F6F5461}" dt="2020-12-06T09:40:33.434" v="102" actId="478"/>
+          <ac:picMkLst>
+            <pc:docMk/>
+            <pc:sldMk cId="2245115415" sldId="267"/>
+            <ac:picMk id="6" creationId="{569DA7EA-B310-4248-BB58-BA1F748D1A16}"/>
+          </ac:picMkLst>
+        </pc:picChg>
+      </pc:sldChg>
+      <pc:sldChg chg="addSp delSp mod">
+        <pc:chgData name="Aaron Dinnage" userId="8cb68394-1244-40dc-97d1-6a2511d83b6b" providerId="ADAL" clId="{ED25B4B7-1C53-4AC8-A0AD-673D8F6F5461}" dt="2020-12-06T09:40:14.938" v="99"/>
+        <pc:sldMkLst>
+          <pc:docMk/>
+          <pc:sldMk cId="1483979729" sldId="271"/>
+        </pc:sldMkLst>
+        <pc:picChg chg="add">
+          <ac:chgData name="Aaron Dinnage" userId="8cb68394-1244-40dc-97d1-6a2511d83b6b" providerId="ADAL" clId="{ED25B4B7-1C53-4AC8-A0AD-673D8F6F5461}" dt="2020-12-06T09:40:14.938" v="99"/>
+          <ac:picMkLst>
+            <pc:docMk/>
+            <pc:sldMk cId="1483979729" sldId="271"/>
+            <ac:picMk id="3" creationId="{B63577D0-5E42-42DC-811B-6A69F89FE748}"/>
+          </ac:picMkLst>
+        </pc:picChg>
+        <pc:picChg chg="del">
+          <ac:chgData name="Aaron Dinnage" userId="8cb68394-1244-40dc-97d1-6a2511d83b6b" providerId="ADAL" clId="{ED25B4B7-1C53-4AC8-A0AD-673D8F6F5461}" dt="2020-12-06T09:40:06.508" v="98" actId="478"/>
+          <ac:picMkLst>
+            <pc:docMk/>
+            <pc:sldMk cId="1483979729" sldId="271"/>
+            <ac:picMk id="7" creationId="{91AA2AD7-ACCA-4557-9C42-2629CA29CAF4}"/>
+          </ac:picMkLst>
+        </pc:picChg>
+      </pc:sldChg>
+      <pc:sldChg chg="addSp delSp mod">
+        <pc:chgData name="Aaron Dinnage" userId="8cb68394-1244-40dc-97d1-6a2511d83b6b" providerId="ADAL" clId="{ED25B4B7-1C53-4AC8-A0AD-673D8F6F5461}" dt="2020-12-06T09:40:27.481" v="101"/>
+        <pc:sldMkLst>
+          <pc:docMk/>
+          <pc:sldMk cId="1861237408" sldId="272"/>
+        </pc:sldMkLst>
+        <pc:picChg chg="add">
+          <ac:chgData name="Aaron Dinnage" userId="8cb68394-1244-40dc-97d1-6a2511d83b6b" providerId="ADAL" clId="{ED25B4B7-1C53-4AC8-A0AD-673D8F6F5461}" dt="2020-12-06T09:40:27.481" v="101"/>
+          <ac:picMkLst>
+            <pc:docMk/>
+            <pc:sldMk cId="1861237408" sldId="272"/>
+            <ac:picMk id="3" creationId="{7D628F2D-1F73-4E22-ADA1-03984CC11C94}"/>
+          </ac:picMkLst>
+        </pc:picChg>
+        <pc:picChg chg="del">
+          <ac:chgData name="Aaron Dinnage" userId="8cb68394-1244-40dc-97d1-6a2511d83b6b" providerId="ADAL" clId="{ED25B4B7-1C53-4AC8-A0AD-673D8F6F5461}" dt="2020-12-06T09:40:19.465" v="100" actId="478"/>
+          <ac:picMkLst>
+            <pc:docMk/>
+            <pc:sldMk cId="1861237408" sldId="272"/>
+            <ac:picMk id="4" creationId="{A818503F-893C-4B30-900D-EA31DC9B247B}"/>
+          </ac:picMkLst>
+        </pc:picChg>
+      </pc:sldChg>
+      <pc:sldChg chg="modSp add mod">
+        <pc:chgData name="Aaron Dinnage" userId="8cb68394-1244-40dc-97d1-6a2511d83b6b" providerId="ADAL" clId="{ED25B4B7-1C53-4AC8-A0AD-673D8F6F5461}" dt="2020-12-06T09:36:31.038" v="39" actId="20577"/>
+        <pc:sldMkLst>
+          <pc:docMk/>
+          <pc:sldMk cId="851380115" sldId="273"/>
+        </pc:sldMkLst>
+        <pc:spChg chg="mod">
+          <ac:chgData name="Aaron Dinnage" userId="8cb68394-1244-40dc-97d1-6a2511d83b6b" providerId="ADAL" clId="{ED25B4B7-1C53-4AC8-A0AD-673D8F6F5461}" dt="2020-12-06T09:36:31.038" v="39" actId="20577"/>
+          <ac:spMkLst>
+            <pc:docMk/>
+            <pc:sldMk cId="851380115" sldId="273"/>
+            <ac:spMk id="3" creationId="{9CB082E7-7EDA-4A5C-9875-AE1731E9ECAD}"/>
+          </ac:spMkLst>
+        </pc:spChg>
+        <pc:spChg chg="mod">
+          <ac:chgData name="Aaron Dinnage" userId="8cb68394-1244-40dc-97d1-6a2511d83b6b" providerId="ADAL" clId="{ED25B4B7-1C53-4AC8-A0AD-673D8F6F5461}" dt="2020-12-06T09:36:04.497" v="27" actId="1076"/>
+          <ac:spMkLst>
+            <pc:docMk/>
+            <pc:sldMk cId="851380115" sldId="273"/>
+            <ac:spMk id="4" creationId="{30DF9CE2-C0D2-4560-936D-D9112B0B9BFA}"/>
+          </ac:spMkLst>
+        </pc:spChg>
+      </pc:sldChg>
+      <pc:sldChg chg="add ord">
+        <pc:chgData name="Aaron Dinnage" userId="8cb68394-1244-40dc-97d1-6a2511d83b6b" providerId="ADAL" clId="{ED25B4B7-1C53-4AC8-A0AD-673D8F6F5461}" dt="2020-12-06T09:36:57.235" v="42"/>
+        <pc:sldMkLst>
+          <pc:docMk/>
+          <pc:sldMk cId="3737083648" sldId="277"/>
+        </pc:sldMkLst>
+      </pc:sldChg>
+    </pc:docChg>
+  </pc:docChgLst>
+</pc:chgInfo>
 </file>
 
 <file path=ppt/notesMasters/notesMaster1.xml><?xml version="1.0" encoding="utf-8"?>
@@ -224,7 +440,7 @@
           <a:p>
             <a:fld id="{5501C88C-2D47-4607-965A-262E2CFCF213}" type="datetimeFigureOut">
               <a:rPr lang="en-AU" smtClean="0"/>
-              <a:t>17/05/2020</a:t>
+              <a:t>6/12/2020</a:t>
             </a:fld>
             <a:endParaRPr lang="en-AU"/>
           </a:p>
@@ -994,7 +1210,7 @@
           <a:p>
             <a:fld id="{5A8F0079-C155-4963-BA90-8B06FFA7587C}" type="datetimeFigureOut">
               <a:rPr lang="en-AU" smtClean="0"/>
-              <a:t>17/05/2020</a:t>
+              <a:t>6/12/2020</a:t>
             </a:fld>
             <a:endParaRPr lang="en-AU"/>
           </a:p>
@@ -1194,7 +1410,7 @@
           <a:p>
             <a:fld id="{5A8F0079-C155-4963-BA90-8B06FFA7587C}" type="datetimeFigureOut">
               <a:rPr lang="en-AU" smtClean="0"/>
-              <a:t>17/05/2020</a:t>
+              <a:t>6/12/2020</a:t>
             </a:fld>
             <a:endParaRPr lang="en-AU"/>
           </a:p>
@@ -1404,7 +1620,7 @@
           <a:p>
             <a:fld id="{5A8F0079-C155-4963-BA90-8B06FFA7587C}" type="datetimeFigureOut">
               <a:rPr lang="en-AU" smtClean="0"/>
-              <a:t>17/05/2020</a:t>
+              <a:t>6/12/2020</a:t>
             </a:fld>
             <a:endParaRPr lang="en-AU"/>
           </a:p>
@@ -1604,7 +1820,7 @@
           <a:p>
             <a:fld id="{5A8F0079-C155-4963-BA90-8B06FFA7587C}" type="datetimeFigureOut">
               <a:rPr lang="en-AU" smtClean="0"/>
-              <a:t>17/05/2020</a:t>
+              <a:t>6/12/2020</a:t>
             </a:fld>
             <a:endParaRPr lang="en-AU"/>
           </a:p>
@@ -1880,7 +2096,7 @@
           <a:p>
             <a:fld id="{5A8F0079-C155-4963-BA90-8B06FFA7587C}" type="datetimeFigureOut">
               <a:rPr lang="en-AU" smtClean="0"/>
-              <a:t>17/05/2020</a:t>
+              <a:t>6/12/2020</a:t>
             </a:fld>
             <a:endParaRPr lang="en-AU"/>
           </a:p>
@@ -2148,7 +2364,7 @@
           <a:p>
             <a:fld id="{5A8F0079-C155-4963-BA90-8B06FFA7587C}" type="datetimeFigureOut">
               <a:rPr lang="en-AU" smtClean="0"/>
-              <a:t>17/05/2020</a:t>
+              <a:t>6/12/2020</a:t>
             </a:fld>
             <a:endParaRPr lang="en-AU"/>
           </a:p>
@@ -2563,7 +2779,7 @@
           <a:p>
             <a:fld id="{5A8F0079-C155-4963-BA90-8B06FFA7587C}" type="datetimeFigureOut">
               <a:rPr lang="en-AU" smtClean="0"/>
-              <a:t>17/05/2020</a:t>
+              <a:t>6/12/2020</a:t>
             </a:fld>
             <a:endParaRPr lang="en-AU"/>
           </a:p>
@@ -2705,7 +2921,7 @@
           <a:p>
             <a:fld id="{5A8F0079-C155-4963-BA90-8B06FFA7587C}" type="datetimeFigureOut">
               <a:rPr lang="en-AU" smtClean="0"/>
-              <a:t>17/05/2020</a:t>
+              <a:t>6/12/2020</a:t>
             </a:fld>
             <a:endParaRPr lang="en-AU"/>
           </a:p>
@@ -2818,7 +3034,7 @@
           <a:p>
             <a:fld id="{5A8F0079-C155-4963-BA90-8B06FFA7587C}" type="datetimeFigureOut">
               <a:rPr lang="en-AU" smtClean="0"/>
-              <a:t>17/05/2020</a:t>
+              <a:t>6/12/2020</a:t>
             </a:fld>
             <a:endParaRPr lang="en-AU"/>
           </a:p>
@@ -3131,7 +3347,7 @@
           <a:p>
             <a:fld id="{5A8F0079-C155-4963-BA90-8B06FFA7587C}" type="datetimeFigureOut">
               <a:rPr lang="en-AU" smtClean="0"/>
-              <a:t>17/05/2020</a:t>
+              <a:t>6/12/2020</a:t>
             </a:fld>
             <a:endParaRPr lang="en-AU"/>
           </a:p>
@@ -3420,7 +3636,7 @@
           <a:p>
             <a:fld id="{5A8F0079-C155-4963-BA90-8B06FFA7587C}" type="datetimeFigureOut">
               <a:rPr lang="en-AU" smtClean="0"/>
-              <a:t>17/05/2020</a:t>
+              <a:t>6/12/2020</a:t>
             </a:fld>
             <a:endParaRPr lang="en-AU"/>
           </a:p>
@@ -3663,7 +3879,7 @@
           <a:p>
             <a:fld id="{5A8F0079-C155-4963-BA90-8B06FFA7587C}" type="datetimeFigureOut">
               <a:rPr lang="en-AU" smtClean="0"/>
-              <a:t>17/05/2020</a:t>
+              <a:t>6/12/2020</a:t>
             </a:fld>
             <a:endParaRPr lang="en-AU"/>
           </a:p>
@@ -4085,7 +4301,7 @@
           <p:cNvPr id="2" name="Title 1">
             <a:extLst>
               <a:ext uri="{FF2B5EF4-FFF2-40B4-BE49-F238E27FC236}">
-                <a16:creationId xmlns:a16="http://schemas.microsoft.com/office/drawing/2014/main" id="{325799C0-BD21-4F22-A453-D16514A3CF66}"/>
+                <a16:creationId xmlns:a16="http://schemas.microsoft.com/office/drawing/2014/main" id="{021BCAC8-8A50-4EAD-BB2A-B8DC7598CFFA}"/>
               </a:ext>
             </a:extLst>
           </p:cNvPr>
@@ -4113,7 +4329,7 @@
           <p:cNvPr id="3" name="Subtitle 2">
             <a:extLst>
               <a:ext uri="{FF2B5EF4-FFF2-40B4-BE49-F238E27FC236}">
-                <a16:creationId xmlns:a16="http://schemas.microsoft.com/office/drawing/2014/main" id="{70473A01-3EA4-4990-8E8B-F325477388E6}"/>
+                <a16:creationId xmlns:a16="http://schemas.microsoft.com/office/drawing/2014/main" id="{9CB082E7-7EDA-4A5C-9875-AE1731E9ECAD}"/>
               </a:ext>
             </a:extLst>
           </p:cNvPr>
@@ -4124,43 +4340,136 @@
             <p:ph type="subTitle" idx="1"/>
           </p:nvPr>
         </p:nvSpPr>
-        <p:spPr/>
-        <p:txBody>
-          <a:bodyPr/>
+        <p:spPr>
+          <a:xfrm>
+            <a:off x="1524000" y="3602038"/>
+            <a:ext cx="9144000" cy="1377515"/>
+          </a:xfrm>
+        </p:spPr>
+        <p:txBody>
+          <a:bodyPr>
+            <a:normAutofit/>
+          </a:bodyPr>
           <a:lstStyle/>
           <a:p>
             <a:r>
               <a:rPr lang="en-AU" dirty="0"/>
-              <a:t>License Map – May 2020</a:t>
-            </a:r>
-          </a:p>
-          <a:p>
-            <a:r>
-              <a:rPr lang="en-AU" sz="1800" dirty="0">
-                <a:hlinkClick r:id="rId2"/>
+              <a:t>Licensing overview</a:t>
+            </a:r>
+          </a:p>
+          <a:p>
+            <a:r>
+              <a:rPr lang="en-AU" dirty="0"/>
+              <a:t>December 2020</a:t>
+            </a:r>
+          </a:p>
+        </p:txBody>
+      </p:sp>
+      <p:sp>
+        <p:nvSpPr>
+          <p:cNvPr id="4" name="Link">
+            <a:extLst>
+              <a:ext uri="{FF2B5EF4-FFF2-40B4-BE49-F238E27FC236}">
+                <a16:creationId xmlns:a16="http://schemas.microsoft.com/office/drawing/2014/main" id="{30DF9CE2-C0D2-4560-936D-D9112B0B9BFA}"/>
+              </a:ext>
+            </a:extLst>
+          </p:cNvPr>
+          <p:cNvSpPr txBox="1"/>
+          <p:nvPr/>
+        </p:nvSpPr>
+        <p:spPr>
+          <a:xfrm>
+            <a:off x="4187474" y="4979553"/>
+            <a:ext cx="3817052" cy="556494"/>
+          </a:xfrm>
+          <a:prstGeom prst="rect">
+            <a:avLst/>
+          </a:prstGeom>
+          <a:noFill/>
+        </p:spPr>
+        <p:txBody>
+          <a:bodyPr wrap="none" lIns="72000" tIns="0" rIns="72000" bIns="36000" rtlCol="0">
+            <a:spAutoFit/>
+          </a:bodyPr>
+          <a:lstStyle/>
+          <a:p>
+            <a:pPr algn="ctr">
+              <a:lnSpc>
+                <a:spcPct val="90000"/>
+              </a:lnSpc>
+              <a:spcAft>
+                <a:spcPts val="600"/>
+              </a:spcAft>
+            </a:pPr>
+            <a:r>
+              <a:rPr lang="en-AU" sz="1600" dirty="0">
+                <a:solidFill>
+                  <a:schemeClr val="bg1">
+                    <a:lumMod val="50000"/>
+                  </a:schemeClr>
+                </a:solidFill>
               </a:rPr>
-              <a:t>@</a:t>
-            </a:r>
-            <a:r>
-              <a:rPr lang="en-AU" sz="1800" dirty="0" err="1">
-                <a:hlinkClick r:id="rId2"/>
+              <a:t>Latest diagrams available here:</a:t>
+            </a:r>
+          </a:p>
+          <a:p>
+            <a:pPr algn="ctr">
+              <a:lnSpc>
+                <a:spcPct val="90000"/>
+              </a:lnSpc>
+              <a:spcAft>
+                <a:spcPts val="600"/>
+              </a:spcAft>
+            </a:pPr>
+            <a:r>
+              <a:rPr lang="en-AU" sz="1600" dirty="0">
+                <a:solidFill>
+                  <a:schemeClr val="bg1">
+                    <a:lumMod val="50000"/>
+                  </a:schemeClr>
+                </a:solidFill>
+                <a:hlinkClick r:id="rId2">
+                  <a:extLst>
+                    <a:ext uri="{A12FA001-AC4F-418D-AE19-62706E023703}">
+                      <ahyp:hlinkClr xmlns:ahyp="http://schemas.microsoft.com/office/drawing/2018/hyperlinkcolor" val="tx"/>
+                    </a:ext>
+                  </a:extLst>
+                </a:hlinkClick>
               </a:rPr>
-              <a:t>AaronDinnage</a:t>
-            </a:r>
-            <a:endParaRPr lang="en-AU" dirty="0"/>
+              <a:t>https://github.com/AaronDinnage/Licensing</a:t>
+            </a:r>
+            <a:endParaRPr lang="en-AU" sz="1600" dirty="0">
+              <a:solidFill>
+                <a:schemeClr val="bg1">
+                  <a:lumMod val="50000"/>
+                </a:schemeClr>
+              </a:solidFill>
+            </a:endParaRPr>
           </a:p>
         </p:txBody>
       </p:sp>
     </p:spTree>
     <p:extLst>
       <p:ext uri="{BB962C8B-B14F-4D97-AF65-F5344CB8AC3E}">
-        <p14:creationId xmlns:p14="http://schemas.microsoft.com/office/powerpoint/2010/main" val="2896464772"/>
+        <p14:creationId xmlns:p14="http://schemas.microsoft.com/office/powerpoint/2010/main" val="851380115"/>
       </p:ext>
     </p:extLst>
   </p:cSld>
   <p:clrMapOvr>
     <a:masterClrMapping/>
   </p:clrMapOvr>
+  <mc:AlternateContent xmlns:mc="http://schemas.openxmlformats.org/markup-compatibility/2006" xmlns:p14="http://schemas.microsoft.com/office/powerpoint/2010/main">
+    <mc:Choice Requires="p14">
+      <p:transition spd="med" p14:dur="700">
+        <p:fade/>
+      </p:transition>
+    </mc:Choice>
+    <mc:Fallback xmlns="">
+      <p:transition spd="med">
+        <p:fade/>
+      </p:transition>
+    </mc:Fallback>
+  </mc:AlternateContent>
 </p:sld>
 </file>
 
@@ -4183,7 +4492,7 @@
       </p:grpSpPr>
       <p:sp>
         <p:nvSpPr>
-          <p:cNvPr id="2" name="TextBox 1">
+          <p:cNvPr id="2" name="Link">
             <a:extLst>
               <a:ext uri="{FF2B5EF4-FFF2-40B4-BE49-F238E27FC236}">
                 <a16:creationId xmlns:a16="http://schemas.microsoft.com/office/drawing/2014/main" id="{2BC34E5F-F4C8-49DF-A245-16AB6D25318D}"/>
@@ -4256,10 +4565,10 @@
       </p:sp>
       <p:pic>
         <p:nvPicPr>
-          <p:cNvPr id="5" name="Picture 4" descr="Microsoft 365 E3">
-            <a:extLst>
-              <a:ext uri="{FF2B5EF4-FFF2-40B4-BE49-F238E27FC236}">
-                <a16:creationId xmlns:a16="http://schemas.microsoft.com/office/drawing/2014/main" id="{026AF917-DF41-49A8-AF0F-5F064B455232}"/>
+          <p:cNvPr id="6" name="Picture 5">
+            <a:extLst>
+              <a:ext uri="{FF2B5EF4-FFF2-40B4-BE49-F238E27FC236}">
+                <a16:creationId xmlns:a16="http://schemas.microsoft.com/office/drawing/2014/main" id="{689B9B48-51C7-45C5-A4E1-408F3297D630}"/>
               </a:ext>
             </a:extLst>
           </p:cNvPr>
@@ -4269,21 +4578,15 @@
           <p:nvPr/>
         </p:nvPicPr>
         <p:blipFill>
-          <a:blip r:embed="rId4">
-            <a:extLst>
-              <a:ext uri="{28A0092B-C50C-407E-A947-70E740481C1C}">
-                <a14:useLocalDpi xmlns:a14="http://schemas.microsoft.com/office/drawing/2010/main" val="0"/>
-              </a:ext>
-            </a:extLst>
-          </a:blip>
+          <a:blip r:embed="rId4"/>
           <a:stretch>
             <a:fillRect/>
           </a:stretch>
         </p:blipFill>
         <p:spPr>
           <a:xfrm>
-            <a:off x="0" y="347900"/>
-            <a:ext cx="12192000" cy="6162199"/>
+            <a:off x="0" y="593964"/>
+            <a:ext cx="12192000" cy="5670072"/>
           </a:xfrm>
           <a:prstGeom prst="rect">
             <a:avLst/>
@@ -4332,12 +4635,42 @@
           <a:chExt cx="0" cy="0"/>
         </a:xfrm>
       </p:grpSpPr>
-      <p:sp>
-        <p:nvSpPr>
-          <p:cNvPr id="39" name="TextBox 38">
-            <a:extLst>
-              <a:ext uri="{FF2B5EF4-FFF2-40B4-BE49-F238E27FC236}">
-                <a16:creationId xmlns:a16="http://schemas.microsoft.com/office/drawing/2014/main" id="{9243AAE3-2CDF-4AD0-B562-EFC601549DCA}"/>
+      <p:pic>
+        <p:nvPicPr>
+          <p:cNvPr id="5" name="Picture 4">
+            <a:extLst>
+              <a:ext uri="{FF2B5EF4-FFF2-40B4-BE49-F238E27FC236}">
+                <a16:creationId xmlns:a16="http://schemas.microsoft.com/office/drawing/2014/main" id="{1A3D8FDE-254B-47FD-B61D-C0E676906DD8}"/>
+              </a:ext>
+            </a:extLst>
+          </p:cNvPr>
+          <p:cNvPicPr>
+            <a:picLocks noChangeAspect="1"/>
+          </p:cNvPicPr>
+          <p:nvPr/>
+        </p:nvPicPr>
+        <p:blipFill>
+          <a:blip r:embed="rId3"/>
+          <a:stretch>
+            <a:fillRect/>
+          </a:stretch>
+        </p:blipFill>
+        <p:spPr>
+          <a:xfrm>
+            <a:off x="0" y="2611"/>
+            <a:ext cx="12192000" cy="6694388"/>
+          </a:xfrm>
+          <a:prstGeom prst="rect">
+            <a:avLst/>
+          </a:prstGeom>
+        </p:spPr>
+      </p:pic>
+      <p:sp>
+        <p:nvSpPr>
+          <p:cNvPr id="7" name="Link">
+            <a:extLst>
+              <a:ext uri="{FF2B5EF4-FFF2-40B4-BE49-F238E27FC236}">
+                <a16:creationId xmlns:a16="http://schemas.microsoft.com/office/drawing/2014/main" id="{69C4F443-C1DA-435C-BCC1-181815DDC7DB}"/>
               </a:ext>
             </a:extLst>
           </p:cNvPr>
@@ -4345,8 +4678,8 @@
           <p:nvPr/>
         </p:nvSpPr>
         <p:spPr>
-          <a:xfrm rot="16200000">
-            <a:off x="10118399" y="4784399"/>
+          <a:xfrm>
+            <a:off x="8207702" y="6696999"/>
             <a:ext cx="3986201" cy="161001"/>
           </a:xfrm>
           <a:prstGeom prst="rect">
@@ -4385,7 +4718,7 @@
                     <a:lumMod val="50000"/>
                   </a:schemeClr>
                 </a:solidFill>
-                <a:hlinkClick r:id="rId3">
+                <a:hlinkClick r:id="rId4">
                   <a:extLst>
                     <a:ext uri="{A12FA001-AC4F-418D-AE19-62706E023703}">
                       <ahyp:hlinkClr xmlns:ahyp="http://schemas.microsoft.com/office/drawing/2018/hyperlinkcolor" val="tx"/>
@@ -4405,42 +4738,6 @@
           </a:p>
         </p:txBody>
       </p:sp>
-      <p:pic>
-        <p:nvPicPr>
-          <p:cNvPr id="3" name="Picture 2" descr="Microsoft 365 E5">
-            <a:extLst>
-              <a:ext uri="{FF2B5EF4-FFF2-40B4-BE49-F238E27FC236}">
-                <a16:creationId xmlns:a16="http://schemas.microsoft.com/office/drawing/2014/main" id="{95700EEB-8DEE-4140-91A3-D0F1035B4F7B}"/>
-              </a:ext>
-            </a:extLst>
-          </p:cNvPr>
-          <p:cNvPicPr>
-            <a:picLocks noChangeAspect="1"/>
-          </p:cNvPicPr>
-          <p:nvPr/>
-        </p:nvPicPr>
-        <p:blipFill>
-          <a:blip r:embed="rId4">
-            <a:extLst>
-              <a:ext uri="{28A0092B-C50C-407E-A947-70E740481C1C}">
-                <a14:useLocalDpi xmlns:a14="http://schemas.microsoft.com/office/drawing/2010/main" val="0"/>
-              </a:ext>
-            </a:extLst>
-          </a:blip>
-          <a:stretch>
-            <a:fillRect/>
-          </a:stretch>
-        </p:blipFill>
-        <p:spPr>
-          <a:xfrm>
-            <a:off x="514040" y="0"/>
-            <a:ext cx="11163920" cy="6858000"/>
-          </a:xfrm>
-          <a:prstGeom prst="rect">
-            <a:avLst/>
-          </a:prstGeom>
-        </p:spPr>
-      </p:pic>
     </p:spTree>
     <p:extLst>
       <p:ext uri="{BB962C8B-B14F-4D97-AF65-F5344CB8AC3E}">
@@ -4485,7 +4782,7 @@
       </p:grpSpPr>
       <p:sp>
         <p:nvSpPr>
-          <p:cNvPr id="2" name="TextBox 1">
+          <p:cNvPr id="2" name="Link">
             <a:extLst>
               <a:ext uri="{FF2B5EF4-FFF2-40B4-BE49-F238E27FC236}">
                 <a16:creationId xmlns:a16="http://schemas.microsoft.com/office/drawing/2014/main" id="{2BC34E5F-F4C8-49DF-A245-16AB6D25318D}"/>
@@ -4558,10 +4855,10 @@
       </p:sp>
       <p:pic>
         <p:nvPicPr>
-          <p:cNvPr id="7" name="Picture 6" descr="Microsoft 365 F1">
-            <a:extLst>
-              <a:ext uri="{FF2B5EF4-FFF2-40B4-BE49-F238E27FC236}">
-                <a16:creationId xmlns:a16="http://schemas.microsoft.com/office/drawing/2014/main" id="{91AA2AD7-ACCA-4557-9C42-2629CA29CAF4}"/>
+          <p:cNvPr id="3" name="Picture 2">
+            <a:extLst>
+              <a:ext uri="{FF2B5EF4-FFF2-40B4-BE49-F238E27FC236}">
+                <a16:creationId xmlns:a16="http://schemas.microsoft.com/office/drawing/2014/main" id="{B63577D0-5E42-42DC-811B-6A69F89FE748}"/>
               </a:ext>
             </a:extLst>
           </p:cNvPr>
@@ -4571,21 +4868,15 @@
           <p:nvPr/>
         </p:nvPicPr>
         <p:blipFill>
-          <a:blip r:embed="rId4">
-            <a:extLst>
-              <a:ext uri="{28A0092B-C50C-407E-A947-70E740481C1C}">
-                <a14:useLocalDpi xmlns:a14="http://schemas.microsoft.com/office/drawing/2010/main" val="0"/>
-              </a:ext>
-            </a:extLst>
-          </a:blip>
+          <a:blip r:embed="rId4"/>
           <a:stretch>
             <a:fillRect/>
           </a:stretch>
         </p:blipFill>
         <p:spPr>
           <a:xfrm>
-            <a:off x="0" y="347901"/>
-            <a:ext cx="12192000" cy="6162199"/>
+            <a:off x="0" y="343911"/>
+            <a:ext cx="12192000" cy="6170177"/>
           </a:xfrm>
           <a:prstGeom prst="rect">
             <a:avLst/>
@@ -4636,7 +4927,7 @@
       </p:grpSpPr>
       <p:sp>
         <p:nvSpPr>
-          <p:cNvPr id="2" name="TextBox 1">
+          <p:cNvPr id="2" name="Link">
             <a:extLst>
               <a:ext uri="{FF2B5EF4-FFF2-40B4-BE49-F238E27FC236}">
                 <a16:creationId xmlns:a16="http://schemas.microsoft.com/office/drawing/2014/main" id="{2BC34E5F-F4C8-49DF-A245-16AB6D25318D}"/>
@@ -4709,10 +5000,10 @@
       </p:sp>
       <p:pic>
         <p:nvPicPr>
-          <p:cNvPr id="4" name="Picture 3" descr="Microsoft 365 F3">
-            <a:extLst>
-              <a:ext uri="{FF2B5EF4-FFF2-40B4-BE49-F238E27FC236}">
-                <a16:creationId xmlns:a16="http://schemas.microsoft.com/office/drawing/2014/main" id="{A818503F-893C-4B30-900D-EA31DC9B247B}"/>
+          <p:cNvPr id="3" name="Picture 2">
+            <a:extLst>
+              <a:ext uri="{FF2B5EF4-FFF2-40B4-BE49-F238E27FC236}">
+                <a16:creationId xmlns:a16="http://schemas.microsoft.com/office/drawing/2014/main" id="{7D628F2D-1F73-4E22-ADA1-03984CC11C94}"/>
               </a:ext>
             </a:extLst>
           </p:cNvPr>
@@ -4722,21 +5013,15 @@
           <p:nvPr/>
         </p:nvPicPr>
         <p:blipFill>
-          <a:blip r:embed="rId4">
-            <a:extLst>
-              <a:ext uri="{28A0092B-C50C-407E-A947-70E740481C1C}">
-                <a14:useLocalDpi xmlns:a14="http://schemas.microsoft.com/office/drawing/2010/main" val="0"/>
-              </a:ext>
-            </a:extLst>
-          </a:blip>
+          <a:blip r:embed="rId4"/>
           <a:stretch>
             <a:fillRect/>
           </a:stretch>
         </p:blipFill>
         <p:spPr>
           <a:xfrm>
-            <a:off x="0" y="347900"/>
-            <a:ext cx="12192000" cy="6162199"/>
+            <a:off x="0" y="495328"/>
+            <a:ext cx="12192000" cy="5867344"/>
           </a:xfrm>
           <a:prstGeom prst="rect">
             <a:avLst/>
@@ -4787,47 +5072,80 @@
       </p:grpSpPr>
       <p:sp>
         <p:nvSpPr>
-          <p:cNvPr id="2" name="Title 1">
-            <a:extLst>
-              <a:ext uri="{FF2B5EF4-FFF2-40B4-BE49-F238E27FC236}">
-                <a16:creationId xmlns:a16="http://schemas.microsoft.com/office/drawing/2014/main" id="{67D97FFD-C060-4DB0-B692-9BB5BF1C264A}"/>
-              </a:ext>
-            </a:extLst>
-          </p:cNvPr>
-          <p:cNvSpPr>
-            <a:spLocks noGrp="1"/>
-          </p:cNvSpPr>
-          <p:nvPr>
-            <p:ph type="title"/>
-          </p:nvPr>
+          <p:cNvPr id="8" name="Link">
+            <a:extLst>
+              <a:ext uri="{FF2B5EF4-FFF2-40B4-BE49-F238E27FC236}">
+                <a16:creationId xmlns:a16="http://schemas.microsoft.com/office/drawing/2014/main" id="{98EE8C32-6091-4EEB-98D4-3E7049F8023A}"/>
+              </a:ext>
+            </a:extLst>
+          </p:cNvPr>
+          <p:cNvSpPr txBox="1"/>
+          <p:nvPr/>
         </p:nvSpPr>
         <p:spPr>
           <a:xfrm>
-            <a:off x="838200" y="365125"/>
-            <a:ext cx="7043228" cy="1325563"/>
+            <a:off x="8207702" y="6696999"/>
+            <a:ext cx="3986201" cy="161001"/>
           </a:xfrm>
+          <a:prstGeom prst="rect">
+            <a:avLst/>
+          </a:prstGeom>
+          <a:noFill/>
         </p:spPr>
         <p:txBody>
-          <a:bodyPr/>
-          <a:lstStyle/>
-          <a:p>
-            <a:r>
-              <a:rPr lang="en-AU" dirty="0"/>
-              <a:t>Microsoft 365 Benefits</a:t>
-            </a:r>
-            <a:br>
-              <a:rPr lang="en-AU" dirty="0"/>
-            </a:br>
-            <a:r>
-              <a:rPr lang="en-AU" dirty="0"/>
-              <a:t>and Additional Licensing</a:t>
-            </a:r>
+          <a:bodyPr wrap="none" lIns="72000" tIns="0" rIns="72000" bIns="36000" rtlCol="0">
+            <a:spAutoFit/>
+          </a:bodyPr>
+          <a:lstStyle/>
+          <a:p>
+            <a:pPr>
+              <a:lnSpc>
+                <a:spcPct val="90000"/>
+              </a:lnSpc>
+              <a:spcAft>
+                <a:spcPts val="600"/>
+              </a:spcAft>
+            </a:pPr>
+            <a:r>
+              <a:rPr lang="en-AU" sz="900" dirty="0">
+                <a:solidFill>
+                  <a:schemeClr val="bg1">
+                    <a:lumMod val="50000"/>
+                  </a:schemeClr>
+                </a:solidFill>
+              </a:rPr>
+              <a:t>Latest diagrams available here: </a:t>
+            </a:r>
+            <a:r>
+              <a:rPr lang="en-AU" sz="900" dirty="0">
+                <a:solidFill>
+                  <a:schemeClr val="bg1">
+                    <a:lumMod val="50000"/>
+                  </a:schemeClr>
+                </a:solidFill>
+                <a:hlinkClick r:id="rId2">
+                  <a:extLst>
+                    <a:ext uri="{A12FA001-AC4F-418D-AE19-62706E023703}">
+                      <ahyp:hlinkClr xmlns:ahyp="http://schemas.microsoft.com/office/drawing/2018/hyperlinkcolor" val="tx"/>
+                    </a:ext>
+                  </a:extLst>
+                </a:hlinkClick>
+              </a:rPr>
+              <a:t>https://github.com/AaronDinnage/Licensing</a:t>
+            </a:r>
+            <a:endParaRPr lang="en-AU" sz="900" dirty="0">
+              <a:solidFill>
+                <a:schemeClr val="bg1">
+                  <a:lumMod val="50000"/>
+                </a:schemeClr>
+              </a:solidFill>
+            </a:endParaRPr>
           </a:p>
         </p:txBody>
       </p:sp>
       <p:pic>
         <p:nvPicPr>
-          <p:cNvPr id="3" name="Picture 2" descr="Enterprise Benefits">
+          <p:cNvPr id="3" name="Enterprise Benefits" descr="Enterprise Benefits">
             <a:extLst>
               <a:ext uri="{FF2B5EF4-FFF2-40B4-BE49-F238E27FC236}">
                 <a16:creationId xmlns:a16="http://schemas.microsoft.com/office/drawing/2014/main" id="{06BB443D-ABDE-445E-9EED-FB7ACB7C6B0B}"/>
@@ -4840,7 +5158,7 @@
           <p:nvPr/>
         </p:nvPicPr>
         <p:blipFill>
-          <a:blip r:embed="rId2"/>
+          <a:blip r:embed="rId3"/>
           <a:stretch>
             <a:fillRect/>
           </a:stretch>
@@ -4855,12 +5173,52 @@
           </a:prstGeom>
         </p:spPr>
       </p:pic>
+      <p:sp>
+        <p:nvSpPr>
+          <p:cNvPr id="2" name="Title">
+            <a:extLst>
+              <a:ext uri="{FF2B5EF4-FFF2-40B4-BE49-F238E27FC236}">
+                <a16:creationId xmlns:a16="http://schemas.microsoft.com/office/drawing/2014/main" id="{67D97FFD-C060-4DB0-B692-9BB5BF1C264A}"/>
+              </a:ext>
+            </a:extLst>
+          </p:cNvPr>
+          <p:cNvSpPr>
+            <a:spLocks noGrp="1"/>
+          </p:cNvSpPr>
+          <p:nvPr>
+            <p:ph type="title"/>
+          </p:nvPr>
+        </p:nvSpPr>
+        <p:spPr>
+          <a:xfrm>
+            <a:off x="838200" y="365125"/>
+            <a:ext cx="7043228" cy="1325563"/>
+          </a:xfrm>
+        </p:spPr>
+        <p:txBody>
+          <a:bodyPr/>
+          <a:lstStyle/>
+          <a:p>
+            <a:r>
+              <a:rPr lang="en-AU" dirty="0"/>
+              <a:t>Microsoft 365 Benefits</a:t>
+            </a:r>
+            <a:br>
+              <a:rPr lang="en-AU" dirty="0"/>
+            </a:br>
+            <a:r>
+              <a:rPr lang="en-AU" dirty="0"/>
+              <a:t>and Related Services</a:t>
+            </a:r>
+          </a:p>
+        </p:txBody>
+      </p:sp>
       <p:pic>
         <p:nvPicPr>
-          <p:cNvPr id="6" name="Picture 5" descr="Additional Licensing">
-            <a:extLst>
-              <a:ext uri="{FF2B5EF4-FFF2-40B4-BE49-F238E27FC236}">
-                <a16:creationId xmlns:a16="http://schemas.microsoft.com/office/drawing/2014/main" id="{569DA7EA-B310-4248-BB58-BA1F748D1A16}"/>
+          <p:cNvPr id="4" name="Picture 3">
+            <a:extLst>
+              <a:ext uri="{FF2B5EF4-FFF2-40B4-BE49-F238E27FC236}">
+                <a16:creationId xmlns:a16="http://schemas.microsoft.com/office/drawing/2014/main" id="{1DEE5889-E7AA-49A3-AFFC-17CFB52E0803}"/>
               </a:ext>
             </a:extLst>
           </p:cNvPr>
@@ -4870,94 +5228,21 @@
           <p:nvPr/>
         </p:nvPicPr>
         <p:blipFill>
-          <a:blip r:embed="rId3"/>
+          <a:blip r:embed="rId4"/>
           <a:stretch>
             <a:fillRect/>
           </a:stretch>
         </p:blipFill>
         <p:spPr>
           <a:xfrm>
-            <a:off x="8062996" y="365124"/>
-            <a:ext cx="2443971" cy="6127751"/>
+            <a:off x="8207702" y="365124"/>
+            <a:ext cx="2630328" cy="6127751"/>
           </a:xfrm>
           <a:prstGeom prst="rect">
             <a:avLst/>
           </a:prstGeom>
         </p:spPr>
       </p:pic>
-      <p:sp>
-        <p:nvSpPr>
-          <p:cNvPr id="8" name="TextBox 7">
-            <a:extLst>
-              <a:ext uri="{FF2B5EF4-FFF2-40B4-BE49-F238E27FC236}">
-                <a16:creationId xmlns:a16="http://schemas.microsoft.com/office/drawing/2014/main" id="{98EE8C32-6091-4EEB-98D4-3E7049F8023A}"/>
-              </a:ext>
-            </a:extLst>
-          </p:cNvPr>
-          <p:cNvSpPr txBox="1"/>
-          <p:nvPr/>
-        </p:nvSpPr>
-        <p:spPr>
-          <a:xfrm>
-            <a:off x="8207702" y="6696999"/>
-            <a:ext cx="3986201" cy="161001"/>
-          </a:xfrm>
-          <a:prstGeom prst="rect">
-            <a:avLst/>
-          </a:prstGeom>
-          <a:noFill/>
-        </p:spPr>
-        <p:txBody>
-          <a:bodyPr wrap="none" lIns="72000" tIns="0" rIns="72000" bIns="36000" rtlCol="0">
-            <a:spAutoFit/>
-          </a:bodyPr>
-          <a:lstStyle/>
-          <a:p>
-            <a:pPr>
-              <a:lnSpc>
-                <a:spcPct val="90000"/>
-              </a:lnSpc>
-              <a:spcAft>
-                <a:spcPts val="600"/>
-              </a:spcAft>
-            </a:pPr>
-            <a:r>
-              <a:rPr lang="en-AU" sz="900" dirty="0">
-                <a:solidFill>
-                  <a:schemeClr val="bg1">
-                    <a:lumMod val="50000"/>
-                  </a:schemeClr>
-                </a:solidFill>
-              </a:rPr>
-              <a:t>Latest diagrams available here: </a:t>
-            </a:r>
-            <a:r>
-              <a:rPr lang="en-AU" sz="900" dirty="0">
-                <a:solidFill>
-                  <a:schemeClr val="bg1">
-                    <a:lumMod val="50000"/>
-                  </a:schemeClr>
-                </a:solidFill>
-                <a:hlinkClick r:id="rId4">
-                  <a:extLst>
-                    <a:ext uri="{A12FA001-AC4F-418D-AE19-62706E023703}">
-                      <ahyp:hlinkClr xmlns:ahyp="http://schemas.microsoft.com/office/drawing/2018/hyperlinkcolor" val="tx"/>
-                    </a:ext>
-                  </a:extLst>
-                </a:hlinkClick>
-              </a:rPr>
-              <a:t>https://github.com/AaronDinnage/Licensing</a:t>
-            </a:r>
-            <a:endParaRPr lang="en-AU" sz="900" dirty="0">
-              <a:solidFill>
-                <a:schemeClr val="bg1">
-                  <a:lumMod val="50000"/>
-                </a:schemeClr>
-              </a:solidFill>
-            </a:endParaRPr>
-          </a:p>
-        </p:txBody>
-      </p:sp>
     </p:spTree>
     <p:extLst>
       <p:ext uri="{BB962C8B-B14F-4D97-AF65-F5344CB8AC3E}">
@@ -4980,6 +5265,129 @@
       </p:transition>
     </mc:Fallback>
   </mc:AlternateContent>
+</p:sld>
+</file>
+
+<file path=ppt/slides/slide7.xml><?xml version="1.0" encoding="utf-8"?>
+<p:sld xmlns:a="http://schemas.openxmlformats.org/drawingml/2006/main" xmlns:r="http://schemas.openxmlformats.org/officeDocument/2006/relationships" xmlns:p="http://schemas.openxmlformats.org/presentationml/2006/main">
+  <p:cSld>
+    <p:spTree>
+      <p:nvGrpSpPr>
+        <p:cNvPr id="1" name=""/>
+        <p:cNvGrpSpPr/>
+        <p:nvPr/>
+      </p:nvGrpSpPr>
+      <p:grpSpPr>
+        <a:xfrm>
+          <a:off x="0" y="0"/>
+          <a:ext cx="0" cy="0"/>
+          <a:chOff x="0" y="0"/>
+          <a:chExt cx="0" cy="0"/>
+        </a:xfrm>
+      </p:grpSpPr>
+      <p:sp>
+        <p:nvSpPr>
+          <p:cNvPr id="4" name="Title 3">
+            <a:extLst>
+              <a:ext uri="{FF2B5EF4-FFF2-40B4-BE49-F238E27FC236}">
+                <a16:creationId xmlns:a16="http://schemas.microsoft.com/office/drawing/2014/main" id="{E725C983-1262-45C1-97B6-EA1476569104}"/>
+              </a:ext>
+            </a:extLst>
+          </p:cNvPr>
+          <p:cNvSpPr>
+            <a:spLocks noGrp="1"/>
+          </p:cNvSpPr>
+          <p:nvPr>
+            <p:ph type="title"/>
+          </p:nvPr>
+        </p:nvSpPr>
+        <p:spPr>
+          <a:xfrm>
+            <a:off x="831850" y="490451"/>
+            <a:ext cx="10515600" cy="5669279"/>
+          </a:xfrm>
+        </p:spPr>
+        <p:txBody>
+          <a:bodyPr>
+            <a:normAutofit/>
+          </a:bodyPr>
+          <a:lstStyle/>
+          <a:p>
+            <a:r>
+              <a:rPr lang="en-AU" dirty="0"/>
+              <a:t>Content on GitHub</a:t>
+            </a:r>
+            <a:br>
+              <a:rPr lang="en-AU" dirty="0"/>
+            </a:br>
+            <a:r>
+              <a:rPr lang="en-AU" sz="4000" dirty="0">
+                <a:solidFill>
+                  <a:schemeClr val="bg1">
+                    <a:lumMod val="50000"/>
+                  </a:schemeClr>
+                </a:solidFill>
+                <a:hlinkClick r:id="rId2">
+                  <a:extLst>
+                    <a:ext uri="{A12FA001-AC4F-418D-AE19-62706E023703}">
+                      <ahyp:hlinkClr xmlns:ahyp="http://schemas.microsoft.com/office/drawing/2018/hyperlinkcolor" val="tx"/>
+                    </a:ext>
+                  </a:extLst>
+                </a:hlinkClick>
+              </a:rPr>
+              <a:t>https://github.com/AaronDinnage/Licensing</a:t>
+            </a:r>
+            <a:br>
+              <a:rPr lang="en-AU" sz="4000" dirty="0">
+                <a:solidFill>
+                  <a:schemeClr val="bg1">
+                    <a:lumMod val="50000"/>
+                  </a:schemeClr>
+                </a:solidFill>
+              </a:rPr>
+            </a:br>
+            <a:br>
+              <a:rPr lang="en-AU" dirty="0"/>
+            </a:br>
+            <a:r>
+              <a:rPr lang="en-AU" dirty="0"/>
+              <a:t>Updates on Twitter and LinkedIn</a:t>
+            </a:r>
+            <a:br>
+              <a:rPr lang="en-AU" dirty="0"/>
+            </a:br>
+            <a:r>
+              <a:rPr lang="en-AU" sz="4000" dirty="0">
+                <a:hlinkClick r:id="rId3"/>
+              </a:rPr>
+              <a:t>https://twitter.com/AaronDinnage</a:t>
+            </a:r>
+            <a:br>
+              <a:rPr lang="en-AU" sz="4000" dirty="0"/>
+            </a:br>
+            <a:r>
+              <a:rPr lang="en-AU" sz="4000" dirty="0">
+                <a:hlinkClick r:id="rId4"/>
+              </a:rPr>
+              <a:t>https://www.linkedin.com/in/aarondinnage/</a:t>
+            </a:r>
+            <a:r>
+              <a:rPr lang="en-AU" sz="4000" dirty="0"/>
+              <a:t>  </a:t>
+            </a:r>
+          </a:p>
+        </p:txBody>
+      </p:sp>
+    </p:spTree>
+    <p:extLst>
+      <p:ext uri="{BB962C8B-B14F-4D97-AF65-F5344CB8AC3E}">
+        <p14:creationId xmlns:p14="http://schemas.microsoft.com/office/powerpoint/2010/main" val="3737083648"/>
+      </p:ext>
+    </p:extLst>
+  </p:cSld>
+  <p:clrMapOvr>
+    <a:masterClrMapping/>
+  </p:clrMapOvr>
 </p:sld>
 </file>
 

--- a/Microsoft 365 Enterprise License Map.pptx
+++ b/Microsoft 365 Enterprise License Map.pptx
@@ -1,11 +1,11 @@
 
 <file path=ppt/presentation.xml><?xml version="1.0" encoding="utf-8"?>
-<p:presentation xmlns:a="http://schemas.openxmlformats.org/drawingml/2006/main" xmlns:r="http://schemas.openxmlformats.org/officeDocument/2006/relationships" xmlns:p="http://schemas.openxmlformats.org/presentationml/2006/main" saveSubsetFonts="1">
+<p:presentation xmlns:a="http://schemas.openxmlformats.org/drawingml/2006/main" xmlns:r="http://schemas.openxmlformats.org/officeDocument/2006/relationships" xmlns:p="http://schemas.openxmlformats.org/presentationml/2006/main" removePersonalInfoOnSave="1" saveSubsetFonts="1">
   <p:sldMasterIdLst>
     <p:sldMasterId id="2147483648" r:id="rId1"/>
   </p:sldMasterIdLst>
   <p:notesMasterIdLst>
-    <p:notesMasterId r:id="rId9"/>
+    <p:notesMasterId r:id="rId10"/>
   </p:notesMasterIdLst>
   <p:sldIdLst>
     <p:sldId id="273" r:id="rId2"/>
@@ -13,8 +13,9 @@
     <p:sldId id="266" r:id="rId4"/>
     <p:sldId id="271" r:id="rId5"/>
     <p:sldId id="272" r:id="rId6"/>
-    <p:sldId id="267" r:id="rId7"/>
-    <p:sldId id="277" r:id="rId8"/>
+    <p:sldId id="278" r:id="rId7"/>
+    <p:sldId id="267" r:id="rId8"/>
+    <p:sldId id="277" r:id="rId9"/>
   </p:sldIdLst>
   <p:sldSz cx="12192000" cy="6858000"/>
   <p:notesSz cx="6858000" cy="9144000"/>
@@ -123,6 +124,7 @@
             <p14:sldId id="266"/>
             <p14:sldId id="271"/>
             <p14:sldId id="272"/>
+            <p14:sldId id="278"/>
             <p14:sldId id="267"/>
             <p14:sldId id="277"/>
           </p14:sldIdLst>
@@ -139,223 +141,9 @@
 <file path=ppt/revisionInfo.xml><?xml version="1.0" encoding="utf-8"?>
 <p1510:revInfo xmlns:a="http://schemas.openxmlformats.org/drawingml/2006/main" xmlns:r="http://schemas.openxmlformats.org/officeDocument/2006/relationships" xmlns:p1510="http://schemas.microsoft.com/office/powerpoint/2015/10/main">
   <p1510:revLst>
-    <p1510:client id="{ED25B4B7-1C53-4AC8-A0AD-673D8F6F5461}" v="10" dt="2020-12-06T09:40:42.994"/>
+    <p1510:client id="{511945EA-59AD-490D-A736-3EA0D68DB087}" v="24" dt="2021-02-08T13:36:24.395"/>
   </p1510:revLst>
 </p1510:revInfo>
-</file>
-
-<file path=ppt/changesInfos/changesInfo1.xml><?xml version="1.0" encoding="utf-8"?>
-<pc:chgInfo xmlns:a="http://schemas.openxmlformats.org/drawingml/2006/main" xmlns:r="http://schemas.openxmlformats.org/officeDocument/2006/relationships" xmlns:ac="http://schemas.microsoft.com/office/drawing/2013/main/command" xmlns:pc="http://schemas.microsoft.com/office/powerpoint/2013/main/command">
-  <pc:docChgLst>
-    <pc:chgData name="Aaron Dinnage" userId="8cb68394-1244-40dc-97d1-6a2511d83b6b" providerId="ADAL" clId="{ED25B4B7-1C53-4AC8-A0AD-673D8F6F5461}"/>
-    <pc:docChg chg="custSel addSld delSld modSld sldOrd modSection">
-      <pc:chgData name="Aaron Dinnage" userId="8cb68394-1244-40dc-97d1-6a2511d83b6b" providerId="ADAL" clId="{ED25B4B7-1C53-4AC8-A0AD-673D8F6F5461}" dt="2020-12-06T09:41:08.295" v="122" actId="20577"/>
-      <pc:docMkLst>
-        <pc:docMk/>
-      </pc:docMkLst>
-      <pc:sldChg chg="modSp del mod">
-        <pc:chgData name="Aaron Dinnage" userId="8cb68394-1244-40dc-97d1-6a2511d83b6b" providerId="ADAL" clId="{ED25B4B7-1C53-4AC8-A0AD-673D8F6F5461}" dt="2020-12-06T09:36:18.550" v="30" actId="47"/>
-        <pc:sldMkLst>
-          <pc:docMk/>
-          <pc:sldMk cId="2896464772" sldId="256"/>
-        </pc:sldMkLst>
-        <pc:spChg chg="mod">
-          <ac:chgData name="Aaron Dinnage" userId="8cb68394-1244-40dc-97d1-6a2511d83b6b" providerId="ADAL" clId="{ED25B4B7-1C53-4AC8-A0AD-673D8F6F5461}" dt="2020-12-06T09:35:27.197" v="7" actId="20577"/>
-          <ac:spMkLst>
-            <pc:docMk/>
-            <pc:sldMk cId="2896464772" sldId="256"/>
-            <ac:spMk id="3" creationId="{70473A01-3EA4-4990-8E8B-F325477388E6}"/>
-          </ac:spMkLst>
-        </pc:spChg>
-      </pc:sldChg>
-      <pc:sldChg chg="addSp delSp modSp mod">
-        <pc:chgData name="Aaron Dinnage" userId="8cb68394-1244-40dc-97d1-6a2511d83b6b" providerId="ADAL" clId="{ED25B4B7-1C53-4AC8-A0AD-673D8F6F5461}" dt="2020-12-06T09:39:19.001" v="86"/>
-        <pc:sldMkLst>
-          <pc:docMk/>
-          <pc:sldMk cId="3387588480" sldId="265"/>
-        </pc:sldMkLst>
-        <pc:picChg chg="add del mod modCrop">
-          <ac:chgData name="Aaron Dinnage" userId="8cb68394-1244-40dc-97d1-6a2511d83b6b" providerId="ADAL" clId="{ED25B4B7-1C53-4AC8-A0AD-673D8F6F5461}" dt="2020-12-06T09:38:51.908" v="84" actId="478"/>
-          <ac:picMkLst>
-            <pc:docMk/>
-            <pc:sldMk cId="3387588480" sldId="265"/>
-            <ac:picMk id="4" creationId="{8C62164E-2DD5-4B46-BFE9-F4155FFD1A75}"/>
-          </ac:picMkLst>
-        </pc:picChg>
-        <pc:picChg chg="del">
-          <ac:chgData name="Aaron Dinnage" userId="8cb68394-1244-40dc-97d1-6a2511d83b6b" providerId="ADAL" clId="{ED25B4B7-1C53-4AC8-A0AD-673D8F6F5461}" dt="2020-12-06T09:37:20.339" v="43" actId="478"/>
-          <ac:picMkLst>
-            <pc:docMk/>
-            <pc:sldMk cId="3387588480" sldId="265"/>
-            <ac:picMk id="5" creationId="{026AF917-DF41-49A8-AF0F-5F064B455232}"/>
-          </ac:picMkLst>
-        </pc:picChg>
-        <pc:picChg chg="add">
-          <ac:chgData name="Aaron Dinnage" userId="8cb68394-1244-40dc-97d1-6a2511d83b6b" providerId="ADAL" clId="{ED25B4B7-1C53-4AC8-A0AD-673D8F6F5461}" dt="2020-12-06T09:39:19.001" v="86"/>
-          <ac:picMkLst>
-            <pc:docMk/>
-            <pc:sldMk cId="3387588480" sldId="265"/>
-            <ac:picMk id="6" creationId="{689B9B48-51C7-45C5-A4E1-408F3297D630}"/>
-          </ac:picMkLst>
-        </pc:picChg>
-      </pc:sldChg>
-      <pc:sldChg chg="addSp delSp modSp mod">
-        <pc:chgData name="Aaron Dinnage" userId="8cb68394-1244-40dc-97d1-6a2511d83b6b" providerId="ADAL" clId="{ED25B4B7-1C53-4AC8-A0AD-673D8F6F5461}" dt="2020-12-06T09:39:58.296" v="97" actId="1076"/>
-        <pc:sldMkLst>
-          <pc:docMk/>
-          <pc:sldMk cId="2041766854" sldId="266"/>
-        </pc:sldMkLst>
-        <pc:spChg chg="add mod">
-          <ac:chgData name="Aaron Dinnage" userId="8cb68394-1244-40dc-97d1-6a2511d83b6b" providerId="ADAL" clId="{ED25B4B7-1C53-4AC8-A0AD-673D8F6F5461}" dt="2020-12-06T09:39:52.986" v="90"/>
-          <ac:spMkLst>
-            <pc:docMk/>
-            <pc:sldMk cId="2041766854" sldId="266"/>
-            <ac:spMk id="7" creationId="{69C4F443-C1DA-435C-BCC1-181815DDC7DB}"/>
-          </ac:spMkLst>
-        </pc:spChg>
-        <pc:spChg chg="del">
-          <ac:chgData name="Aaron Dinnage" userId="8cb68394-1244-40dc-97d1-6a2511d83b6b" providerId="ADAL" clId="{ED25B4B7-1C53-4AC8-A0AD-673D8F6F5461}" dt="2020-12-06T09:39:48.074" v="89" actId="478"/>
-          <ac:spMkLst>
-            <pc:docMk/>
-            <pc:sldMk cId="2041766854" sldId="266"/>
-            <ac:spMk id="39" creationId="{9243AAE3-2CDF-4AD0-B562-EFC601549DCA}"/>
-          </ac:spMkLst>
-        </pc:spChg>
-        <pc:picChg chg="del">
-          <ac:chgData name="Aaron Dinnage" userId="8cb68394-1244-40dc-97d1-6a2511d83b6b" providerId="ADAL" clId="{ED25B4B7-1C53-4AC8-A0AD-673D8F6F5461}" dt="2020-12-06T09:38:01.809" v="77" actId="478"/>
-          <ac:picMkLst>
-            <pc:docMk/>
-            <pc:sldMk cId="2041766854" sldId="266"/>
-            <ac:picMk id="3" creationId="{95700EEB-8DEE-4140-91A3-D0F1035B4F7B}"/>
-          </ac:picMkLst>
-        </pc:picChg>
-        <pc:picChg chg="add del mod modCrop">
-          <ac:chgData name="Aaron Dinnage" userId="8cb68394-1244-40dc-97d1-6a2511d83b6b" providerId="ADAL" clId="{ED25B4B7-1C53-4AC8-A0AD-673D8F6F5461}" dt="2020-12-06T09:38:53.360" v="85" actId="478"/>
-          <ac:picMkLst>
-            <pc:docMk/>
-            <pc:sldMk cId="2041766854" sldId="266"/>
-            <ac:picMk id="4" creationId="{48C0A479-749C-42F3-91A6-D04AE9FE9CD6}"/>
-          </ac:picMkLst>
-        </pc:picChg>
-        <pc:picChg chg="add mod ord">
-          <ac:chgData name="Aaron Dinnage" userId="8cb68394-1244-40dc-97d1-6a2511d83b6b" providerId="ADAL" clId="{ED25B4B7-1C53-4AC8-A0AD-673D8F6F5461}" dt="2020-12-06T09:39:58.296" v="97" actId="1076"/>
-          <ac:picMkLst>
-            <pc:docMk/>
-            <pc:sldMk cId="2041766854" sldId="266"/>
-            <ac:picMk id="5" creationId="{1A3D8FDE-254B-47FD-B61D-C0E676906DD8}"/>
-          </ac:picMkLst>
-        </pc:picChg>
-      </pc:sldChg>
-      <pc:sldChg chg="addSp delSp modSp mod">
-        <pc:chgData name="Aaron Dinnage" userId="8cb68394-1244-40dc-97d1-6a2511d83b6b" providerId="ADAL" clId="{ED25B4B7-1C53-4AC8-A0AD-673D8F6F5461}" dt="2020-12-06T09:41:08.295" v="122" actId="20577"/>
-        <pc:sldMkLst>
-          <pc:docMk/>
-          <pc:sldMk cId="2245115415" sldId="267"/>
-        </pc:sldMkLst>
-        <pc:spChg chg="mod">
-          <ac:chgData name="Aaron Dinnage" userId="8cb68394-1244-40dc-97d1-6a2511d83b6b" providerId="ADAL" clId="{ED25B4B7-1C53-4AC8-A0AD-673D8F6F5461}" dt="2020-12-06T09:41:08.295" v="122" actId="20577"/>
-          <ac:spMkLst>
-            <pc:docMk/>
-            <pc:sldMk cId="2245115415" sldId="267"/>
-            <ac:spMk id="2" creationId="{67D97FFD-C060-4DB0-B692-9BB5BF1C264A}"/>
-          </ac:spMkLst>
-        </pc:spChg>
-        <pc:picChg chg="add mod">
-          <ac:chgData name="Aaron Dinnage" userId="8cb68394-1244-40dc-97d1-6a2511d83b6b" providerId="ADAL" clId="{ED25B4B7-1C53-4AC8-A0AD-673D8F6F5461}" dt="2020-12-06T09:40:53.218" v="106" actId="1076"/>
-          <ac:picMkLst>
-            <pc:docMk/>
-            <pc:sldMk cId="2245115415" sldId="267"/>
-            <ac:picMk id="4" creationId="{1DEE5889-E7AA-49A3-AFFC-17CFB52E0803}"/>
-          </ac:picMkLst>
-        </pc:picChg>
-        <pc:picChg chg="del">
-          <ac:chgData name="Aaron Dinnage" userId="8cb68394-1244-40dc-97d1-6a2511d83b6b" providerId="ADAL" clId="{ED25B4B7-1C53-4AC8-A0AD-673D8F6F5461}" dt="2020-12-06T09:40:33.434" v="102" actId="478"/>
-          <ac:picMkLst>
-            <pc:docMk/>
-            <pc:sldMk cId="2245115415" sldId="267"/>
-            <ac:picMk id="6" creationId="{569DA7EA-B310-4248-BB58-BA1F748D1A16}"/>
-          </ac:picMkLst>
-        </pc:picChg>
-      </pc:sldChg>
-      <pc:sldChg chg="addSp delSp mod">
-        <pc:chgData name="Aaron Dinnage" userId="8cb68394-1244-40dc-97d1-6a2511d83b6b" providerId="ADAL" clId="{ED25B4B7-1C53-4AC8-A0AD-673D8F6F5461}" dt="2020-12-06T09:40:14.938" v="99"/>
-        <pc:sldMkLst>
-          <pc:docMk/>
-          <pc:sldMk cId="1483979729" sldId="271"/>
-        </pc:sldMkLst>
-        <pc:picChg chg="add">
-          <ac:chgData name="Aaron Dinnage" userId="8cb68394-1244-40dc-97d1-6a2511d83b6b" providerId="ADAL" clId="{ED25B4B7-1C53-4AC8-A0AD-673D8F6F5461}" dt="2020-12-06T09:40:14.938" v="99"/>
-          <ac:picMkLst>
-            <pc:docMk/>
-            <pc:sldMk cId="1483979729" sldId="271"/>
-            <ac:picMk id="3" creationId="{B63577D0-5E42-42DC-811B-6A69F89FE748}"/>
-          </ac:picMkLst>
-        </pc:picChg>
-        <pc:picChg chg="del">
-          <ac:chgData name="Aaron Dinnage" userId="8cb68394-1244-40dc-97d1-6a2511d83b6b" providerId="ADAL" clId="{ED25B4B7-1C53-4AC8-A0AD-673D8F6F5461}" dt="2020-12-06T09:40:06.508" v="98" actId="478"/>
-          <ac:picMkLst>
-            <pc:docMk/>
-            <pc:sldMk cId="1483979729" sldId="271"/>
-            <ac:picMk id="7" creationId="{91AA2AD7-ACCA-4557-9C42-2629CA29CAF4}"/>
-          </ac:picMkLst>
-        </pc:picChg>
-      </pc:sldChg>
-      <pc:sldChg chg="addSp delSp mod">
-        <pc:chgData name="Aaron Dinnage" userId="8cb68394-1244-40dc-97d1-6a2511d83b6b" providerId="ADAL" clId="{ED25B4B7-1C53-4AC8-A0AD-673D8F6F5461}" dt="2020-12-06T09:40:27.481" v="101"/>
-        <pc:sldMkLst>
-          <pc:docMk/>
-          <pc:sldMk cId="1861237408" sldId="272"/>
-        </pc:sldMkLst>
-        <pc:picChg chg="add">
-          <ac:chgData name="Aaron Dinnage" userId="8cb68394-1244-40dc-97d1-6a2511d83b6b" providerId="ADAL" clId="{ED25B4B7-1C53-4AC8-A0AD-673D8F6F5461}" dt="2020-12-06T09:40:27.481" v="101"/>
-          <ac:picMkLst>
-            <pc:docMk/>
-            <pc:sldMk cId="1861237408" sldId="272"/>
-            <ac:picMk id="3" creationId="{7D628F2D-1F73-4E22-ADA1-03984CC11C94}"/>
-          </ac:picMkLst>
-        </pc:picChg>
-        <pc:picChg chg="del">
-          <ac:chgData name="Aaron Dinnage" userId="8cb68394-1244-40dc-97d1-6a2511d83b6b" providerId="ADAL" clId="{ED25B4B7-1C53-4AC8-A0AD-673D8F6F5461}" dt="2020-12-06T09:40:19.465" v="100" actId="478"/>
-          <ac:picMkLst>
-            <pc:docMk/>
-            <pc:sldMk cId="1861237408" sldId="272"/>
-            <ac:picMk id="4" creationId="{A818503F-893C-4B30-900D-EA31DC9B247B}"/>
-          </ac:picMkLst>
-        </pc:picChg>
-      </pc:sldChg>
-      <pc:sldChg chg="modSp add mod">
-        <pc:chgData name="Aaron Dinnage" userId="8cb68394-1244-40dc-97d1-6a2511d83b6b" providerId="ADAL" clId="{ED25B4B7-1C53-4AC8-A0AD-673D8F6F5461}" dt="2020-12-06T09:36:31.038" v="39" actId="20577"/>
-        <pc:sldMkLst>
-          <pc:docMk/>
-          <pc:sldMk cId="851380115" sldId="273"/>
-        </pc:sldMkLst>
-        <pc:spChg chg="mod">
-          <ac:chgData name="Aaron Dinnage" userId="8cb68394-1244-40dc-97d1-6a2511d83b6b" providerId="ADAL" clId="{ED25B4B7-1C53-4AC8-A0AD-673D8F6F5461}" dt="2020-12-06T09:36:31.038" v="39" actId="20577"/>
-          <ac:spMkLst>
-            <pc:docMk/>
-            <pc:sldMk cId="851380115" sldId="273"/>
-            <ac:spMk id="3" creationId="{9CB082E7-7EDA-4A5C-9875-AE1731E9ECAD}"/>
-          </ac:spMkLst>
-        </pc:spChg>
-        <pc:spChg chg="mod">
-          <ac:chgData name="Aaron Dinnage" userId="8cb68394-1244-40dc-97d1-6a2511d83b6b" providerId="ADAL" clId="{ED25B4B7-1C53-4AC8-A0AD-673D8F6F5461}" dt="2020-12-06T09:36:04.497" v="27" actId="1076"/>
-          <ac:spMkLst>
-            <pc:docMk/>
-            <pc:sldMk cId="851380115" sldId="273"/>
-            <ac:spMk id="4" creationId="{30DF9CE2-C0D2-4560-936D-D9112B0B9BFA}"/>
-          </ac:spMkLst>
-        </pc:spChg>
-      </pc:sldChg>
-      <pc:sldChg chg="add ord">
-        <pc:chgData name="Aaron Dinnage" userId="8cb68394-1244-40dc-97d1-6a2511d83b6b" providerId="ADAL" clId="{ED25B4B7-1C53-4AC8-A0AD-673D8F6F5461}" dt="2020-12-06T09:36:57.235" v="42"/>
-        <pc:sldMkLst>
-          <pc:docMk/>
-          <pc:sldMk cId="3737083648" sldId="277"/>
-        </pc:sldMkLst>
-      </pc:sldChg>
-    </pc:docChg>
-  </pc:docChgLst>
-</pc:chgInfo>
 </file>
 
 <file path=ppt/notesMasters/notesMaster1.xml><?xml version="1.0" encoding="utf-8"?>
@@ -440,7 +228,7 @@
           <a:p>
             <a:fld id="{5501C88C-2D47-4607-965A-262E2CFCF213}" type="datetimeFigureOut">
               <a:rPr lang="en-AU" smtClean="0"/>
-              <a:t>6/12/2020</a:t>
+              <a:t>9/02/2021</a:t>
             </a:fld>
             <a:endParaRPr lang="en-AU"/>
           </a:p>
@@ -1061,6 +849,90 @@
 </p:notes>
 </file>
 
+<file path=ppt/notesSlides/notesSlide5.xml><?xml version="1.0" encoding="utf-8"?>
+<p:notes xmlns:a="http://schemas.openxmlformats.org/drawingml/2006/main" xmlns:r="http://schemas.openxmlformats.org/officeDocument/2006/relationships" xmlns:p="http://schemas.openxmlformats.org/presentationml/2006/main">
+  <p:cSld>
+    <p:spTree>
+      <p:nvGrpSpPr>
+        <p:cNvPr id="1" name=""/>
+        <p:cNvGrpSpPr/>
+        <p:nvPr/>
+      </p:nvGrpSpPr>
+      <p:grpSpPr>
+        <a:xfrm>
+          <a:off x="0" y="0"/>
+          <a:ext cx="0" cy="0"/>
+          <a:chOff x="0" y="0"/>
+          <a:chExt cx="0" cy="0"/>
+        </a:xfrm>
+      </p:grpSpPr>
+      <p:sp>
+        <p:nvSpPr>
+          <p:cNvPr id="2" name="Slide Image Placeholder 1"/>
+          <p:cNvSpPr>
+            <a:spLocks noGrp="1" noRot="1" noChangeAspect="1"/>
+          </p:cNvSpPr>
+          <p:nvPr>
+            <p:ph type="sldImg"/>
+          </p:nvPr>
+        </p:nvSpPr>
+        <p:spPr/>
+      </p:sp>
+      <p:sp>
+        <p:nvSpPr>
+          <p:cNvPr id="3" name="Notes Placeholder 2"/>
+          <p:cNvSpPr>
+            <a:spLocks noGrp="1"/>
+          </p:cNvSpPr>
+          <p:nvPr>
+            <p:ph type="body" idx="1"/>
+          </p:nvPr>
+        </p:nvSpPr>
+        <p:spPr/>
+        <p:txBody>
+          <a:bodyPr/>
+          <a:lstStyle/>
+          <a:p>
+            <a:endParaRPr lang="en-AU" dirty="0"/>
+          </a:p>
+        </p:txBody>
+      </p:sp>
+      <p:sp>
+        <p:nvSpPr>
+          <p:cNvPr id="4" name="Slide Number Placeholder 3"/>
+          <p:cNvSpPr>
+            <a:spLocks noGrp="1"/>
+          </p:cNvSpPr>
+          <p:nvPr>
+            <p:ph type="sldNum" sz="quarter" idx="5"/>
+          </p:nvPr>
+        </p:nvSpPr>
+        <p:spPr/>
+        <p:txBody>
+          <a:bodyPr/>
+          <a:lstStyle/>
+          <a:p>
+            <a:fld id="{AF425AC4-1A55-4759-824E-616F9E627713}" type="slidenum">
+              <a:rPr lang="en-US" smtClean="0"/>
+              <a:t>6</a:t>
+            </a:fld>
+            <a:endParaRPr lang="en-US"/>
+          </a:p>
+        </p:txBody>
+      </p:sp>
+    </p:spTree>
+    <p:extLst>
+      <p:ext uri="{BB962C8B-B14F-4D97-AF65-F5344CB8AC3E}">
+        <p14:creationId xmlns:p14="http://schemas.microsoft.com/office/powerpoint/2010/main" val="745044342"/>
+      </p:ext>
+    </p:extLst>
+  </p:cSld>
+  <p:clrMapOvr>
+    <a:masterClrMapping/>
+  </p:clrMapOvr>
+</p:notes>
+</file>
+
 <file path=ppt/slideLayouts/slideLayout1.xml><?xml version="1.0" encoding="utf-8"?>
 <p:sldLayout xmlns:a="http://schemas.openxmlformats.org/drawingml/2006/main" xmlns:r="http://schemas.openxmlformats.org/officeDocument/2006/relationships" xmlns:p="http://schemas.openxmlformats.org/presentationml/2006/main" type="title" preserve="1">
   <p:cSld name="Title Slide">
@@ -1210,7 +1082,7 @@
           <a:p>
             <a:fld id="{5A8F0079-C155-4963-BA90-8B06FFA7587C}" type="datetimeFigureOut">
               <a:rPr lang="en-AU" smtClean="0"/>
-              <a:t>6/12/2020</a:t>
+              <a:t>9/02/2021</a:t>
             </a:fld>
             <a:endParaRPr lang="en-AU"/>
           </a:p>
@@ -1410,7 +1282,7 @@
           <a:p>
             <a:fld id="{5A8F0079-C155-4963-BA90-8B06FFA7587C}" type="datetimeFigureOut">
               <a:rPr lang="en-AU" smtClean="0"/>
-              <a:t>6/12/2020</a:t>
+              <a:t>9/02/2021</a:t>
             </a:fld>
             <a:endParaRPr lang="en-AU"/>
           </a:p>
@@ -1620,7 +1492,7 @@
           <a:p>
             <a:fld id="{5A8F0079-C155-4963-BA90-8B06FFA7587C}" type="datetimeFigureOut">
               <a:rPr lang="en-AU" smtClean="0"/>
-              <a:t>6/12/2020</a:t>
+              <a:t>9/02/2021</a:t>
             </a:fld>
             <a:endParaRPr lang="en-AU"/>
           </a:p>
@@ -1820,7 +1692,7 @@
           <a:p>
             <a:fld id="{5A8F0079-C155-4963-BA90-8B06FFA7587C}" type="datetimeFigureOut">
               <a:rPr lang="en-AU" smtClean="0"/>
-              <a:t>6/12/2020</a:t>
+              <a:t>9/02/2021</a:t>
             </a:fld>
             <a:endParaRPr lang="en-AU"/>
           </a:p>
@@ -2096,7 +1968,7 @@
           <a:p>
             <a:fld id="{5A8F0079-C155-4963-BA90-8B06FFA7587C}" type="datetimeFigureOut">
               <a:rPr lang="en-AU" smtClean="0"/>
-              <a:t>6/12/2020</a:t>
+              <a:t>9/02/2021</a:t>
             </a:fld>
             <a:endParaRPr lang="en-AU"/>
           </a:p>
@@ -2364,7 +2236,7 @@
           <a:p>
             <a:fld id="{5A8F0079-C155-4963-BA90-8B06FFA7587C}" type="datetimeFigureOut">
               <a:rPr lang="en-AU" smtClean="0"/>
-              <a:t>6/12/2020</a:t>
+              <a:t>9/02/2021</a:t>
             </a:fld>
             <a:endParaRPr lang="en-AU"/>
           </a:p>
@@ -2779,7 +2651,7 @@
           <a:p>
             <a:fld id="{5A8F0079-C155-4963-BA90-8B06FFA7587C}" type="datetimeFigureOut">
               <a:rPr lang="en-AU" smtClean="0"/>
-              <a:t>6/12/2020</a:t>
+              <a:t>9/02/2021</a:t>
             </a:fld>
             <a:endParaRPr lang="en-AU"/>
           </a:p>
@@ -2921,7 +2793,7 @@
           <a:p>
             <a:fld id="{5A8F0079-C155-4963-BA90-8B06FFA7587C}" type="datetimeFigureOut">
               <a:rPr lang="en-AU" smtClean="0"/>
-              <a:t>6/12/2020</a:t>
+              <a:t>9/02/2021</a:t>
             </a:fld>
             <a:endParaRPr lang="en-AU"/>
           </a:p>
@@ -3034,7 +2906,7 @@
           <a:p>
             <a:fld id="{5A8F0079-C155-4963-BA90-8B06FFA7587C}" type="datetimeFigureOut">
               <a:rPr lang="en-AU" smtClean="0"/>
-              <a:t>6/12/2020</a:t>
+              <a:t>9/02/2021</a:t>
             </a:fld>
             <a:endParaRPr lang="en-AU"/>
           </a:p>
@@ -3347,7 +3219,7 @@
           <a:p>
             <a:fld id="{5A8F0079-C155-4963-BA90-8B06FFA7587C}" type="datetimeFigureOut">
               <a:rPr lang="en-AU" smtClean="0"/>
-              <a:t>6/12/2020</a:t>
+              <a:t>9/02/2021</a:t>
             </a:fld>
             <a:endParaRPr lang="en-AU"/>
           </a:p>
@@ -3636,7 +3508,7 @@
           <a:p>
             <a:fld id="{5A8F0079-C155-4963-BA90-8B06FFA7587C}" type="datetimeFigureOut">
               <a:rPr lang="en-AU" smtClean="0"/>
-              <a:t>6/12/2020</a:t>
+              <a:t>9/02/2021</a:t>
             </a:fld>
             <a:endParaRPr lang="en-AU"/>
           </a:p>
@@ -3879,7 +3751,7 @@
           <a:p>
             <a:fld id="{5A8F0079-C155-4963-BA90-8B06FFA7587C}" type="datetimeFigureOut">
               <a:rPr lang="en-AU" smtClean="0"/>
-              <a:t>6/12/2020</a:t>
+              <a:t>9/02/2021</a:t>
             </a:fld>
             <a:endParaRPr lang="en-AU"/>
           </a:p>
@@ -4360,7 +4232,7 @@
           <a:p>
             <a:r>
               <a:rPr lang="en-AU" dirty="0"/>
-              <a:t>December 2020</a:t>
+              <a:t>February 2021</a:t>
             </a:r>
           </a:p>
         </p:txBody>
@@ -4379,8 +4251,8 @@
         </p:nvSpPr>
         <p:spPr>
           <a:xfrm>
-            <a:off x="4187474" y="4979553"/>
-            <a:ext cx="3817052" cy="556494"/>
+            <a:off x="4742754" y="4979553"/>
+            <a:ext cx="2706492" cy="556494"/>
           </a:xfrm>
           <a:prstGeom prst="rect">
             <a:avLst/>
@@ -4428,15 +4300,9 @@
                     <a:lumMod val="50000"/>
                   </a:schemeClr>
                 </a:solidFill>
-                <a:hlinkClick r:id="rId2">
-                  <a:extLst>
-                    <a:ext uri="{A12FA001-AC4F-418D-AE19-62706E023703}">
-                      <ahyp:hlinkClr xmlns:ahyp="http://schemas.microsoft.com/office/drawing/2018/hyperlinkcolor" val="tx"/>
-                    </a:ext>
-                  </a:extLst>
-                </a:hlinkClick>
+                <a:hlinkClick r:id="rId2"/>
               </a:rPr>
-              <a:t>https://github.com/AaronDinnage/Licensing</a:t>
+              <a:t>https://m365maps.com</a:t>
             </a:r>
             <a:endParaRPr lang="en-AU" sz="1600" dirty="0">
               <a:solidFill>
@@ -4504,8 +4370,8 @@
         </p:nvSpPr>
         <p:spPr>
           <a:xfrm>
-            <a:off x="8207702" y="6696999"/>
-            <a:ext cx="3986201" cy="161001"/>
+            <a:off x="9454538" y="6696999"/>
+            <a:ext cx="2737462" cy="161001"/>
           </a:xfrm>
           <a:prstGeom prst="rect">
             <a:avLst/>
@@ -4543,15 +4409,9 @@
                     <a:lumMod val="50000"/>
                   </a:schemeClr>
                 </a:solidFill>
-                <a:hlinkClick r:id="rId3">
-                  <a:extLst>
-                    <a:ext uri="{A12FA001-AC4F-418D-AE19-62706E023703}">
-                      <ahyp:hlinkClr xmlns:ahyp="http://schemas.microsoft.com/office/drawing/2018/hyperlinkcolor" val="tx"/>
-                    </a:ext>
-                  </a:extLst>
-                </a:hlinkClick>
+                <a:hlinkClick r:id="rId3"/>
               </a:rPr>
-              <a:t>https://github.com/AaronDinnage/Licensing</a:t>
+              <a:t>https://m365maps.com</a:t>
             </a:r>
             <a:endParaRPr lang="en-AU" sz="900" dirty="0">
               <a:solidFill>
@@ -4565,10 +4425,10 @@
       </p:sp>
       <p:pic>
         <p:nvPicPr>
-          <p:cNvPr id="6" name="Picture 5">
-            <a:extLst>
-              <a:ext uri="{FF2B5EF4-FFF2-40B4-BE49-F238E27FC236}">
-                <a16:creationId xmlns:a16="http://schemas.microsoft.com/office/drawing/2014/main" id="{689B9B48-51C7-45C5-A4E1-408F3297D630}"/>
+          <p:cNvPr id="5" name="Picture 4" descr="A screenshot of a computer&#10;&#10;Description automatically generated with low confidence">
+            <a:extLst>
+              <a:ext uri="{FF2B5EF4-FFF2-40B4-BE49-F238E27FC236}">
+                <a16:creationId xmlns:a16="http://schemas.microsoft.com/office/drawing/2014/main" id="{C57C1291-ECCC-4569-94CE-E50FFE5E4346}"/>
               </a:ext>
             </a:extLst>
           </p:cNvPr>
@@ -4577,16 +4437,21 @@
           </p:cNvPicPr>
           <p:nvPr/>
         </p:nvPicPr>
-        <p:blipFill>
-          <a:blip r:embed="rId4"/>
-          <a:stretch>
-            <a:fillRect/>
-          </a:stretch>
+        <p:blipFill rotWithShape="1">
+          <a:blip r:embed="rId4">
+            <a:extLst>
+              <a:ext uri="{28A0092B-C50C-407E-A947-70E740481C1C}">
+                <a14:useLocalDpi xmlns:a14="http://schemas.microsoft.com/office/drawing/2010/main" val="0"/>
+              </a:ext>
+            </a:extLst>
+          </a:blip>
+          <a:srcRect t="15738"/>
+          <a:stretch/>
         </p:blipFill>
         <p:spPr>
           <a:xfrm>
-            <a:off x="0" y="593964"/>
-            <a:ext cx="12192000" cy="5670072"/>
+            <a:off x="0" y="594272"/>
+            <a:ext cx="12192000" cy="5669457"/>
           </a:xfrm>
           <a:prstGeom prst="rect">
             <a:avLst/>
@@ -4635,52 +4500,22 @@
           <a:chExt cx="0" cy="0"/>
         </a:xfrm>
       </p:grpSpPr>
-      <p:pic>
-        <p:nvPicPr>
-          <p:cNvPr id="5" name="Picture 4">
-            <a:extLst>
-              <a:ext uri="{FF2B5EF4-FFF2-40B4-BE49-F238E27FC236}">
-                <a16:creationId xmlns:a16="http://schemas.microsoft.com/office/drawing/2014/main" id="{1A3D8FDE-254B-47FD-B61D-C0E676906DD8}"/>
-              </a:ext>
-            </a:extLst>
-          </p:cNvPr>
-          <p:cNvPicPr>
-            <a:picLocks noChangeAspect="1"/>
-          </p:cNvPicPr>
+      <p:sp>
+        <p:nvSpPr>
+          <p:cNvPr id="4" name="Link">
+            <a:extLst>
+              <a:ext uri="{FF2B5EF4-FFF2-40B4-BE49-F238E27FC236}">
+                <a16:creationId xmlns:a16="http://schemas.microsoft.com/office/drawing/2014/main" id="{78CCF3D1-0D3D-45AB-84FF-D279155CB1F6}"/>
+              </a:ext>
+            </a:extLst>
+          </p:cNvPr>
+          <p:cNvSpPr txBox="1"/>
           <p:nvPr/>
-        </p:nvPicPr>
-        <p:blipFill>
-          <a:blip r:embed="rId3"/>
-          <a:stretch>
-            <a:fillRect/>
-          </a:stretch>
-        </p:blipFill>
+        </p:nvSpPr>
         <p:spPr>
           <a:xfrm>
-            <a:off x="0" y="2611"/>
-            <a:ext cx="12192000" cy="6694388"/>
-          </a:xfrm>
-          <a:prstGeom prst="rect">
-            <a:avLst/>
-          </a:prstGeom>
-        </p:spPr>
-      </p:pic>
-      <p:sp>
-        <p:nvSpPr>
-          <p:cNvPr id="7" name="Link">
-            <a:extLst>
-              <a:ext uri="{FF2B5EF4-FFF2-40B4-BE49-F238E27FC236}">
-                <a16:creationId xmlns:a16="http://schemas.microsoft.com/office/drawing/2014/main" id="{69C4F443-C1DA-435C-BCC1-181815DDC7DB}"/>
-              </a:ext>
-            </a:extLst>
-          </p:cNvPr>
-          <p:cNvSpPr txBox="1"/>
-          <p:nvPr/>
-        </p:nvSpPr>
-        <p:spPr>
-          <a:xfrm>
-            <a:off x="8207702" y="6696999"/>
-            <a:ext cx="3986201" cy="161001"/>
+            <a:off x="9454538" y="6696999"/>
+            <a:ext cx="2737462" cy="161001"/>
           </a:xfrm>
           <a:prstGeom prst="rect">
             <a:avLst/>
@@ -4718,15 +4553,9 @@
                     <a:lumMod val="50000"/>
                   </a:schemeClr>
                 </a:solidFill>
-                <a:hlinkClick r:id="rId4">
-                  <a:extLst>
-                    <a:ext uri="{A12FA001-AC4F-418D-AE19-62706E023703}">
-                      <ahyp:hlinkClr xmlns:ahyp="http://schemas.microsoft.com/office/drawing/2018/hyperlinkcolor" val="tx"/>
-                    </a:ext>
-                  </a:extLst>
-                </a:hlinkClick>
+                <a:hlinkClick r:id="rId3"/>
               </a:rPr>
-              <a:t>https://github.com/AaronDinnage/Licensing</a:t>
+              <a:t>https://m365maps.com</a:t>
             </a:r>
             <a:endParaRPr lang="en-AU" sz="900" dirty="0">
               <a:solidFill>
@@ -4738,6 +4567,41 @@
           </a:p>
         </p:txBody>
       </p:sp>
+      <p:pic>
+        <p:nvPicPr>
+          <p:cNvPr id="5" name="Picture 4" descr="Table, calendar&#10;&#10;Description automatically generated">
+            <a:extLst>
+              <a:ext uri="{FF2B5EF4-FFF2-40B4-BE49-F238E27FC236}">
+                <a16:creationId xmlns:a16="http://schemas.microsoft.com/office/drawing/2014/main" id="{7816A5A4-E82A-4D53-870C-573F5553B8A4}"/>
+              </a:ext>
+            </a:extLst>
+          </p:cNvPr>
+          <p:cNvPicPr>
+            <a:picLocks noChangeAspect="1"/>
+          </p:cNvPicPr>
+          <p:nvPr/>
+        </p:nvPicPr>
+        <p:blipFill rotWithShape="1">
+          <a:blip r:embed="rId4">
+            <a:extLst>
+              <a:ext uri="{28A0092B-C50C-407E-A947-70E740481C1C}">
+                <a14:useLocalDpi xmlns:a14="http://schemas.microsoft.com/office/drawing/2010/main" val="0"/>
+              </a:ext>
+            </a:extLst>
+          </a:blip>
+          <a:srcRect t="11899"/>
+          <a:stretch/>
+        </p:blipFill>
+        <p:spPr>
+          <a:xfrm>
+            <a:off x="0" y="39328"/>
+            <a:ext cx="12192000" cy="6611977"/>
+          </a:xfrm>
+          <a:prstGeom prst="rect">
+            <a:avLst/>
+          </a:prstGeom>
+        </p:spPr>
+      </p:pic>
     </p:spTree>
     <p:extLst>
       <p:ext uri="{BB962C8B-B14F-4D97-AF65-F5344CB8AC3E}">
@@ -4782,10 +4646,10 @@
       </p:grpSpPr>
       <p:sp>
         <p:nvSpPr>
-          <p:cNvPr id="2" name="Link">
-            <a:extLst>
-              <a:ext uri="{FF2B5EF4-FFF2-40B4-BE49-F238E27FC236}">
-                <a16:creationId xmlns:a16="http://schemas.microsoft.com/office/drawing/2014/main" id="{2BC34E5F-F4C8-49DF-A245-16AB6D25318D}"/>
+          <p:cNvPr id="4" name="Link">
+            <a:extLst>
+              <a:ext uri="{FF2B5EF4-FFF2-40B4-BE49-F238E27FC236}">
+                <a16:creationId xmlns:a16="http://schemas.microsoft.com/office/drawing/2014/main" id="{EDF86CD7-B397-4B05-877E-C7540EA7E0C4}"/>
               </a:ext>
             </a:extLst>
           </p:cNvPr>
@@ -4794,8 +4658,8 @@
         </p:nvSpPr>
         <p:spPr>
           <a:xfrm>
-            <a:off x="8207702" y="6696999"/>
-            <a:ext cx="3986201" cy="161001"/>
+            <a:off x="9454538" y="6696999"/>
+            <a:ext cx="2737462" cy="161001"/>
           </a:xfrm>
           <a:prstGeom prst="rect">
             <a:avLst/>
@@ -4833,15 +4697,9 @@
                     <a:lumMod val="50000"/>
                   </a:schemeClr>
                 </a:solidFill>
-                <a:hlinkClick r:id="rId3">
-                  <a:extLst>
-                    <a:ext uri="{A12FA001-AC4F-418D-AE19-62706E023703}">
-                      <ahyp:hlinkClr xmlns:ahyp="http://schemas.microsoft.com/office/drawing/2018/hyperlinkcolor" val="tx"/>
-                    </a:ext>
-                  </a:extLst>
-                </a:hlinkClick>
+                <a:hlinkClick r:id="rId3"/>
               </a:rPr>
-              <a:t>https://github.com/AaronDinnage/Licensing</a:t>
+              <a:t>https://m365maps.com</a:t>
             </a:r>
             <a:endParaRPr lang="en-AU" sz="900" dirty="0">
               <a:solidFill>
@@ -4855,10 +4713,10 @@
       </p:sp>
       <p:pic>
         <p:nvPicPr>
-          <p:cNvPr id="3" name="Picture 2">
-            <a:extLst>
-              <a:ext uri="{FF2B5EF4-FFF2-40B4-BE49-F238E27FC236}">
-                <a16:creationId xmlns:a16="http://schemas.microsoft.com/office/drawing/2014/main" id="{B63577D0-5E42-42DC-811B-6A69F89FE748}"/>
+          <p:cNvPr id="5" name="Picture 4" descr="Graphical user interface&#10;&#10;Description automatically generated with medium confidence">
+            <a:extLst>
+              <a:ext uri="{FF2B5EF4-FFF2-40B4-BE49-F238E27FC236}">
+                <a16:creationId xmlns:a16="http://schemas.microsoft.com/office/drawing/2014/main" id="{0846A18D-C0F8-4FB3-BA3A-E504364BB6AE}"/>
               </a:ext>
             </a:extLst>
           </p:cNvPr>
@@ -4867,16 +4725,21 @@
           </p:cNvPicPr>
           <p:nvPr/>
         </p:nvPicPr>
-        <p:blipFill>
-          <a:blip r:embed="rId4"/>
-          <a:stretch>
-            <a:fillRect/>
-          </a:stretch>
+        <p:blipFill rotWithShape="1">
+          <a:blip r:embed="rId4">
+            <a:extLst>
+              <a:ext uri="{28A0092B-C50C-407E-A947-70E740481C1C}">
+                <a14:useLocalDpi xmlns:a14="http://schemas.microsoft.com/office/drawing/2010/main" val="0"/>
+              </a:ext>
+            </a:extLst>
+          </a:blip>
+          <a:srcRect t="15914"/>
+          <a:stretch/>
         </p:blipFill>
         <p:spPr>
           <a:xfrm>
-            <a:off x="0" y="343911"/>
-            <a:ext cx="12192000" cy="6170177"/>
+            <a:off x="0" y="331044"/>
+            <a:ext cx="12192000" cy="6195913"/>
           </a:xfrm>
           <a:prstGeom prst="rect">
             <a:avLst/>
@@ -4927,10 +4790,10 @@
       </p:grpSpPr>
       <p:sp>
         <p:nvSpPr>
-          <p:cNvPr id="2" name="Link">
-            <a:extLst>
-              <a:ext uri="{FF2B5EF4-FFF2-40B4-BE49-F238E27FC236}">
-                <a16:creationId xmlns:a16="http://schemas.microsoft.com/office/drawing/2014/main" id="{2BC34E5F-F4C8-49DF-A245-16AB6D25318D}"/>
+          <p:cNvPr id="4" name="Link">
+            <a:extLst>
+              <a:ext uri="{FF2B5EF4-FFF2-40B4-BE49-F238E27FC236}">
+                <a16:creationId xmlns:a16="http://schemas.microsoft.com/office/drawing/2014/main" id="{1DE1EA15-0E87-4788-9ECA-83284C573D5E}"/>
               </a:ext>
             </a:extLst>
           </p:cNvPr>
@@ -4939,8 +4802,8 @@
         </p:nvSpPr>
         <p:spPr>
           <a:xfrm>
-            <a:off x="8207702" y="6696999"/>
-            <a:ext cx="3986201" cy="161001"/>
+            <a:off x="9454538" y="6696999"/>
+            <a:ext cx="2737462" cy="161001"/>
           </a:xfrm>
           <a:prstGeom prst="rect">
             <a:avLst/>
@@ -4978,15 +4841,9 @@
                     <a:lumMod val="50000"/>
                   </a:schemeClr>
                 </a:solidFill>
-                <a:hlinkClick r:id="rId3">
-                  <a:extLst>
-                    <a:ext uri="{A12FA001-AC4F-418D-AE19-62706E023703}">
-                      <ahyp:hlinkClr xmlns:ahyp="http://schemas.microsoft.com/office/drawing/2018/hyperlinkcolor" val="tx"/>
-                    </a:ext>
-                  </a:extLst>
-                </a:hlinkClick>
+                <a:hlinkClick r:id="rId3"/>
               </a:rPr>
-              <a:t>https://github.com/AaronDinnage/Licensing</a:t>
+              <a:t>https://m365maps.com</a:t>
             </a:r>
             <a:endParaRPr lang="en-AU" sz="900" dirty="0">
               <a:solidFill>
@@ -5000,10 +4857,10 @@
       </p:sp>
       <p:pic>
         <p:nvPicPr>
-          <p:cNvPr id="3" name="Picture 2">
-            <a:extLst>
-              <a:ext uri="{FF2B5EF4-FFF2-40B4-BE49-F238E27FC236}">
-                <a16:creationId xmlns:a16="http://schemas.microsoft.com/office/drawing/2014/main" id="{7D628F2D-1F73-4E22-ADA1-03984CC11C94}"/>
+          <p:cNvPr id="5" name="Picture 4" descr="Graphical user interface, table&#10;&#10;Description automatically generated">
+            <a:extLst>
+              <a:ext uri="{FF2B5EF4-FFF2-40B4-BE49-F238E27FC236}">
+                <a16:creationId xmlns:a16="http://schemas.microsoft.com/office/drawing/2014/main" id="{C4F8768C-DE3E-4EC6-BE8E-DEB2EB7198B0}"/>
               </a:ext>
             </a:extLst>
           </p:cNvPr>
@@ -5012,16 +4869,21 @@
           </p:cNvPicPr>
           <p:nvPr/>
         </p:nvPicPr>
-        <p:blipFill>
-          <a:blip r:embed="rId4"/>
-          <a:stretch>
-            <a:fillRect/>
-          </a:stretch>
+        <p:blipFill rotWithShape="1">
+          <a:blip r:embed="rId4">
+            <a:extLst>
+              <a:ext uri="{28A0092B-C50C-407E-A947-70E740481C1C}">
+                <a14:useLocalDpi xmlns:a14="http://schemas.microsoft.com/office/drawing/2010/main" val="0"/>
+              </a:ext>
+            </a:extLst>
+          </a:blip>
+          <a:srcRect t="15112"/>
+          <a:stretch/>
         </p:blipFill>
         <p:spPr>
           <a:xfrm>
-            <a:off x="0" y="495328"/>
-            <a:ext cx="12192000" cy="5867344"/>
+            <a:off x="0" y="487812"/>
+            <a:ext cx="12191999" cy="5882376"/>
           </a:xfrm>
           <a:prstGeom prst="rect">
             <a:avLst/>
@@ -5072,10 +4934,10 @@
       </p:grpSpPr>
       <p:sp>
         <p:nvSpPr>
-          <p:cNvPr id="8" name="Link">
-            <a:extLst>
-              <a:ext uri="{FF2B5EF4-FFF2-40B4-BE49-F238E27FC236}">
-                <a16:creationId xmlns:a16="http://schemas.microsoft.com/office/drawing/2014/main" id="{98EE8C32-6091-4EEB-98D4-3E7049F8023A}"/>
+          <p:cNvPr id="4" name="Link">
+            <a:extLst>
+              <a:ext uri="{FF2B5EF4-FFF2-40B4-BE49-F238E27FC236}">
+                <a16:creationId xmlns:a16="http://schemas.microsoft.com/office/drawing/2014/main" id="{1DE1EA15-0E87-4788-9ECA-83284C573D5E}"/>
               </a:ext>
             </a:extLst>
           </p:cNvPr>
@@ -5084,8 +4946,8 @@
         </p:nvSpPr>
         <p:spPr>
           <a:xfrm>
-            <a:off x="8207702" y="6696999"/>
-            <a:ext cx="3986201" cy="161001"/>
+            <a:off x="9454538" y="6696999"/>
+            <a:ext cx="2737462" cy="161001"/>
           </a:xfrm>
           <a:prstGeom prst="rect">
             <a:avLst/>
@@ -5123,15 +4985,9 @@
                     <a:lumMod val="50000"/>
                   </a:schemeClr>
                 </a:solidFill>
-                <a:hlinkClick r:id="rId2">
-                  <a:extLst>
-                    <a:ext uri="{A12FA001-AC4F-418D-AE19-62706E023703}">
-                      <ahyp:hlinkClr xmlns:ahyp="http://schemas.microsoft.com/office/drawing/2018/hyperlinkcolor" val="tx"/>
-                    </a:ext>
-                  </a:extLst>
-                </a:hlinkClick>
+                <a:hlinkClick r:id="rId3"/>
               </a:rPr>
-              <a:t>https://github.com/AaronDinnage/Licensing</a:t>
+              <a:t>https://m365maps.com</a:t>
             </a:r>
             <a:endParaRPr lang="en-AU" sz="900" dirty="0">
               <a:solidFill>
@@ -5145,10 +5001,10 @@
       </p:sp>
       <p:pic>
         <p:nvPicPr>
-          <p:cNvPr id="3" name="Enterprise Benefits" descr="Enterprise Benefits">
-            <a:extLst>
-              <a:ext uri="{FF2B5EF4-FFF2-40B4-BE49-F238E27FC236}">
-                <a16:creationId xmlns:a16="http://schemas.microsoft.com/office/drawing/2014/main" id="{06BB443D-ABDE-445E-9EED-FB7ACB7C6B0B}"/>
+          <p:cNvPr id="5" name="Picture 4" descr="Table, calendar&#10;&#10;Description automatically generated">
+            <a:extLst>
+              <a:ext uri="{FF2B5EF4-FFF2-40B4-BE49-F238E27FC236}">
+                <a16:creationId xmlns:a16="http://schemas.microsoft.com/office/drawing/2014/main" id="{BA39DA5F-A5D8-4B75-9B67-8F8D925F80C1}"/>
               </a:ext>
             </a:extLst>
           </p:cNvPr>
@@ -5157,86 +5013,21 @@
           </p:cNvPicPr>
           <p:nvPr/>
         </p:nvPicPr>
-        <p:blipFill>
-          <a:blip r:embed="rId3"/>
-          <a:stretch>
-            <a:fillRect/>
-          </a:stretch>
+        <p:blipFill rotWithShape="1">
+          <a:blip r:embed="rId4">
+            <a:extLst>
+              <a:ext uri="{28A0092B-C50C-407E-A947-70E740481C1C}">
+                <a14:useLocalDpi xmlns:a14="http://schemas.microsoft.com/office/drawing/2010/main" val="0"/>
+              </a:ext>
+            </a:extLst>
+          </a:blip>
+          <a:srcRect t="13296"/>
+          <a:stretch/>
         </p:blipFill>
         <p:spPr>
           <a:xfrm>
-            <a:off x="1854403" y="2059871"/>
-            <a:ext cx="4540360" cy="4052194"/>
-          </a:xfrm>
-          <a:prstGeom prst="rect">
-            <a:avLst/>
-          </a:prstGeom>
-        </p:spPr>
-      </p:pic>
-      <p:sp>
-        <p:nvSpPr>
-          <p:cNvPr id="2" name="Title">
-            <a:extLst>
-              <a:ext uri="{FF2B5EF4-FFF2-40B4-BE49-F238E27FC236}">
-                <a16:creationId xmlns:a16="http://schemas.microsoft.com/office/drawing/2014/main" id="{67D97FFD-C060-4DB0-B692-9BB5BF1C264A}"/>
-              </a:ext>
-            </a:extLst>
-          </p:cNvPr>
-          <p:cNvSpPr>
-            <a:spLocks noGrp="1"/>
-          </p:cNvSpPr>
-          <p:nvPr>
-            <p:ph type="title"/>
-          </p:nvPr>
-        </p:nvSpPr>
-        <p:spPr>
-          <a:xfrm>
-            <a:off x="838200" y="365125"/>
-            <a:ext cx="7043228" cy="1325563"/>
-          </a:xfrm>
-        </p:spPr>
-        <p:txBody>
-          <a:bodyPr/>
-          <a:lstStyle/>
-          <a:p>
-            <a:r>
-              <a:rPr lang="en-AU" dirty="0"/>
-              <a:t>Microsoft 365 Benefits</a:t>
-            </a:r>
-            <a:br>
-              <a:rPr lang="en-AU" dirty="0"/>
-            </a:br>
-            <a:r>
-              <a:rPr lang="en-AU" dirty="0"/>
-              <a:t>and Related Services</a:t>
-            </a:r>
-          </a:p>
-        </p:txBody>
-      </p:sp>
-      <p:pic>
-        <p:nvPicPr>
-          <p:cNvPr id="4" name="Picture 3">
-            <a:extLst>
-              <a:ext uri="{FF2B5EF4-FFF2-40B4-BE49-F238E27FC236}">
-                <a16:creationId xmlns:a16="http://schemas.microsoft.com/office/drawing/2014/main" id="{1DEE5889-E7AA-49A3-AFFC-17CFB52E0803}"/>
-              </a:ext>
-            </a:extLst>
-          </p:cNvPr>
-          <p:cNvPicPr>
-            <a:picLocks noChangeAspect="1"/>
-          </p:cNvPicPr>
-          <p:nvPr/>
-        </p:nvPicPr>
-        <p:blipFill>
-          <a:blip r:embed="rId4"/>
-          <a:stretch>
-            <a:fillRect/>
-          </a:stretch>
-        </p:blipFill>
-        <p:spPr>
-          <a:xfrm>
-            <a:off x="8207702" y="365124"/>
-            <a:ext cx="2630328" cy="6127751"/>
+            <a:off x="0" y="470953"/>
+            <a:ext cx="12192000" cy="5916094"/>
           </a:xfrm>
           <a:prstGeom prst="rect">
             <a:avLst/>
@@ -5246,7 +5037,7 @@
     </p:spTree>
     <p:extLst>
       <p:ext uri="{BB962C8B-B14F-4D97-AF65-F5344CB8AC3E}">
-        <p14:creationId xmlns:p14="http://schemas.microsoft.com/office/powerpoint/2010/main" val="2245115415"/>
+        <p14:creationId xmlns:p14="http://schemas.microsoft.com/office/powerpoint/2010/main" val="3634016083"/>
       </p:ext>
     </p:extLst>
   </p:cSld>
@@ -5287,10 +5078,10 @@
       </p:grpSpPr>
       <p:sp>
         <p:nvSpPr>
-          <p:cNvPr id="4" name="Title 3">
-            <a:extLst>
-              <a:ext uri="{FF2B5EF4-FFF2-40B4-BE49-F238E27FC236}">
-                <a16:creationId xmlns:a16="http://schemas.microsoft.com/office/drawing/2014/main" id="{E725C983-1262-45C1-97B6-EA1476569104}"/>
+          <p:cNvPr id="2" name="Title">
+            <a:extLst>
+              <a:ext uri="{FF2B5EF4-FFF2-40B4-BE49-F238E27FC236}">
+                <a16:creationId xmlns:a16="http://schemas.microsoft.com/office/drawing/2014/main" id="{67D97FFD-C060-4DB0-B692-9BB5BF1C264A}"/>
               </a:ext>
             </a:extLst>
           </p:cNvPr>
@@ -5303,8 +5094,8 @@
         </p:nvSpPr>
         <p:spPr>
           <a:xfrm>
-            <a:off x="831850" y="490451"/>
-            <a:ext cx="10515600" cy="5669279"/>
+            <a:off x="230487" y="365125"/>
+            <a:ext cx="11731027" cy="1325563"/>
           </a:xfrm>
         </p:spPr>
         <p:txBody>
@@ -5315,7 +5106,207 @@
           <a:p>
             <a:r>
               <a:rPr lang="en-AU" dirty="0"/>
-              <a:t>Content on GitHub</a:t>
+              <a:t>Microsoft 365 Enterprise Benefits,</a:t>
+            </a:r>
+            <a:br>
+              <a:rPr lang="en-AU" dirty="0"/>
+            </a:br>
+            <a:r>
+              <a:rPr lang="en-AU" dirty="0"/>
+              <a:t>Microsoft Viva, and Related Services</a:t>
+            </a:r>
+          </a:p>
+        </p:txBody>
+      </p:sp>
+      <p:sp>
+        <p:nvSpPr>
+          <p:cNvPr id="6" name="Link">
+            <a:extLst>
+              <a:ext uri="{FF2B5EF4-FFF2-40B4-BE49-F238E27FC236}">
+                <a16:creationId xmlns:a16="http://schemas.microsoft.com/office/drawing/2014/main" id="{C81CCF5C-9457-44D5-A413-8BA65061754C}"/>
+              </a:ext>
+            </a:extLst>
+          </p:cNvPr>
+          <p:cNvSpPr txBox="1"/>
+          <p:nvPr/>
+        </p:nvSpPr>
+        <p:spPr>
+          <a:xfrm>
+            <a:off x="9454538" y="6696999"/>
+            <a:ext cx="2737462" cy="161001"/>
+          </a:xfrm>
+          <a:prstGeom prst="rect">
+            <a:avLst/>
+          </a:prstGeom>
+          <a:noFill/>
+        </p:spPr>
+        <p:txBody>
+          <a:bodyPr wrap="none" lIns="72000" tIns="0" rIns="72000" bIns="36000" rtlCol="0">
+            <a:spAutoFit/>
+          </a:bodyPr>
+          <a:lstStyle/>
+          <a:p>
+            <a:pPr>
+              <a:lnSpc>
+                <a:spcPct val="90000"/>
+              </a:lnSpc>
+              <a:spcAft>
+                <a:spcPts val="600"/>
+              </a:spcAft>
+            </a:pPr>
+            <a:r>
+              <a:rPr lang="en-AU" sz="900" dirty="0">
+                <a:solidFill>
+                  <a:schemeClr val="bg1">
+                    <a:lumMod val="50000"/>
+                  </a:schemeClr>
+                </a:solidFill>
+              </a:rPr>
+              <a:t>Latest diagrams available here: </a:t>
+            </a:r>
+            <a:r>
+              <a:rPr lang="en-AU" sz="900" dirty="0">
+                <a:solidFill>
+                  <a:schemeClr val="bg1">
+                    <a:lumMod val="50000"/>
+                  </a:schemeClr>
+                </a:solidFill>
+                <a:hlinkClick r:id="rId2"/>
+              </a:rPr>
+              <a:t>https://m365maps.com</a:t>
+            </a:r>
+            <a:endParaRPr lang="en-AU" sz="900" dirty="0">
+              <a:solidFill>
+                <a:schemeClr val="bg1">
+                  <a:lumMod val="50000"/>
+                </a:schemeClr>
+              </a:solidFill>
+            </a:endParaRPr>
+          </a:p>
+        </p:txBody>
+      </p:sp>
+      <p:pic>
+        <p:nvPicPr>
+          <p:cNvPr id="8" name="Picture 7">
+            <a:extLst>
+              <a:ext uri="{FF2B5EF4-FFF2-40B4-BE49-F238E27FC236}">
+                <a16:creationId xmlns:a16="http://schemas.microsoft.com/office/drawing/2014/main" id="{A58BC5A9-6BDB-4DC8-A8BF-463CB8CB4C04}"/>
+              </a:ext>
+            </a:extLst>
+          </p:cNvPr>
+          <p:cNvPicPr>
+            <a:picLocks noChangeAspect="1"/>
+          </p:cNvPicPr>
+          <p:nvPr/>
+        </p:nvPicPr>
+        <p:blipFill>
+          <a:blip r:embed="rId3"/>
+          <a:stretch>
+            <a:fillRect/>
+          </a:stretch>
+        </p:blipFill>
+        <p:spPr>
+          <a:xfrm>
+            <a:off x="230487" y="2557938"/>
+            <a:ext cx="11731028" cy="3268151"/>
+          </a:xfrm>
+          <a:prstGeom prst="rect">
+            <a:avLst/>
+          </a:prstGeom>
+        </p:spPr>
+      </p:pic>
+    </p:spTree>
+    <p:extLst>
+      <p:ext uri="{BB962C8B-B14F-4D97-AF65-F5344CB8AC3E}">
+        <p14:creationId xmlns:p14="http://schemas.microsoft.com/office/powerpoint/2010/main" val="2245115415"/>
+      </p:ext>
+    </p:extLst>
+  </p:cSld>
+  <p:clrMapOvr>
+    <a:masterClrMapping/>
+  </p:clrMapOvr>
+  <mc:AlternateContent xmlns:mc="http://schemas.openxmlformats.org/markup-compatibility/2006" xmlns:p14="http://schemas.microsoft.com/office/powerpoint/2010/main">
+    <mc:Choice Requires="p14">
+      <p:transition spd="med" p14:dur="700">
+        <p:fade/>
+      </p:transition>
+    </mc:Choice>
+    <mc:Fallback xmlns="">
+      <p:transition spd="med">
+        <p:fade/>
+      </p:transition>
+    </mc:Fallback>
+  </mc:AlternateContent>
+</p:sld>
+</file>
+
+<file path=ppt/slides/slide8.xml><?xml version="1.0" encoding="utf-8"?>
+<p:sld xmlns:a="http://schemas.openxmlformats.org/drawingml/2006/main" xmlns:r="http://schemas.openxmlformats.org/officeDocument/2006/relationships" xmlns:p="http://schemas.openxmlformats.org/presentationml/2006/main">
+  <p:cSld>
+    <p:spTree>
+      <p:nvGrpSpPr>
+        <p:cNvPr id="1" name=""/>
+        <p:cNvGrpSpPr/>
+        <p:nvPr/>
+      </p:nvGrpSpPr>
+      <p:grpSpPr>
+        <a:xfrm>
+          <a:off x="0" y="0"/>
+          <a:ext cx="0" cy="0"/>
+          <a:chOff x="0" y="0"/>
+          <a:chExt cx="0" cy="0"/>
+        </a:xfrm>
+      </p:grpSpPr>
+      <p:sp>
+        <p:nvSpPr>
+          <p:cNvPr id="4" name="Title 3">
+            <a:extLst>
+              <a:ext uri="{FF2B5EF4-FFF2-40B4-BE49-F238E27FC236}">
+                <a16:creationId xmlns:a16="http://schemas.microsoft.com/office/drawing/2014/main" id="{E725C983-1262-45C1-97B6-EA1476569104}"/>
+              </a:ext>
+            </a:extLst>
+          </p:cNvPr>
+          <p:cNvSpPr>
+            <a:spLocks noGrp="1"/>
+          </p:cNvSpPr>
+          <p:nvPr>
+            <p:ph type="title"/>
+          </p:nvPr>
+        </p:nvSpPr>
+        <p:spPr>
+          <a:xfrm>
+            <a:off x="831850" y="0"/>
+            <a:ext cx="10515600" cy="6857999"/>
+          </a:xfrm>
+        </p:spPr>
+        <p:txBody>
+          <a:bodyPr anchor="ctr">
+            <a:normAutofit/>
+          </a:bodyPr>
+          <a:lstStyle/>
+          <a:p>
+            <a:r>
+              <a:rPr lang="en-AU" dirty="0"/>
+              <a:t>Website</a:t>
+            </a:r>
+            <a:br>
+              <a:rPr lang="en-AU" dirty="0"/>
+            </a:br>
+            <a:r>
+              <a:rPr lang="en-AU" sz="4000" dirty="0">
+                <a:hlinkClick r:id="rId2"/>
+              </a:rPr>
+              <a:t>https://m365maps.com</a:t>
+            </a:r>
+            <a:br>
+              <a:rPr lang="en-AU" dirty="0"/>
+            </a:br>
+            <a:br>
+              <a:rPr lang="en-AU" dirty="0"/>
+            </a:br>
+            <a:r>
+              <a:rPr lang="en-AU" dirty="0"/>
+              <a:t>GitHub</a:t>
             </a:r>
             <a:br>
               <a:rPr lang="en-AU" dirty="0"/>
@@ -5327,7 +5318,7 @@
                     <a:lumMod val="50000"/>
                   </a:schemeClr>
                 </a:solidFill>
-                <a:hlinkClick r:id="rId2">
+                <a:hlinkClick r:id="rId3">
                   <a:extLst>
                     <a:ext uri="{A12FA001-AC4F-418D-AE19-62706E023703}">
                       <ahyp:hlinkClr xmlns:ahyp="http://schemas.microsoft.com/office/drawing/2018/hyperlinkcolor" val="tx"/>
@@ -5358,7 +5349,7 @@
             </a:br>
             <a:r>
               <a:rPr lang="en-AU" sz="4000" dirty="0">
-                <a:hlinkClick r:id="rId3"/>
+                <a:hlinkClick r:id="rId4"/>
               </a:rPr>
               <a:t>https://twitter.com/AaronDinnage</a:t>
             </a:r>
@@ -5367,7 +5358,7 @@
             </a:br>
             <a:r>
               <a:rPr lang="en-AU" sz="4000" dirty="0">
-                <a:hlinkClick r:id="rId4"/>
+                <a:hlinkClick r:id="rId5"/>
               </a:rPr>
               <a:t>https://www.linkedin.com/in/aarondinnage/</a:t>
             </a:r>

--- a/Microsoft 365 Enterprise License Map.pptx
+++ b/Microsoft 365 Enterprise License Map.pptx
@@ -141,7 +141,7 @@
 <file path=ppt/revisionInfo.xml><?xml version="1.0" encoding="utf-8"?>
 <p1510:revInfo xmlns:a="http://schemas.openxmlformats.org/drawingml/2006/main" xmlns:r="http://schemas.openxmlformats.org/officeDocument/2006/relationships" xmlns:p1510="http://schemas.microsoft.com/office/powerpoint/2015/10/main">
   <p1510:revLst>
-    <p1510:client id="{511945EA-59AD-490D-A736-3EA0D68DB087}" v="24" dt="2021-02-08T13:36:24.395"/>
+    <p1510:client id="{E064CA59-0E21-4C53-928A-7E9DC8C086EA}" v="6" dt="2021-03-26T11:21:57.368"/>
   </p1510:revLst>
 </p1510:revInfo>
 </file>
@@ -228,7 +228,7 @@
           <a:p>
             <a:fld id="{5501C88C-2D47-4607-965A-262E2CFCF213}" type="datetimeFigureOut">
               <a:rPr lang="en-AU" smtClean="0"/>
-              <a:t>9/02/2021</a:t>
+              <a:t>26/03/2021</a:t>
             </a:fld>
             <a:endParaRPr lang="en-AU"/>
           </a:p>
@@ -1082,7 +1082,7 @@
           <a:p>
             <a:fld id="{5A8F0079-C155-4963-BA90-8B06FFA7587C}" type="datetimeFigureOut">
               <a:rPr lang="en-AU" smtClean="0"/>
-              <a:t>9/02/2021</a:t>
+              <a:t>26/03/2021</a:t>
             </a:fld>
             <a:endParaRPr lang="en-AU"/>
           </a:p>
@@ -1282,7 +1282,7 @@
           <a:p>
             <a:fld id="{5A8F0079-C155-4963-BA90-8B06FFA7587C}" type="datetimeFigureOut">
               <a:rPr lang="en-AU" smtClean="0"/>
-              <a:t>9/02/2021</a:t>
+              <a:t>26/03/2021</a:t>
             </a:fld>
             <a:endParaRPr lang="en-AU"/>
           </a:p>
@@ -1492,7 +1492,7 @@
           <a:p>
             <a:fld id="{5A8F0079-C155-4963-BA90-8B06FFA7587C}" type="datetimeFigureOut">
               <a:rPr lang="en-AU" smtClean="0"/>
-              <a:t>9/02/2021</a:t>
+              <a:t>26/03/2021</a:t>
             </a:fld>
             <a:endParaRPr lang="en-AU"/>
           </a:p>
@@ -1692,7 +1692,7 @@
           <a:p>
             <a:fld id="{5A8F0079-C155-4963-BA90-8B06FFA7587C}" type="datetimeFigureOut">
               <a:rPr lang="en-AU" smtClean="0"/>
-              <a:t>9/02/2021</a:t>
+              <a:t>26/03/2021</a:t>
             </a:fld>
             <a:endParaRPr lang="en-AU"/>
           </a:p>
@@ -1968,7 +1968,7 @@
           <a:p>
             <a:fld id="{5A8F0079-C155-4963-BA90-8B06FFA7587C}" type="datetimeFigureOut">
               <a:rPr lang="en-AU" smtClean="0"/>
-              <a:t>9/02/2021</a:t>
+              <a:t>26/03/2021</a:t>
             </a:fld>
             <a:endParaRPr lang="en-AU"/>
           </a:p>
@@ -2236,7 +2236,7 @@
           <a:p>
             <a:fld id="{5A8F0079-C155-4963-BA90-8B06FFA7587C}" type="datetimeFigureOut">
               <a:rPr lang="en-AU" smtClean="0"/>
-              <a:t>9/02/2021</a:t>
+              <a:t>26/03/2021</a:t>
             </a:fld>
             <a:endParaRPr lang="en-AU"/>
           </a:p>
@@ -2651,7 +2651,7 @@
           <a:p>
             <a:fld id="{5A8F0079-C155-4963-BA90-8B06FFA7587C}" type="datetimeFigureOut">
               <a:rPr lang="en-AU" smtClean="0"/>
-              <a:t>9/02/2021</a:t>
+              <a:t>26/03/2021</a:t>
             </a:fld>
             <a:endParaRPr lang="en-AU"/>
           </a:p>
@@ -2793,7 +2793,7 @@
           <a:p>
             <a:fld id="{5A8F0079-C155-4963-BA90-8B06FFA7587C}" type="datetimeFigureOut">
               <a:rPr lang="en-AU" smtClean="0"/>
-              <a:t>9/02/2021</a:t>
+              <a:t>26/03/2021</a:t>
             </a:fld>
             <a:endParaRPr lang="en-AU"/>
           </a:p>
@@ -2906,7 +2906,7 @@
           <a:p>
             <a:fld id="{5A8F0079-C155-4963-BA90-8B06FFA7587C}" type="datetimeFigureOut">
               <a:rPr lang="en-AU" smtClean="0"/>
-              <a:t>9/02/2021</a:t>
+              <a:t>26/03/2021</a:t>
             </a:fld>
             <a:endParaRPr lang="en-AU"/>
           </a:p>
@@ -3219,7 +3219,7 @@
           <a:p>
             <a:fld id="{5A8F0079-C155-4963-BA90-8B06FFA7587C}" type="datetimeFigureOut">
               <a:rPr lang="en-AU" smtClean="0"/>
-              <a:t>9/02/2021</a:t>
+              <a:t>26/03/2021</a:t>
             </a:fld>
             <a:endParaRPr lang="en-AU"/>
           </a:p>
@@ -3508,7 +3508,7 @@
           <a:p>
             <a:fld id="{5A8F0079-C155-4963-BA90-8B06FFA7587C}" type="datetimeFigureOut">
               <a:rPr lang="en-AU" smtClean="0"/>
-              <a:t>9/02/2021</a:t>
+              <a:t>26/03/2021</a:t>
             </a:fld>
             <a:endParaRPr lang="en-AU"/>
           </a:p>
@@ -3751,7 +3751,7 @@
           <a:p>
             <a:fld id="{5A8F0079-C155-4963-BA90-8B06FFA7587C}" type="datetimeFigureOut">
               <a:rPr lang="en-AU" smtClean="0"/>
-              <a:t>9/02/2021</a:t>
+              <a:t>26/03/2021</a:t>
             </a:fld>
             <a:endParaRPr lang="en-AU"/>
           </a:p>
@@ -4232,7 +4232,7 @@
           <a:p>
             <a:r>
               <a:rPr lang="en-AU" dirty="0"/>
-              <a:t>February 2021</a:t>
+              <a:t>March 2021</a:t>
             </a:r>
           </a:p>
         </p:txBody>
@@ -4356,6 +4356,41 @@
           <a:chExt cx="0" cy="0"/>
         </a:xfrm>
       </p:grpSpPr>
+      <p:pic>
+        <p:nvPicPr>
+          <p:cNvPr id="4" name="Picture 3" descr="Table&#10;&#10;Description automatically generated">
+            <a:extLst>
+              <a:ext uri="{FF2B5EF4-FFF2-40B4-BE49-F238E27FC236}">
+                <a16:creationId xmlns:a16="http://schemas.microsoft.com/office/drawing/2014/main" id="{1215E541-9C2A-4960-986C-728DC251CDE4}"/>
+              </a:ext>
+            </a:extLst>
+          </p:cNvPr>
+          <p:cNvPicPr>
+            <a:picLocks noChangeAspect="1"/>
+          </p:cNvPicPr>
+          <p:nvPr/>
+        </p:nvPicPr>
+        <p:blipFill rotWithShape="1">
+          <a:blip r:embed="rId3">
+            <a:extLst>
+              <a:ext uri="{28A0092B-C50C-407E-A947-70E740481C1C}">
+                <a14:useLocalDpi xmlns:a14="http://schemas.microsoft.com/office/drawing/2010/main" val="0"/>
+              </a:ext>
+            </a:extLst>
+          </a:blip>
+          <a:srcRect t="15320"/>
+          <a:stretch/>
+        </p:blipFill>
+        <p:spPr>
+          <a:xfrm>
+            <a:off x="0" y="594271"/>
+            <a:ext cx="12192000" cy="5669457"/>
+          </a:xfrm>
+          <a:prstGeom prst="rect">
+            <a:avLst/>
+          </a:prstGeom>
+        </p:spPr>
+      </p:pic>
       <p:sp>
         <p:nvSpPr>
           <p:cNvPr id="2" name="Link">
@@ -4409,7 +4444,7 @@
                     <a:lumMod val="50000"/>
                   </a:schemeClr>
                 </a:solidFill>
-                <a:hlinkClick r:id="rId3"/>
+                <a:hlinkClick r:id="rId4"/>
               </a:rPr>
               <a:t>https://m365maps.com</a:t>
             </a:r>
@@ -4423,41 +4458,6 @@
           </a:p>
         </p:txBody>
       </p:sp>
-      <p:pic>
-        <p:nvPicPr>
-          <p:cNvPr id="5" name="Picture 4" descr="A screenshot of a computer&#10;&#10;Description automatically generated with low confidence">
-            <a:extLst>
-              <a:ext uri="{FF2B5EF4-FFF2-40B4-BE49-F238E27FC236}">
-                <a16:creationId xmlns:a16="http://schemas.microsoft.com/office/drawing/2014/main" id="{C57C1291-ECCC-4569-94CE-E50FFE5E4346}"/>
-              </a:ext>
-            </a:extLst>
-          </p:cNvPr>
-          <p:cNvPicPr>
-            <a:picLocks noChangeAspect="1"/>
-          </p:cNvPicPr>
-          <p:nvPr/>
-        </p:nvPicPr>
-        <p:blipFill rotWithShape="1">
-          <a:blip r:embed="rId4">
-            <a:extLst>
-              <a:ext uri="{28A0092B-C50C-407E-A947-70E740481C1C}">
-                <a14:useLocalDpi xmlns:a14="http://schemas.microsoft.com/office/drawing/2010/main" val="0"/>
-              </a:ext>
-            </a:extLst>
-          </a:blip>
-          <a:srcRect t="15738"/>
-          <a:stretch/>
-        </p:blipFill>
-        <p:spPr>
-          <a:xfrm>
-            <a:off x="0" y="594272"/>
-            <a:ext cx="12192000" cy="5669457"/>
-          </a:xfrm>
-          <a:prstGeom prst="rect">
-            <a:avLst/>
-          </a:prstGeom>
-        </p:spPr>
-      </p:pic>
     </p:spTree>
     <p:extLst>
       <p:ext uri="{BB962C8B-B14F-4D97-AF65-F5344CB8AC3E}">
@@ -4500,6 +4500,41 @@
           <a:chExt cx="0" cy="0"/>
         </a:xfrm>
       </p:grpSpPr>
+      <p:pic>
+        <p:nvPicPr>
+          <p:cNvPr id="3" name="Picture 2" descr="Table&#10;&#10;Description automatically generated">
+            <a:extLst>
+              <a:ext uri="{FF2B5EF4-FFF2-40B4-BE49-F238E27FC236}">
+                <a16:creationId xmlns:a16="http://schemas.microsoft.com/office/drawing/2014/main" id="{9F712E88-E44A-4B2B-A02A-C12D6242B3F4}"/>
+              </a:ext>
+            </a:extLst>
+          </p:cNvPr>
+          <p:cNvPicPr>
+            <a:picLocks noChangeAspect="1"/>
+          </p:cNvPicPr>
+          <p:nvPr/>
+        </p:nvPicPr>
+        <p:blipFill rotWithShape="1">
+          <a:blip r:embed="rId3">
+            <a:extLst>
+              <a:ext uri="{28A0092B-C50C-407E-A947-70E740481C1C}">
+                <a14:useLocalDpi xmlns:a14="http://schemas.microsoft.com/office/drawing/2010/main" val="0"/>
+              </a:ext>
+            </a:extLst>
+          </a:blip>
+          <a:srcRect t="11272"/>
+          <a:stretch/>
+        </p:blipFill>
+        <p:spPr>
+          <a:xfrm>
+            <a:off x="0" y="0"/>
+            <a:ext cx="12232553" cy="6654898"/>
+          </a:xfrm>
+          <a:prstGeom prst="rect">
+            <a:avLst/>
+          </a:prstGeom>
+        </p:spPr>
+      </p:pic>
       <p:sp>
         <p:nvSpPr>
           <p:cNvPr id="4" name="Link">
@@ -4553,7 +4588,7 @@
                     <a:lumMod val="50000"/>
                   </a:schemeClr>
                 </a:solidFill>
-                <a:hlinkClick r:id="rId3"/>
+                <a:hlinkClick r:id="rId4"/>
               </a:rPr>
               <a:t>https://m365maps.com</a:t>
             </a:r>
@@ -4567,41 +4602,6 @@
           </a:p>
         </p:txBody>
       </p:sp>
-      <p:pic>
-        <p:nvPicPr>
-          <p:cNvPr id="5" name="Picture 4" descr="Table, calendar&#10;&#10;Description automatically generated">
-            <a:extLst>
-              <a:ext uri="{FF2B5EF4-FFF2-40B4-BE49-F238E27FC236}">
-                <a16:creationId xmlns:a16="http://schemas.microsoft.com/office/drawing/2014/main" id="{7816A5A4-E82A-4D53-870C-573F5553B8A4}"/>
-              </a:ext>
-            </a:extLst>
-          </p:cNvPr>
-          <p:cNvPicPr>
-            <a:picLocks noChangeAspect="1"/>
-          </p:cNvPicPr>
-          <p:nvPr/>
-        </p:nvPicPr>
-        <p:blipFill rotWithShape="1">
-          <a:blip r:embed="rId4">
-            <a:extLst>
-              <a:ext uri="{28A0092B-C50C-407E-A947-70E740481C1C}">
-                <a14:useLocalDpi xmlns:a14="http://schemas.microsoft.com/office/drawing/2010/main" val="0"/>
-              </a:ext>
-            </a:extLst>
-          </a:blip>
-          <a:srcRect t="11899"/>
-          <a:stretch/>
-        </p:blipFill>
-        <p:spPr>
-          <a:xfrm>
-            <a:off x="0" y="39328"/>
-            <a:ext cx="12192000" cy="6611977"/>
-          </a:xfrm>
-          <a:prstGeom prst="rect">
-            <a:avLst/>
-          </a:prstGeom>
-        </p:spPr>
-      </p:pic>
     </p:spTree>
     <p:extLst>
       <p:ext uri="{BB962C8B-B14F-4D97-AF65-F5344CB8AC3E}">
@@ -4644,6 +4644,41 @@
           <a:chExt cx="0" cy="0"/>
         </a:xfrm>
       </p:grpSpPr>
+      <p:pic>
+        <p:nvPicPr>
+          <p:cNvPr id="3" name="Picture 2" descr="Graphical user interface, table&#10;&#10;Description automatically generated">
+            <a:extLst>
+              <a:ext uri="{FF2B5EF4-FFF2-40B4-BE49-F238E27FC236}">
+                <a16:creationId xmlns:a16="http://schemas.microsoft.com/office/drawing/2014/main" id="{AE6F4619-8EA8-4AB9-9243-2669153E9776}"/>
+              </a:ext>
+            </a:extLst>
+          </p:cNvPr>
+          <p:cNvPicPr>
+            <a:picLocks noChangeAspect="1"/>
+          </p:cNvPicPr>
+          <p:nvPr/>
+        </p:nvPicPr>
+        <p:blipFill rotWithShape="1">
+          <a:blip r:embed="rId3">
+            <a:extLst>
+              <a:ext uri="{28A0092B-C50C-407E-A947-70E740481C1C}">
+                <a14:useLocalDpi xmlns:a14="http://schemas.microsoft.com/office/drawing/2010/main" val="0"/>
+              </a:ext>
+            </a:extLst>
+          </a:blip>
+          <a:srcRect t="15487"/>
+          <a:stretch/>
+        </p:blipFill>
+        <p:spPr>
+          <a:xfrm>
+            <a:off x="0" y="331043"/>
+            <a:ext cx="12192000" cy="6195913"/>
+          </a:xfrm>
+          <a:prstGeom prst="rect">
+            <a:avLst/>
+          </a:prstGeom>
+        </p:spPr>
+      </p:pic>
       <p:sp>
         <p:nvSpPr>
           <p:cNvPr id="4" name="Link">
@@ -4697,7 +4732,7 @@
                     <a:lumMod val="50000"/>
                   </a:schemeClr>
                 </a:solidFill>
-                <a:hlinkClick r:id="rId3"/>
+                <a:hlinkClick r:id="rId4"/>
               </a:rPr>
               <a:t>https://m365maps.com</a:t>
             </a:r>
@@ -4711,41 +4746,6 @@
           </a:p>
         </p:txBody>
       </p:sp>
-      <p:pic>
-        <p:nvPicPr>
-          <p:cNvPr id="5" name="Picture 4" descr="Graphical user interface&#10;&#10;Description automatically generated with medium confidence">
-            <a:extLst>
-              <a:ext uri="{FF2B5EF4-FFF2-40B4-BE49-F238E27FC236}">
-                <a16:creationId xmlns:a16="http://schemas.microsoft.com/office/drawing/2014/main" id="{0846A18D-C0F8-4FB3-BA3A-E504364BB6AE}"/>
-              </a:ext>
-            </a:extLst>
-          </p:cNvPr>
-          <p:cNvPicPr>
-            <a:picLocks noChangeAspect="1"/>
-          </p:cNvPicPr>
-          <p:nvPr/>
-        </p:nvPicPr>
-        <p:blipFill rotWithShape="1">
-          <a:blip r:embed="rId4">
-            <a:extLst>
-              <a:ext uri="{28A0092B-C50C-407E-A947-70E740481C1C}">
-                <a14:useLocalDpi xmlns:a14="http://schemas.microsoft.com/office/drawing/2010/main" val="0"/>
-              </a:ext>
-            </a:extLst>
-          </a:blip>
-          <a:srcRect t="15914"/>
-          <a:stretch/>
-        </p:blipFill>
-        <p:spPr>
-          <a:xfrm>
-            <a:off x="0" y="331044"/>
-            <a:ext cx="12192000" cy="6195913"/>
-          </a:xfrm>
-          <a:prstGeom prst="rect">
-            <a:avLst/>
-          </a:prstGeom>
-        </p:spPr>
-      </p:pic>
     </p:spTree>
     <p:extLst>
       <p:ext uri="{BB962C8B-B14F-4D97-AF65-F5344CB8AC3E}">
@@ -4788,6 +4788,41 @@
           <a:chExt cx="0" cy="0"/>
         </a:xfrm>
       </p:grpSpPr>
+      <p:pic>
+        <p:nvPicPr>
+          <p:cNvPr id="3" name="Picture 2" descr="Graphical user interface, table&#10;&#10;Description automatically generated">
+            <a:extLst>
+              <a:ext uri="{FF2B5EF4-FFF2-40B4-BE49-F238E27FC236}">
+                <a16:creationId xmlns:a16="http://schemas.microsoft.com/office/drawing/2014/main" id="{6F8EF350-0DFD-4976-AE15-376DF758A25D}"/>
+              </a:ext>
+            </a:extLst>
+          </p:cNvPr>
+          <p:cNvPicPr>
+            <a:picLocks noChangeAspect="1"/>
+          </p:cNvPicPr>
+          <p:nvPr/>
+        </p:nvPicPr>
+        <p:blipFill rotWithShape="1">
+          <a:blip r:embed="rId3">
+            <a:extLst>
+              <a:ext uri="{28A0092B-C50C-407E-A947-70E740481C1C}">
+                <a14:useLocalDpi xmlns:a14="http://schemas.microsoft.com/office/drawing/2010/main" val="0"/>
+              </a:ext>
+            </a:extLst>
+          </a:blip>
+          <a:srcRect t="14226"/>
+          <a:stretch/>
+        </p:blipFill>
+        <p:spPr>
+          <a:xfrm>
+            <a:off x="0" y="487811"/>
+            <a:ext cx="12192000" cy="5910793"/>
+          </a:xfrm>
+          <a:prstGeom prst="rect">
+            <a:avLst/>
+          </a:prstGeom>
+        </p:spPr>
+      </p:pic>
       <p:sp>
         <p:nvSpPr>
           <p:cNvPr id="4" name="Link">
@@ -4841,7 +4876,7 @@
                     <a:lumMod val="50000"/>
                   </a:schemeClr>
                 </a:solidFill>
-                <a:hlinkClick r:id="rId3"/>
+                <a:hlinkClick r:id="rId4"/>
               </a:rPr>
               <a:t>https://m365maps.com</a:t>
             </a:r>
@@ -4855,41 +4890,6 @@
           </a:p>
         </p:txBody>
       </p:sp>
-      <p:pic>
-        <p:nvPicPr>
-          <p:cNvPr id="5" name="Picture 4" descr="Graphical user interface, table&#10;&#10;Description automatically generated">
-            <a:extLst>
-              <a:ext uri="{FF2B5EF4-FFF2-40B4-BE49-F238E27FC236}">
-                <a16:creationId xmlns:a16="http://schemas.microsoft.com/office/drawing/2014/main" id="{C4F8768C-DE3E-4EC6-BE8E-DEB2EB7198B0}"/>
-              </a:ext>
-            </a:extLst>
-          </p:cNvPr>
-          <p:cNvPicPr>
-            <a:picLocks noChangeAspect="1"/>
-          </p:cNvPicPr>
-          <p:nvPr/>
-        </p:nvPicPr>
-        <p:blipFill rotWithShape="1">
-          <a:blip r:embed="rId4">
-            <a:extLst>
-              <a:ext uri="{28A0092B-C50C-407E-A947-70E740481C1C}">
-                <a14:useLocalDpi xmlns:a14="http://schemas.microsoft.com/office/drawing/2010/main" val="0"/>
-              </a:ext>
-            </a:extLst>
-          </a:blip>
-          <a:srcRect t="15112"/>
-          <a:stretch/>
-        </p:blipFill>
-        <p:spPr>
-          <a:xfrm>
-            <a:off x="0" y="487812"/>
-            <a:ext cx="12191999" cy="5882376"/>
-          </a:xfrm>
-          <a:prstGeom prst="rect">
-            <a:avLst/>
-          </a:prstGeom>
-        </p:spPr>
-      </p:pic>
     </p:spTree>
     <p:extLst>
       <p:ext uri="{BB962C8B-B14F-4D97-AF65-F5344CB8AC3E}">
@@ -4932,79 +4932,12 @@
           <a:chExt cx="0" cy="0"/>
         </a:xfrm>
       </p:grpSpPr>
-      <p:sp>
-        <p:nvSpPr>
-          <p:cNvPr id="4" name="Link">
-            <a:extLst>
-              <a:ext uri="{FF2B5EF4-FFF2-40B4-BE49-F238E27FC236}">
-                <a16:creationId xmlns:a16="http://schemas.microsoft.com/office/drawing/2014/main" id="{1DE1EA15-0E87-4788-9ECA-83284C573D5E}"/>
-              </a:ext>
-            </a:extLst>
-          </p:cNvPr>
-          <p:cNvSpPr txBox="1"/>
-          <p:nvPr/>
-        </p:nvSpPr>
-        <p:spPr>
-          <a:xfrm>
-            <a:off x="9454538" y="6696999"/>
-            <a:ext cx="2737462" cy="161001"/>
-          </a:xfrm>
-          <a:prstGeom prst="rect">
-            <a:avLst/>
-          </a:prstGeom>
-          <a:noFill/>
-        </p:spPr>
-        <p:txBody>
-          <a:bodyPr wrap="none" lIns="72000" tIns="0" rIns="72000" bIns="36000" rtlCol="0">
-            <a:spAutoFit/>
-          </a:bodyPr>
-          <a:lstStyle/>
-          <a:p>
-            <a:pPr>
-              <a:lnSpc>
-                <a:spcPct val="90000"/>
-              </a:lnSpc>
-              <a:spcAft>
-                <a:spcPts val="600"/>
-              </a:spcAft>
-            </a:pPr>
-            <a:r>
-              <a:rPr lang="en-AU" sz="900" dirty="0">
-                <a:solidFill>
-                  <a:schemeClr val="bg1">
-                    <a:lumMod val="50000"/>
-                  </a:schemeClr>
-                </a:solidFill>
-              </a:rPr>
-              <a:t>Latest diagrams available here: </a:t>
-            </a:r>
-            <a:r>
-              <a:rPr lang="en-AU" sz="900" dirty="0">
-                <a:solidFill>
-                  <a:schemeClr val="bg1">
-                    <a:lumMod val="50000"/>
-                  </a:schemeClr>
-                </a:solidFill>
-                <a:hlinkClick r:id="rId3"/>
-              </a:rPr>
-              <a:t>https://m365maps.com</a:t>
-            </a:r>
-            <a:endParaRPr lang="en-AU" sz="900" dirty="0">
-              <a:solidFill>
-                <a:schemeClr val="bg1">
-                  <a:lumMod val="50000"/>
-                </a:schemeClr>
-              </a:solidFill>
-            </a:endParaRPr>
-          </a:p>
-        </p:txBody>
-      </p:sp>
       <p:pic>
         <p:nvPicPr>
-          <p:cNvPr id="5" name="Picture 4" descr="Table, calendar&#10;&#10;Description automatically generated">
-            <a:extLst>
-              <a:ext uri="{FF2B5EF4-FFF2-40B4-BE49-F238E27FC236}">
-                <a16:creationId xmlns:a16="http://schemas.microsoft.com/office/drawing/2014/main" id="{BA39DA5F-A5D8-4B75-9B67-8F8D925F80C1}"/>
+          <p:cNvPr id="3" name="Picture 2" descr="Table&#10;&#10;Description automatically generated">
+            <a:extLst>
+              <a:ext uri="{FF2B5EF4-FFF2-40B4-BE49-F238E27FC236}">
+                <a16:creationId xmlns:a16="http://schemas.microsoft.com/office/drawing/2014/main" id="{1675E933-E673-4440-A109-084D0A1E32DE}"/>
               </a:ext>
             </a:extLst>
           </p:cNvPr>
@@ -5014,14 +4947,14 @@
           <p:nvPr/>
         </p:nvPicPr>
         <p:blipFill rotWithShape="1">
-          <a:blip r:embed="rId4">
+          <a:blip r:embed="rId3">
             <a:extLst>
               <a:ext uri="{28A0092B-C50C-407E-A947-70E740481C1C}">
                 <a14:useLocalDpi xmlns:a14="http://schemas.microsoft.com/office/drawing/2010/main" val="0"/>
               </a:ext>
             </a:extLst>
           </a:blip>
-          <a:srcRect t="13296"/>
+          <a:srcRect t="12895"/>
           <a:stretch/>
         </p:blipFill>
         <p:spPr>
@@ -5034,6 +4967,73 @@
           </a:prstGeom>
         </p:spPr>
       </p:pic>
+      <p:sp>
+        <p:nvSpPr>
+          <p:cNvPr id="4" name="Link">
+            <a:extLst>
+              <a:ext uri="{FF2B5EF4-FFF2-40B4-BE49-F238E27FC236}">
+                <a16:creationId xmlns:a16="http://schemas.microsoft.com/office/drawing/2014/main" id="{1DE1EA15-0E87-4788-9ECA-83284C573D5E}"/>
+              </a:ext>
+            </a:extLst>
+          </p:cNvPr>
+          <p:cNvSpPr txBox="1"/>
+          <p:nvPr/>
+        </p:nvSpPr>
+        <p:spPr>
+          <a:xfrm>
+            <a:off x="9454538" y="6696999"/>
+            <a:ext cx="2737462" cy="161001"/>
+          </a:xfrm>
+          <a:prstGeom prst="rect">
+            <a:avLst/>
+          </a:prstGeom>
+          <a:noFill/>
+        </p:spPr>
+        <p:txBody>
+          <a:bodyPr wrap="none" lIns="72000" tIns="0" rIns="72000" bIns="36000" rtlCol="0">
+            <a:spAutoFit/>
+          </a:bodyPr>
+          <a:lstStyle/>
+          <a:p>
+            <a:pPr>
+              <a:lnSpc>
+                <a:spcPct val="90000"/>
+              </a:lnSpc>
+              <a:spcAft>
+                <a:spcPts val="600"/>
+              </a:spcAft>
+            </a:pPr>
+            <a:r>
+              <a:rPr lang="en-AU" sz="900" dirty="0">
+                <a:solidFill>
+                  <a:schemeClr val="bg1">
+                    <a:lumMod val="50000"/>
+                  </a:schemeClr>
+                </a:solidFill>
+              </a:rPr>
+              <a:t>Latest diagrams available here: </a:t>
+            </a:r>
+            <a:r>
+              <a:rPr lang="en-AU" sz="900" dirty="0">
+                <a:solidFill>
+                  <a:schemeClr val="bg1">
+                    <a:lumMod val="50000"/>
+                  </a:schemeClr>
+                </a:solidFill>
+                <a:hlinkClick r:id="rId4"/>
+              </a:rPr>
+              <a:t>https://m365maps.com</a:t>
+            </a:r>
+            <a:endParaRPr lang="en-AU" sz="900" dirty="0">
+              <a:solidFill>
+                <a:schemeClr val="bg1">
+                  <a:lumMod val="50000"/>
+                </a:schemeClr>
+              </a:solidFill>
+            </a:endParaRPr>
+          </a:p>
+        </p:txBody>
+      </p:sp>
     </p:spTree>
     <p:extLst>
       <p:ext uri="{BB962C8B-B14F-4D97-AF65-F5344CB8AC3E}">
@@ -5187,10 +5187,10 @@
       </p:sp>
       <p:pic>
         <p:nvPicPr>
-          <p:cNvPr id="8" name="Picture 7">
-            <a:extLst>
-              <a:ext uri="{FF2B5EF4-FFF2-40B4-BE49-F238E27FC236}">
-                <a16:creationId xmlns:a16="http://schemas.microsoft.com/office/drawing/2014/main" id="{A58BC5A9-6BDB-4DC8-A8BF-463CB8CB4C04}"/>
+          <p:cNvPr id="7" name="Picture 6">
+            <a:extLst>
+              <a:ext uri="{FF2B5EF4-FFF2-40B4-BE49-F238E27FC236}">
+                <a16:creationId xmlns:a16="http://schemas.microsoft.com/office/drawing/2014/main" id="{2EF6631B-9E41-4587-B8B1-FFDB40EA938D}"/>
               </a:ext>
             </a:extLst>
           </p:cNvPr>
@@ -5207,8 +5207,8 @@
         </p:blipFill>
         <p:spPr>
           <a:xfrm>
-            <a:off x="230487" y="2557938"/>
-            <a:ext cx="11731028" cy="3268151"/>
+            <a:off x="0" y="2324279"/>
+            <a:ext cx="12192000" cy="3418176"/>
           </a:xfrm>
           <a:prstGeom prst="rect">
             <a:avLst/>
